--- a/RAML-seminar.pptx
+++ b/RAML-seminar.pptx
@@ -6,6 +6,37 @@
   </p:sldMasterIdLst>
   <p:sldIdLst>
     <p:sldId id="256" r:id="rId2"/>
+    <p:sldId id="263" r:id="rId3"/>
+    <p:sldId id="262" r:id="rId4"/>
+    <p:sldId id="272" r:id="rId5"/>
+    <p:sldId id="264" r:id="rId6"/>
+    <p:sldId id="261" r:id="rId7"/>
+    <p:sldId id="265" r:id="rId8"/>
+    <p:sldId id="266" r:id="rId9"/>
+    <p:sldId id="267" r:id="rId10"/>
+    <p:sldId id="270" r:id="rId11"/>
+    <p:sldId id="269" r:id="rId12"/>
+    <p:sldId id="268" r:id="rId13"/>
+    <p:sldId id="271" r:id="rId14"/>
+    <p:sldId id="260" r:id="rId15"/>
+    <p:sldId id="273" r:id="rId16"/>
+    <p:sldId id="274" r:id="rId17"/>
+    <p:sldId id="275" r:id="rId18"/>
+    <p:sldId id="276" r:id="rId19"/>
+    <p:sldId id="277" r:id="rId20"/>
+    <p:sldId id="282" r:id="rId21"/>
+    <p:sldId id="278" r:id="rId22"/>
+    <p:sldId id="280" r:id="rId23"/>
+    <p:sldId id="283" r:id="rId24"/>
+    <p:sldId id="284" r:id="rId25"/>
+    <p:sldId id="288" r:id="rId26"/>
+    <p:sldId id="290" r:id="rId27"/>
+    <p:sldId id="291" r:id="rId28"/>
+    <p:sldId id="287" r:id="rId29"/>
+    <p:sldId id="286" r:id="rId30"/>
+    <p:sldId id="292" r:id="rId31"/>
+    <p:sldId id="293" r:id="rId32"/>
+    <p:sldId id="258" r:id="rId33"/>
   </p:sldIdLst>
   <p:sldSz cx="12192000" cy="6858000"/>
   <p:notesSz cx="6858000" cy="9144000"/>
@@ -104,6 +135,11 @@
       </a:defRPr>
     </a:lvl9pPr>
   </p:defaultTextStyle>
+  <p:extLst>
+    <p:ext uri="{EFAFB233-063F-42B5-8137-9DF3F51BA10A}">
+      <p15:sldGuideLst xmlns:p15="http://schemas.microsoft.com/office/powerpoint/2012/main"/>
+    </p:ext>
+  </p:extLst>
 </p:presentation>
 </file>
 
@@ -256,7 +292,7 @@
           <a:p>
             <a:fld id="{0D2575B7-F8F4-498B-9788-2D983DD7CF6B}" type="datetimeFigureOut">
               <a:rPr lang="en-DE" smtClean="0"/>
-              <a:t>14/05/2025</a:t>
+              <a:t>15/05/2025</a:t>
             </a:fld>
             <a:endParaRPr lang="en-DE"/>
           </a:p>
@@ -456,7 +492,7 @@
           <a:p>
             <a:fld id="{0D2575B7-F8F4-498B-9788-2D983DD7CF6B}" type="datetimeFigureOut">
               <a:rPr lang="en-DE" smtClean="0"/>
-              <a:t>14/05/2025</a:t>
+              <a:t>15/05/2025</a:t>
             </a:fld>
             <a:endParaRPr lang="en-DE"/>
           </a:p>
@@ -666,7 +702,7 @@
           <a:p>
             <a:fld id="{0D2575B7-F8F4-498B-9788-2D983DD7CF6B}" type="datetimeFigureOut">
               <a:rPr lang="en-DE" smtClean="0"/>
-              <a:t>14/05/2025</a:t>
+              <a:t>15/05/2025</a:t>
             </a:fld>
             <a:endParaRPr lang="en-DE"/>
           </a:p>
@@ -866,7 +902,7 @@
           <a:p>
             <a:fld id="{0D2575B7-F8F4-498B-9788-2D983DD7CF6B}" type="datetimeFigureOut">
               <a:rPr lang="en-DE" smtClean="0"/>
-              <a:t>14/05/2025</a:t>
+              <a:t>15/05/2025</a:t>
             </a:fld>
             <a:endParaRPr lang="en-DE"/>
           </a:p>
@@ -1142,7 +1178,7 @@
           <a:p>
             <a:fld id="{0D2575B7-F8F4-498B-9788-2D983DD7CF6B}" type="datetimeFigureOut">
               <a:rPr lang="en-DE" smtClean="0"/>
-              <a:t>14/05/2025</a:t>
+              <a:t>15/05/2025</a:t>
             </a:fld>
             <a:endParaRPr lang="en-DE"/>
           </a:p>
@@ -1410,7 +1446,7 @@
           <a:p>
             <a:fld id="{0D2575B7-F8F4-498B-9788-2D983DD7CF6B}" type="datetimeFigureOut">
               <a:rPr lang="en-DE" smtClean="0"/>
-              <a:t>14/05/2025</a:t>
+              <a:t>15/05/2025</a:t>
             </a:fld>
             <a:endParaRPr lang="en-DE"/>
           </a:p>
@@ -1825,7 +1861,7 @@
           <a:p>
             <a:fld id="{0D2575B7-F8F4-498B-9788-2D983DD7CF6B}" type="datetimeFigureOut">
               <a:rPr lang="en-DE" smtClean="0"/>
-              <a:t>14/05/2025</a:t>
+              <a:t>15/05/2025</a:t>
             </a:fld>
             <a:endParaRPr lang="en-DE"/>
           </a:p>
@@ -1967,7 +2003,7 @@
           <a:p>
             <a:fld id="{0D2575B7-F8F4-498B-9788-2D983DD7CF6B}" type="datetimeFigureOut">
               <a:rPr lang="en-DE" smtClean="0"/>
-              <a:t>14/05/2025</a:t>
+              <a:t>15/05/2025</a:t>
             </a:fld>
             <a:endParaRPr lang="en-DE"/>
           </a:p>
@@ -2080,7 +2116,7 @@
           <a:p>
             <a:fld id="{0D2575B7-F8F4-498B-9788-2D983DD7CF6B}" type="datetimeFigureOut">
               <a:rPr lang="en-DE" smtClean="0"/>
-              <a:t>14/05/2025</a:t>
+              <a:t>15/05/2025</a:t>
             </a:fld>
             <a:endParaRPr lang="en-DE"/>
           </a:p>
@@ -2393,7 +2429,7 @@
           <a:p>
             <a:fld id="{0D2575B7-F8F4-498B-9788-2D983DD7CF6B}" type="datetimeFigureOut">
               <a:rPr lang="en-DE" smtClean="0"/>
-              <a:t>14/05/2025</a:t>
+              <a:t>15/05/2025</a:t>
             </a:fld>
             <a:endParaRPr lang="en-DE"/>
           </a:p>
@@ -2682,7 +2718,7 @@
           <a:p>
             <a:fld id="{0D2575B7-F8F4-498B-9788-2D983DD7CF6B}" type="datetimeFigureOut">
               <a:rPr lang="en-DE" smtClean="0"/>
-              <a:t>14/05/2025</a:t>
+              <a:t>15/05/2025</a:t>
             </a:fld>
             <a:endParaRPr lang="en-DE"/>
           </a:p>
@@ -2925,7 +2961,7 @@
           <a:p>
             <a:fld id="{0D2575B7-F8F4-498B-9788-2D983DD7CF6B}" type="datetimeFigureOut">
               <a:rPr lang="en-DE" smtClean="0"/>
-              <a:t>14/05/2025</a:t>
+              <a:t>15/05/2025</a:t>
             </a:fld>
             <a:endParaRPr lang="en-DE"/>
           </a:p>
@@ -3363,7 +3399,15 @@
           <a:bodyPr/>
           <a:lstStyle/>
           <a:p>
-            <a:endParaRPr lang="en-DE"/>
+            <a:r>
+              <a:rPr lang="en-GB" dirty="0" err="1"/>
+              <a:t>NeedleBench</a:t>
+            </a:r>
+            <a:r>
+              <a:rPr lang="en-GB" dirty="0"/>
+              <a:t> and the needle in the Haystack </a:t>
+            </a:r>
+            <a:endParaRPr lang="en-DE" dirty="0"/>
           </a:p>
         </p:txBody>
       </p:sp>
@@ -3396,6 +3440,4772 @@
     <p:extLst>
       <p:ext uri="{BB962C8B-B14F-4D97-AF65-F5344CB8AC3E}">
         <p14:creationId xmlns:p14="http://schemas.microsoft.com/office/powerpoint/2010/main" val="3511027900"/>
+      </p:ext>
+    </p:extLst>
+  </p:cSld>
+  <p:clrMapOvr>
+    <a:masterClrMapping/>
+  </p:clrMapOvr>
+</p:sld>
+</file>
+
+<file path=ppt/slides/slide10.xml><?xml version="1.0" encoding="utf-8"?>
+<p:sld xmlns:a="http://schemas.openxmlformats.org/drawingml/2006/main" xmlns:r="http://schemas.openxmlformats.org/officeDocument/2006/relationships" xmlns:p="http://schemas.openxmlformats.org/presentationml/2006/main">
+  <p:cSld>
+    <p:spTree>
+      <p:nvGrpSpPr>
+        <p:cNvPr id="1" name=""/>
+        <p:cNvGrpSpPr/>
+        <p:nvPr/>
+      </p:nvGrpSpPr>
+      <p:grpSpPr>
+        <a:xfrm>
+          <a:off x="0" y="0"/>
+          <a:ext cx="0" cy="0"/>
+          <a:chOff x="0" y="0"/>
+          <a:chExt cx="0" cy="0"/>
+        </a:xfrm>
+      </p:grpSpPr>
+      <p:sp>
+        <p:nvSpPr>
+          <p:cNvPr id="2" name="Titel 1">
+            <a:extLst>
+              <a:ext uri="{FF2B5EF4-FFF2-40B4-BE49-F238E27FC236}">
+                <a16:creationId xmlns:a16="http://schemas.microsoft.com/office/drawing/2014/main" id="{13C46028-938F-B88E-2B8D-7816F7990C58}"/>
+              </a:ext>
+            </a:extLst>
+          </p:cNvPr>
+          <p:cNvSpPr>
+            <a:spLocks noGrp="1"/>
+          </p:cNvSpPr>
+          <p:nvPr>
+            <p:ph type="title"/>
+          </p:nvPr>
+        </p:nvSpPr>
+        <p:spPr/>
+        <p:txBody>
+          <a:bodyPr/>
+          <a:lstStyle/>
+          <a:p>
+            <a:r>
+              <a:rPr lang="en-GB" dirty="0"/>
+              <a:t>The needle in a haystack – Limitations</a:t>
+            </a:r>
+            <a:endParaRPr lang="en-DE" dirty="0"/>
+          </a:p>
+        </p:txBody>
+      </p:sp>
+      <p:sp>
+        <p:nvSpPr>
+          <p:cNvPr id="3" name="Inhaltsplatzhalter 2">
+            <a:extLst>
+              <a:ext uri="{FF2B5EF4-FFF2-40B4-BE49-F238E27FC236}">
+                <a16:creationId xmlns:a16="http://schemas.microsoft.com/office/drawing/2014/main" id="{994F2D1D-B5F3-8A3A-9680-DE42C1395537}"/>
+              </a:ext>
+            </a:extLst>
+          </p:cNvPr>
+          <p:cNvSpPr>
+            <a:spLocks noGrp="1"/>
+          </p:cNvSpPr>
+          <p:nvPr>
+            <p:ph idx="1"/>
+          </p:nvPr>
+        </p:nvSpPr>
+        <p:spPr/>
+        <p:txBody>
+          <a:bodyPr/>
+          <a:lstStyle/>
+          <a:p>
+            <a:r>
+              <a:rPr lang="en-GB" strike="sngStrike" dirty="0"/>
+              <a:t>Only aims to retrieve a single needle with limited context size</a:t>
+            </a:r>
+          </a:p>
+          <a:p>
+            <a:endParaRPr lang="en-GB" dirty="0"/>
+          </a:p>
+          <a:p>
+            <a:r>
+              <a:rPr lang="en-GB" dirty="0"/>
+              <a:t>Needles are irrelevant filler content and require no reasoning ability</a:t>
+            </a:r>
+          </a:p>
+          <a:p>
+            <a:endParaRPr lang="en-GB" dirty="0"/>
+          </a:p>
+          <a:p>
+            <a:r>
+              <a:rPr lang="en-GB" dirty="0"/>
+              <a:t>Modern LLMs crush the basic NIHS test (Ruler)</a:t>
+            </a:r>
+          </a:p>
+        </p:txBody>
+      </p:sp>
+    </p:spTree>
+    <p:extLst>
+      <p:ext uri="{BB962C8B-B14F-4D97-AF65-F5344CB8AC3E}">
+        <p14:creationId xmlns:p14="http://schemas.microsoft.com/office/powerpoint/2010/main" val="1043225084"/>
+      </p:ext>
+    </p:extLst>
+  </p:cSld>
+  <p:clrMapOvr>
+    <a:masterClrMapping/>
+  </p:clrMapOvr>
+</p:sld>
+</file>
+
+<file path=ppt/slides/slide11.xml><?xml version="1.0" encoding="utf-8"?>
+<p:sld xmlns:a="http://schemas.openxmlformats.org/drawingml/2006/main" xmlns:r="http://schemas.openxmlformats.org/officeDocument/2006/relationships" xmlns:p="http://schemas.openxmlformats.org/presentationml/2006/main">
+  <p:cSld>
+    <p:spTree>
+      <p:nvGrpSpPr>
+        <p:cNvPr id="1" name=""/>
+        <p:cNvGrpSpPr/>
+        <p:nvPr/>
+      </p:nvGrpSpPr>
+      <p:grpSpPr>
+        <a:xfrm>
+          <a:off x="0" y="0"/>
+          <a:ext cx="0" cy="0"/>
+          <a:chOff x="0" y="0"/>
+          <a:chExt cx="0" cy="0"/>
+        </a:xfrm>
+      </p:grpSpPr>
+      <p:sp>
+        <p:nvSpPr>
+          <p:cNvPr id="2" name="Titel 1">
+            <a:extLst>
+              <a:ext uri="{FF2B5EF4-FFF2-40B4-BE49-F238E27FC236}">
+                <a16:creationId xmlns:a16="http://schemas.microsoft.com/office/drawing/2014/main" id="{842CAA1C-F4FF-0645-E4F9-DEDDD3772CB8}"/>
+              </a:ext>
+            </a:extLst>
+          </p:cNvPr>
+          <p:cNvSpPr>
+            <a:spLocks noGrp="1"/>
+          </p:cNvSpPr>
+          <p:nvPr>
+            <p:ph type="ctrTitle"/>
+          </p:nvPr>
+        </p:nvSpPr>
+        <p:spPr/>
+        <p:txBody>
+          <a:bodyPr/>
+          <a:lstStyle/>
+          <a:p>
+            <a:r>
+              <a:rPr lang="en-GB" dirty="0"/>
+              <a:t>Building on NIHS</a:t>
+            </a:r>
+            <a:endParaRPr lang="en-DE" dirty="0"/>
+          </a:p>
+        </p:txBody>
+      </p:sp>
+      <p:sp>
+        <p:nvSpPr>
+          <p:cNvPr id="3" name="Untertitel 2">
+            <a:extLst>
+              <a:ext uri="{FF2B5EF4-FFF2-40B4-BE49-F238E27FC236}">
+                <a16:creationId xmlns:a16="http://schemas.microsoft.com/office/drawing/2014/main" id="{CD4534F6-3F2C-5C5F-A798-82FE5902F85B}"/>
+              </a:ext>
+            </a:extLst>
+          </p:cNvPr>
+          <p:cNvSpPr>
+            <a:spLocks noGrp="1"/>
+          </p:cNvSpPr>
+          <p:nvPr>
+            <p:ph type="subTitle" idx="1"/>
+          </p:nvPr>
+        </p:nvSpPr>
+        <p:spPr/>
+        <p:txBody>
+          <a:bodyPr/>
+          <a:lstStyle/>
+          <a:p>
+            <a:endParaRPr lang="en-DE"/>
+          </a:p>
+        </p:txBody>
+      </p:sp>
+    </p:spTree>
+    <p:extLst>
+      <p:ext uri="{BB962C8B-B14F-4D97-AF65-F5344CB8AC3E}">
+        <p14:creationId xmlns:p14="http://schemas.microsoft.com/office/powerpoint/2010/main" val="3711007684"/>
+      </p:ext>
+    </p:extLst>
+  </p:cSld>
+  <p:clrMapOvr>
+    <a:masterClrMapping/>
+  </p:clrMapOvr>
+</p:sld>
+</file>
+
+<file path=ppt/slides/slide12.xml><?xml version="1.0" encoding="utf-8"?>
+<p:sld xmlns:a="http://schemas.openxmlformats.org/drawingml/2006/main" xmlns:r="http://schemas.openxmlformats.org/officeDocument/2006/relationships" xmlns:p="http://schemas.openxmlformats.org/presentationml/2006/main">
+  <p:cSld>
+    <p:spTree>
+      <p:nvGrpSpPr>
+        <p:cNvPr id="1" name=""/>
+        <p:cNvGrpSpPr/>
+        <p:nvPr/>
+      </p:nvGrpSpPr>
+      <p:grpSpPr>
+        <a:xfrm>
+          <a:off x="0" y="0"/>
+          <a:ext cx="0" cy="0"/>
+          <a:chOff x="0" y="0"/>
+          <a:chExt cx="0" cy="0"/>
+        </a:xfrm>
+      </p:grpSpPr>
+      <p:sp>
+        <p:nvSpPr>
+          <p:cNvPr id="2" name="Titel 1">
+            <a:extLst>
+              <a:ext uri="{FF2B5EF4-FFF2-40B4-BE49-F238E27FC236}">
+                <a16:creationId xmlns:a16="http://schemas.microsoft.com/office/drawing/2014/main" id="{FDF90426-0EFA-0B7E-EA54-399D2CDB9260}"/>
+              </a:ext>
+            </a:extLst>
+          </p:cNvPr>
+          <p:cNvSpPr>
+            <a:spLocks noGrp="1"/>
+          </p:cNvSpPr>
+          <p:nvPr>
+            <p:ph type="title"/>
+          </p:nvPr>
+        </p:nvSpPr>
+        <p:spPr/>
+        <p:txBody>
+          <a:bodyPr/>
+          <a:lstStyle/>
+          <a:p>
+            <a:r>
+              <a:rPr lang="en-GB" dirty="0" err="1"/>
+              <a:t>NeedleBench</a:t>
+            </a:r>
+            <a:r>
+              <a:rPr lang="en-GB" dirty="0"/>
+              <a:t>: Can LLMs Do Retrieval and Reasoning in Information-Dense Context?</a:t>
+            </a:r>
+            <a:endParaRPr lang="en-DE" dirty="0"/>
+          </a:p>
+        </p:txBody>
+      </p:sp>
+      <p:sp>
+        <p:nvSpPr>
+          <p:cNvPr id="3" name="Inhaltsplatzhalter 2">
+            <a:extLst>
+              <a:ext uri="{FF2B5EF4-FFF2-40B4-BE49-F238E27FC236}">
+                <a16:creationId xmlns:a16="http://schemas.microsoft.com/office/drawing/2014/main" id="{ABF3A2D6-F865-CD19-DA36-19CFB875097E}"/>
+              </a:ext>
+            </a:extLst>
+          </p:cNvPr>
+          <p:cNvSpPr>
+            <a:spLocks noGrp="1"/>
+          </p:cNvSpPr>
+          <p:nvPr>
+            <p:ph idx="1"/>
+          </p:nvPr>
+        </p:nvSpPr>
+        <p:spPr/>
+        <p:txBody>
+          <a:bodyPr/>
+          <a:lstStyle/>
+          <a:p>
+            <a:pPr marL="0" indent="0">
+              <a:buNone/>
+            </a:pPr>
+            <a:endParaRPr lang="en-GB" dirty="0"/>
+          </a:p>
+          <a:p>
+            <a:r>
+              <a:rPr lang="en-GB" dirty="0"/>
+              <a:t>Published by Mo Li et al. in </a:t>
+            </a:r>
+            <a:r>
+              <a:rPr lang="en-GB" dirty="0">
+                <a:hlinkClick r:id="rId2"/>
+              </a:rPr>
+              <a:t>https://arxiv.org/abs/2407.11963</a:t>
+            </a:r>
+            <a:endParaRPr lang="en-GB" dirty="0"/>
+          </a:p>
+          <a:p>
+            <a:endParaRPr lang="en-GB" dirty="0"/>
+          </a:p>
+          <a:p>
+            <a:r>
+              <a:rPr lang="en-GB" dirty="0"/>
+              <a:t> Aims to provide a more sophisticated Benchmarking framework</a:t>
+            </a:r>
+          </a:p>
+          <a:p>
+            <a:pPr marL="0" indent="0">
+              <a:buNone/>
+            </a:pPr>
+            <a:endParaRPr lang="en-GB" dirty="0"/>
+          </a:p>
+        </p:txBody>
+      </p:sp>
+    </p:spTree>
+    <p:extLst>
+      <p:ext uri="{BB962C8B-B14F-4D97-AF65-F5344CB8AC3E}">
+        <p14:creationId xmlns:p14="http://schemas.microsoft.com/office/powerpoint/2010/main" val="2835087300"/>
+      </p:ext>
+    </p:extLst>
+  </p:cSld>
+  <p:clrMapOvr>
+    <a:masterClrMapping/>
+  </p:clrMapOvr>
+</p:sld>
+</file>
+
+<file path=ppt/slides/slide13.xml><?xml version="1.0" encoding="utf-8"?>
+<p:sld xmlns:a="http://schemas.openxmlformats.org/drawingml/2006/main" xmlns:r="http://schemas.openxmlformats.org/officeDocument/2006/relationships" xmlns:p="http://schemas.openxmlformats.org/presentationml/2006/main">
+  <p:cSld>
+    <p:spTree>
+      <p:nvGrpSpPr>
+        <p:cNvPr id="1" name=""/>
+        <p:cNvGrpSpPr/>
+        <p:nvPr/>
+      </p:nvGrpSpPr>
+      <p:grpSpPr>
+        <a:xfrm>
+          <a:off x="0" y="0"/>
+          <a:ext cx="0" cy="0"/>
+          <a:chOff x="0" y="0"/>
+          <a:chExt cx="0" cy="0"/>
+        </a:xfrm>
+      </p:grpSpPr>
+      <p:sp>
+        <p:nvSpPr>
+          <p:cNvPr id="2" name="Titel 1">
+            <a:extLst>
+              <a:ext uri="{FF2B5EF4-FFF2-40B4-BE49-F238E27FC236}">
+                <a16:creationId xmlns:a16="http://schemas.microsoft.com/office/drawing/2014/main" id="{8CBF6D7F-65F1-F643-6DDE-A5A8FF071545}"/>
+              </a:ext>
+            </a:extLst>
+          </p:cNvPr>
+          <p:cNvSpPr>
+            <a:spLocks noGrp="1"/>
+          </p:cNvSpPr>
+          <p:nvPr>
+            <p:ph type="title"/>
+          </p:nvPr>
+        </p:nvSpPr>
+        <p:spPr/>
+        <p:txBody>
+          <a:bodyPr/>
+          <a:lstStyle/>
+          <a:p>
+            <a:r>
+              <a:rPr lang="en-GB" dirty="0"/>
+              <a:t>Needle bench – Related Work </a:t>
+            </a:r>
+            <a:endParaRPr lang="en-DE" dirty="0"/>
+          </a:p>
+        </p:txBody>
+      </p:sp>
+      <p:sp>
+        <p:nvSpPr>
+          <p:cNvPr id="3" name="Inhaltsplatzhalter 2">
+            <a:extLst>
+              <a:ext uri="{FF2B5EF4-FFF2-40B4-BE49-F238E27FC236}">
+                <a16:creationId xmlns:a16="http://schemas.microsoft.com/office/drawing/2014/main" id="{D5FCFF1C-6932-DD0B-5089-4BDF43D5AFE4}"/>
+              </a:ext>
+            </a:extLst>
+          </p:cNvPr>
+          <p:cNvSpPr>
+            <a:spLocks noGrp="1"/>
+          </p:cNvSpPr>
+          <p:nvPr>
+            <p:ph idx="1"/>
+          </p:nvPr>
+        </p:nvSpPr>
+        <p:spPr/>
+        <p:txBody>
+          <a:bodyPr/>
+          <a:lstStyle/>
+          <a:p>
+            <a:r>
+              <a:rPr lang="en-GB" dirty="0"/>
+              <a:t>RULER (Hsieh et al.): shows that passing retrieval tests does not always mean robust understanding. Models can focus on certain key points to find the needle.</a:t>
+            </a:r>
+          </a:p>
+          <a:p>
+            <a:endParaRPr lang="en-GB" dirty="0"/>
+          </a:p>
+          <a:p>
+            <a:r>
+              <a:rPr lang="en-GB" dirty="0" err="1"/>
+              <a:t>LongBench</a:t>
+            </a:r>
+            <a:r>
+              <a:rPr lang="en-GB" dirty="0"/>
+              <a:t>(Bai et al.): more realistic tests run the risk of allowing the model to rely on its general knowledge to answer the test questions even without finding the needle </a:t>
+            </a:r>
+          </a:p>
+          <a:p>
+            <a:endParaRPr lang="en-DE" dirty="0"/>
+          </a:p>
+        </p:txBody>
+      </p:sp>
+    </p:spTree>
+    <p:extLst>
+      <p:ext uri="{BB962C8B-B14F-4D97-AF65-F5344CB8AC3E}">
+        <p14:creationId xmlns:p14="http://schemas.microsoft.com/office/powerpoint/2010/main" val="3650139482"/>
+      </p:ext>
+    </p:extLst>
+  </p:cSld>
+  <p:clrMapOvr>
+    <a:masterClrMapping/>
+  </p:clrMapOvr>
+</p:sld>
+</file>
+
+<file path=ppt/slides/slide14.xml><?xml version="1.0" encoding="utf-8"?>
+<p:sld xmlns:a="http://schemas.openxmlformats.org/drawingml/2006/main" xmlns:r="http://schemas.openxmlformats.org/officeDocument/2006/relationships" xmlns:p="http://schemas.openxmlformats.org/presentationml/2006/main">
+  <p:cSld>
+    <p:spTree>
+      <p:nvGrpSpPr>
+        <p:cNvPr id="1" name=""/>
+        <p:cNvGrpSpPr/>
+        <p:nvPr/>
+      </p:nvGrpSpPr>
+      <p:grpSpPr>
+        <a:xfrm>
+          <a:off x="0" y="0"/>
+          <a:ext cx="0" cy="0"/>
+          <a:chOff x="0" y="0"/>
+          <a:chExt cx="0" cy="0"/>
+        </a:xfrm>
+      </p:grpSpPr>
+      <p:sp>
+        <p:nvSpPr>
+          <p:cNvPr id="2" name="Titel 1">
+            <a:extLst>
+              <a:ext uri="{FF2B5EF4-FFF2-40B4-BE49-F238E27FC236}">
+                <a16:creationId xmlns:a16="http://schemas.microsoft.com/office/drawing/2014/main" id="{E12246F3-D7FF-D0AB-A2BD-0B66835CE873}"/>
+              </a:ext>
+            </a:extLst>
+          </p:cNvPr>
+          <p:cNvSpPr>
+            <a:spLocks noGrp="1"/>
+          </p:cNvSpPr>
+          <p:nvPr>
+            <p:ph type="title"/>
+          </p:nvPr>
+        </p:nvSpPr>
+        <p:spPr/>
+        <p:txBody>
+          <a:bodyPr/>
+          <a:lstStyle/>
+          <a:p>
+            <a:r>
+              <a:rPr lang="en-GB" dirty="0"/>
+              <a:t>Needle bench – Methodology </a:t>
+            </a:r>
+            <a:endParaRPr lang="en-DE" dirty="0"/>
+          </a:p>
+        </p:txBody>
+      </p:sp>
+      <p:sp>
+        <p:nvSpPr>
+          <p:cNvPr id="3" name="Inhaltsplatzhalter 2">
+            <a:extLst>
+              <a:ext uri="{FF2B5EF4-FFF2-40B4-BE49-F238E27FC236}">
+                <a16:creationId xmlns:a16="http://schemas.microsoft.com/office/drawing/2014/main" id="{5FD1EA34-779B-2401-6FD4-8036CB783383}"/>
+              </a:ext>
+            </a:extLst>
+          </p:cNvPr>
+          <p:cNvSpPr>
+            <a:spLocks noGrp="1"/>
+          </p:cNvSpPr>
+          <p:nvPr>
+            <p:ph idx="1"/>
+          </p:nvPr>
+        </p:nvSpPr>
+        <p:spPr/>
+        <p:txBody>
+          <a:bodyPr/>
+          <a:lstStyle/>
+          <a:p>
+            <a:r>
+              <a:rPr lang="en-GB" dirty="0"/>
+              <a:t>assess retrieval and reasoning performance in bilingual long-context tasks</a:t>
+            </a:r>
+          </a:p>
+          <a:p>
+            <a:r>
+              <a:rPr lang="en-GB" dirty="0"/>
+              <a:t>context lengths of (e.g., 32k, 128k, and beyond)</a:t>
+            </a:r>
+          </a:p>
+          <a:p>
+            <a:r>
+              <a:rPr lang="en-GB" dirty="0"/>
+              <a:t>Two types of tests</a:t>
+            </a:r>
+          </a:p>
+          <a:p>
+            <a:pPr lvl="1"/>
+            <a:r>
+              <a:rPr lang="en-GB" dirty="0"/>
+              <a:t>information-sparse, characterized by minimal relevant details embedded within extensive irrelevant text to simulate simpler real-world retrieval tasks;</a:t>
+            </a:r>
+          </a:p>
+          <a:p>
+            <a:pPr lvl="1"/>
+            <a:r>
+              <a:rPr lang="en-GB" dirty="0"/>
+              <a:t>information-dense, implemented as the Ancestral Trace Challenge, where relevant information is continuously distributed throughout the context to simulate more complex real-world reasoning tasks.</a:t>
+            </a:r>
+            <a:endParaRPr lang="en-DE" dirty="0"/>
+          </a:p>
+        </p:txBody>
+      </p:sp>
+    </p:spTree>
+    <p:extLst>
+      <p:ext uri="{BB962C8B-B14F-4D97-AF65-F5344CB8AC3E}">
+        <p14:creationId xmlns:p14="http://schemas.microsoft.com/office/powerpoint/2010/main" val="3054595011"/>
+      </p:ext>
+    </p:extLst>
+  </p:cSld>
+  <p:clrMapOvr>
+    <a:masterClrMapping/>
+  </p:clrMapOvr>
+</p:sld>
+</file>
+
+<file path=ppt/slides/slide15.xml><?xml version="1.0" encoding="utf-8"?>
+<p:sld xmlns:a="http://schemas.openxmlformats.org/drawingml/2006/main" xmlns:r="http://schemas.openxmlformats.org/officeDocument/2006/relationships" xmlns:p="http://schemas.openxmlformats.org/presentationml/2006/main">
+  <p:cSld>
+    <p:spTree>
+      <p:nvGrpSpPr>
+        <p:cNvPr id="1" name=""/>
+        <p:cNvGrpSpPr/>
+        <p:nvPr/>
+      </p:nvGrpSpPr>
+      <p:grpSpPr>
+        <a:xfrm>
+          <a:off x="0" y="0"/>
+          <a:ext cx="0" cy="0"/>
+          <a:chOff x="0" y="0"/>
+          <a:chExt cx="0" cy="0"/>
+        </a:xfrm>
+      </p:grpSpPr>
+      <p:sp>
+        <p:nvSpPr>
+          <p:cNvPr id="2" name="Titel 1">
+            <a:extLst>
+              <a:ext uri="{FF2B5EF4-FFF2-40B4-BE49-F238E27FC236}">
+                <a16:creationId xmlns:a16="http://schemas.microsoft.com/office/drawing/2014/main" id="{D777AE37-0FEA-AC2B-BA15-8ECD790EB51F}"/>
+              </a:ext>
+            </a:extLst>
+          </p:cNvPr>
+          <p:cNvSpPr>
+            <a:spLocks noGrp="1"/>
+          </p:cNvSpPr>
+          <p:nvPr>
+            <p:ph type="title"/>
+          </p:nvPr>
+        </p:nvSpPr>
+        <p:spPr/>
+        <p:txBody>
+          <a:bodyPr/>
+          <a:lstStyle/>
+          <a:p>
+            <a:r>
+              <a:rPr lang="en-GB" dirty="0" err="1"/>
+              <a:t>NeedleBench</a:t>
+            </a:r>
+            <a:r>
+              <a:rPr lang="en-GB" dirty="0"/>
+              <a:t> – Information-Sparse Tasks</a:t>
+            </a:r>
+            <a:endParaRPr lang="en-DE" dirty="0"/>
+          </a:p>
+        </p:txBody>
+      </p:sp>
+      <p:sp>
+        <p:nvSpPr>
+          <p:cNvPr id="3" name="Inhaltsplatzhalter 2">
+            <a:extLst>
+              <a:ext uri="{FF2B5EF4-FFF2-40B4-BE49-F238E27FC236}">
+                <a16:creationId xmlns:a16="http://schemas.microsoft.com/office/drawing/2014/main" id="{39865686-12FF-1125-E214-D556B323031C}"/>
+              </a:ext>
+            </a:extLst>
+          </p:cNvPr>
+          <p:cNvSpPr>
+            <a:spLocks noGrp="1"/>
+          </p:cNvSpPr>
+          <p:nvPr>
+            <p:ph idx="1"/>
+          </p:nvPr>
+        </p:nvSpPr>
+        <p:spPr/>
+        <p:txBody>
+          <a:bodyPr/>
+          <a:lstStyle/>
+          <a:p>
+            <a:pPr marL="457200" lvl="1" indent="0">
+              <a:buNone/>
+            </a:pPr>
+            <a:endParaRPr lang="en-GB" dirty="0"/>
+          </a:p>
+          <a:p>
+            <a:pPr lvl="1"/>
+            <a:r>
+              <a:rPr lang="en-GB" dirty="0"/>
+              <a:t>Single-Needle Retrieval Task (S-RT)</a:t>
+            </a:r>
+          </a:p>
+          <a:p>
+            <a:pPr lvl="1"/>
+            <a:endParaRPr lang="en-GB" dirty="0"/>
+          </a:p>
+          <a:p>
+            <a:pPr lvl="1"/>
+            <a:r>
+              <a:rPr lang="en-GB" dirty="0"/>
+              <a:t>Multi-Needle Retrieval Task (M-RT)</a:t>
+            </a:r>
+          </a:p>
+          <a:p>
+            <a:pPr lvl="1"/>
+            <a:endParaRPr lang="en-GB" dirty="0"/>
+          </a:p>
+          <a:p>
+            <a:pPr lvl="1"/>
+            <a:r>
+              <a:rPr lang="en-GB" dirty="0"/>
+              <a:t>Multi-Needle Reasoning Task (M-RS)</a:t>
+            </a:r>
+          </a:p>
+          <a:p>
+            <a:pPr lvl="1"/>
+            <a:endParaRPr lang="en-GB" dirty="0"/>
+          </a:p>
+          <a:p>
+            <a:pPr marL="457200" lvl="1" indent="0">
+              <a:buNone/>
+            </a:pPr>
+            <a:r>
+              <a:rPr lang="en-GB" dirty="0"/>
+              <a:t>needles are synthetic, abstract, and fictional statements or relational facts</a:t>
+            </a:r>
+            <a:endParaRPr lang="en-DE" dirty="0"/>
+          </a:p>
+        </p:txBody>
+      </p:sp>
+    </p:spTree>
+    <p:extLst>
+      <p:ext uri="{BB962C8B-B14F-4D97-AF65-F5344CB8AC3E}">
+        <p14:creationId xmlns:p14="http://schemas.microsoft.com/office/powerpoint/2010/main" val="4170187928"/>
+      </p:ext>
+    </p:extLst>
+  </p:cSld>
+  <p:clrMapOvr>
+    <a:masterClrMapping/>
+  </p:clrMapOvr>
+</p:sld>
+</file>
+
+<file path=ppt/slides/slide16.xml><?xml version="1.0" encoding="utf-8"?>
+<p:sld xmlns:a="http://schemas.openxmlformats.org/drawingml/2006/main" xmlns:r="http://schemas.openxmlformats.org/officeDocument/2006/relationships" xmlns:p="http://schemas.openxmlformats.org/presentationml/2006/main">
+  <p:cSld>
+    <p:spTree>
+      <p:nvGrpSpPr>
+        <p:cNvPr id="1" name=""/>
+        <p:cNvGrpSpPr/>
+        <p:nvPr/>
+      </p:nvGrpSpPr>
+      <p:grpSpPr>
+        <a:xfrm>
+          <a:off x="0" y="0"/>
+          <a:ext cx="0" cy="0"/>
+          <a:chOff x="0" y="0"/>
+          <a:chExt cx="0" cy="0"/>
+        </a:xfrm>
+      </p:grpSpPr>
+      <p:sp>
+        <p:nvSpPr>
+          <p:cNvPr id="2" name="Titel 1">
+            <a:extLst>
+              <a:ext uri="{FF2B5EF4-FFF2-40B4-BE49-F238E27FC236}">
+                <a16:creationId xmlns:a16="http://schemas.microsoft.com/office/drawing/2014/main" id="{75C0987B-B49B-5989-7EFB-DE734CB0D88F}"/>
+              </a:ext>
+            </a:extLst>
+          </p:cNvPr>
+          <p:cNvSpPr>
+            <a:spLocks noGrp="1"/>
+          </p:cNvSpPr>
+          <p:nvPr>
+            <p:ph type="title"/>
+          </p:nvPr>
+        </p:nvSpPr>
+        <p:spPr>
+          <a:xfrm>
+            <a:off x="838200" y="796925"/>
+            <a:ext cx="10515600" cy="1325563"/>
+          </a:xfrm>
+        </p:spPr>
+        <p:txBody>
+          <a:bodyPr/>
+          <a:lstStyle/>
+          <a:p>
+            <a:r>
+              <a:rPr lang="en-GB" dirty="0"/>
+              <a:t>Single-Needle Retrieval Task (S-RT)</a:t>
+            </a:r>
+            <a:br>
+              <a:rPr lang="en-GB" dirty="0"/>
+            </a:br>
+            <a:endParaRPr lang="en-DE" dirty="0"/>
+          </a:p>
+        </p:txBody>
+      </p:sp>
+      <p:pic>
+        <p:nvPicPr>
+          <p:cNvPr id="5" name="Inhaltsplatzhalter 4">
+            <a:extLst>
+              <a:ext uri="{FF2B5EF4-FFF2-40B4-BE49-F238E27FC236}">
+                <a16:creationId xmlns:a16="http://schemas.microsoft.com/office/drawing/2014/main" id="{5FF979C1-395F-6E49-1690-D5DB15423A33}"/>
+              </a:ext>
+            </a:extLst>
+          </p:cNvPr>
+          <p:cNvPicPr>
+            <a:picLocks noGrp="1" noChangeAspect="1"/>
+          </p:cNvPicPr>
+          <p:nvPr>
+            <p:ph idx="1"/>
+          </p:nvPr>
+        </p:nvPicPr>
+        <p:blipFill>
+          <a:blip r:embed="rId2"/>
+          <a:stretch>
+            <a:fillRect/>
+          </a:stretch>
+        </p:blipFill>
+        <p:spPr>
+          <a:xfrm>
+            <a:off x="2230915" y="1825625"/>
+            <a:ext cx="7730170" cy="4351338"/>
+          </a:xfrm>
+        </p:spPr>
+      </p:pic>
+    </p:spTree>
+    <p:extLst>
+      <p:ext uri="{BB962C8B-B14F-4D97-AF65-F5344CB8AC3E}">
+        <p14:creationId xmlns:p14="http://schemas.microsoft.com/office/powerpoint/2010/main" val="2042994447"/>
+      </p:ext>
+    </p:extLst>
+  </p:cSld>
+  <p:clrMapOvr>
+    <a:masterClrMapping/>
+  </p:clrMapOvr>
+</p:sld>
+</file>
+
+<file path=ppt/slides/slide17.xml><?xml version="1.0" encoding="utf-8"?>
+<p:sld xmlns:a="http://schemas.openxmlformats.org/drawingml/2006/main" xmlns:r="http://schemas.openxmlformats.org/officeDocument/2006/relationships" xmlns:p="http://schemas.openxmlformats.org/presentationml/2006/main">
+  <p:cSld>
+    <p:spTree>
+      <p:nvGrpSpPr>
+        <p:cNvPr id="1" name=""/>
+        <p:cNvGrpSpPr/>
+        <p:nvPr/>
+      </p:nvGrpSpPr>
+      <p:grpSpPr>
+        <a:xfrm>
+          <a:off x="0" y="0"/>
+          <a:ext cx="0" cy="0"/>
+          <a:chOff x="0" y="0"/>
+          <a:chExt cx="0" cy="0"/>
+        </a:xfrm>
+      </p:grpSpPr>
+      <p:sp>
+        <p:nvSpPr>
+          <p:cNvPr id="2" name="Titel 1">
+            <a:extLst>
+              <a:ext uri="{FF2B5EF4-FFF2-40B4-BE49-F238E27FC236}">
+                <a16:creationId xmlns:a16="http://schemas.microsoft.com/office/drawing/2014/main" id="{62294ED7-96CB-A0D1-8079-0F30811EC697}"/>
+              </a:ext>
+            </a:extLst>
+          </p:cNvPr>
+          <p:cNvSpPr>
+            <a:spLocks noGrp="1"/>
+          </p:cNvSpPr>
+          <p:nvPr>
+            <p:ph type="title"/>
+          </p:nvPr>
+        </p:nvSpPr>
+        <p:spPr>
+          <a:xfrm>
+            <a:off x="838200" y="746125"/>
+            <a:ext cx="10515600" cy="1325563"/>
+          </a:xfrm>
+        </p:spPr>
+        <p:txBody>
+          <a:bodyPr/>
+          <a:lstStyle/>
+          <a:p>
+            <a:r>
+              <a:rPr lang="en-GB" dirty="0"/>
+              <a:t>Multi-Needle Retrieval Task (M-RT)</a:t>
+            </a:r>
+            <a:br>
+              <a:rPr lang="en-GB" dirty="0"/>
+            </a:br>
+            <a:endParaRPr lang="en-DE" dirty="0"/>
+          </a:p>
+        </p:txBody>
+      </p:sp>
+      <p:pic>
+        <p:nvPicPr>
+          <p:cNvPr id="5" name="Inhaltsplatzhalter 4">
+            <a:extLst>
+              <a:ext uri="{FF2B5EF4-FFF2-40B4-BE49-F238E27FC236}">
+                <a16:creationId xmlns:a16="http://schemas.microsoft.com/office/drawing/2014/main" id="{826F9618-76F3-8364-9C5D-D826FDA11488}"/>
+              </a:ext>
+            </a:extLst>
+          </p:cNvPr>
+          <p:cNvPicPr>
+            <a:picLocks noGrp="1" noChangeAspect="1"/>
+          </p:cNvPicPr>
+          <p:nvPr>
+            <p:ph idx="1"/>
+          </p:nvPr>
+        </p:nvPicPr>
+        <p:blipFill>
+          <a:blip r:embed="rId2"/>
+          <a:stretch>
+            <a:fillRect/>
+          </a:stretch>
+        </p:blipFill>
+        <p:spPr>
+          <a:xfrm>
+            <a:off x="3051516" y="1825625"/>
+            <a:ext cx="6088968" cy="4351338"/>
+          </a:xfrm>
+        </p:spPr>
+      </p:pic>
+    </p:spTree>
+    <p:extLst>
+      <p:ext uri="{BB962C8B-B14F-4D97-AF65-F5344CB8AC3E}">
+        <p14:creationId xmlns:p14="http://schemas.microsoft.com/office/powerpoint/2010/main" val="3597506935"/>
+      </p:ext>
+    </p:extLst>
+  </p:cSld>
+  <p:clrMapOvr>
+    <a:masterClrMapping/>
+  </p:clrMapOvr>
+</p:sld>
+</file>
+
+<file path=ppt/slides/slide18.xml><?xml version="1.0" encoding="utf-8"?>
+<p:sld xmlns:a="http://schemas.openxmlformats.org/drawingml/2006/main" xmlns:r="http://schemas.openxmlformats.org/officeDocument/2006/relationships" xmlns:p="http://schemas.openxmlformats.org/presentationml/2006/main">
+  <p:cSld>
+    <p:spTree>
+      <p:nvGrpSpPr>
+        <p:cNvPr id="1" name=""/>
+        <p:cNvGrpSpPr/>
+        <p:nvPr/>
+      </p:nvGrpSpPr>
+      <p:grpSpPr>
+        <a:xfrm>
+          <a:off x="0" y="0"/>
+          <a:ext cx="0" cy="0"/>
+          <a:chOff x="0" y="0"/>
+          <a:chExt cx="0" cy="0"/>
+        </a:xfrm>
+      </p:grpSpPr>
+      <p:sp>
+        <p:nvSpPr>
+          <p:cNvPr id="2" name="Titel 1">
+            <a:extLst>
+              <a:ext uri="{FF2B5EF4-FFF2-40B4-BE49-F238E27FC236}">
+                <a16:creationId xmlns:a16="http://schemas.microsoft.com/office/drawing/2014/main" id="{AB859C65-4BFA-844A-7C3E-E06224465886}"/>
+              </a:ext>
+            </a:extLst>
+          </p:cNvPr>
+          <p:cNvSpPr>
+            <a:spLocks noGrp="1"/>
+          </p:cNvSpPr>
+          <p:nvPr>
+            <p:ph type="title"/>
+          </p:nvPr>
+        </p:nvSpPr>
+        <p:spPr>
+          <a:xfrm>
+            <a:off x="838200" y="796925"/>
+            <a:ext cx="10515600" cy="1325563"/>
+          </a:xfrm>
+        </p:spPr>
+        <p:txBody>
+          <a:bodyPr/>
+          <a:lstStyle/>
+          <a:p>
+            <a:r>
+              <a:rPr lang="en-GB" dirty="0"/>
+              <a:t>Multi-Needle Reasoning Task (M-RS)</a:t>
+            </a:r>
+            <a:br>
+              <a:rPr lang="en-GB" dirty="0"/>
+            </a:br>
+            <a:endParaRPr lang="en-DE" dirty="0"/>
+          </a:p>
+        </p:txBody>
+      </p:sp>
+      <p:pic>
+        <p:nvPicPr>
+          <p:cNvPr id="5" name="Inhaltsplatzhalter 4">
+            <a:extLst>
+              <a:ext uri="{FF2B5EF4-FFF2-40B4-BE49-F238E27FC236}">
+                <a16:creationId xmlns:a16="http://schemas.microsoft.com/office/drawing/2014/main" id="{5CEB28BC-1FAF-7D6A-4AFA-CAE2639D6020}"/>
+              </a:ext>
+            </a:extLst>
+          </p:cNvPr>
+          <p:cNvPicPr>
+            <a:picLocks noGrp="1" noChangeAspect="1"/>
+          </p:cNvPicPr>
+          <p:nvPr>
+            <p:ph idx="1"/>
+          </p:nvPr>
+        </p:nvPicPr>
+        <p:blipFill>
+          <a:blip r:embed="rId2"/>
+          <a:stretch>
+            <a:fillRect/>
+          </a:stretch>
+        </p:blipFill>
+        <p:spPr>
+          <a:xfrm>
+            <a:off x="1943668" y="2342306"/>
+            <a:ext cx="8304664" cy="3841480"/>
+          </a:xfrm>
+        </p:spPr>
+      </p:pic>
+    </p:spTree>
+    <p:extLst>
+      <p:ext uri="{BB962C8B-B14F-4D97-AF65-F5344CB8AC3E}">
+        <p14:creationId xmlns:p14="http://schemas.microsoft.com/office/powerpoint/2010/main" val="3313531060"/>
+      </p:ext>
+    </p:extLst>
+  </p:cSld>
+  <p:clrMapOvr>
+    <a:masterClrMapping/>
+  </p:clrMapOvr>
+</p:sld>
+</file>
+
+<file path=ppt/slides/slide19.xml><?xml version="1.0" encoding="utf-8"?>
+<p:sld xmlns:a="http://schemas.openxmlformats.org/drawingml/2006/main" xmlns:r="http://schemas.openxmlformats.org/officeDocument/2006/relationships" xmlns:p="http://schemas.openxmlformats.org/presentationml/2006/main">
+  <p:cSld>
+    <p:spTree>
+      <p:nvGrpSpPr>
+        <p:cNvPr id="1" name=""/>
+        <p:cNvGrpSpPr/>
+        <p:nvPr/>
+      </p:nvGrpSpPr>
+      <p:grpSpPr>
+        <a:xfrm>
+          <a:off x="0" y="0"/>
+          <a:ext cx="0" cy="0"/>
+          <a:chOff x="0" y="0"/>
+          <a:chExt cx="0" cy="0"/>
+        </a:xfrm>
+      </p:grpSpPr>
+      <p:sp>
+        <p:nvSpPr>
+          <p:cNvPr id="2" name="Titel 1">
+            <a:extLst>
+              <a:ext uri="{FF2B5EF4-FFF2-40B4-BE49-F238E27FC236}">
+                <a16:creationId xmlns:a16="http://schemas.microsoft.com/office/drawing/2014/main" id="{81CD9E91-5B20-FB90-85D6-D2527BBFAA15}"/>
+              </a:ext>
+            </a:extLst>
+          </p:cNvPr>
+          <p:cNvSpPr>
+            <a:spLocks noGrp="1"/>
+          </p:cNvSpPr>
+          <p:nvPr>
+            <p:ph type="title"/>
+          </p:nvPr>
+        </p:nvSpPr>
+        <p:spPr>
+          <a:xfrm>
+            <a:off x="838200" y="681037"/>
+            <a:ext cx="10515600" cy="1325563"/>
+          </a:xfrm>
+        </p:spPr>
+        <p:txBody>
+          <a:bodyPr/>
+          <a:lstStyle/>
+          <a:p>
+            <a:r>
+              <a:rPr lang="en-GB" dirty="0"/>
+              <a:t>Multi-Needle Reasoning Task (M-RS)</a:t>
+            </a:r>
+            <a:br>
+              <a:rPr lang="en-GB" dirty="0"/>
+            </a:br>
+            <a:endParaRPr lang="en-DE" dirty="0"/>
+          </a:p>
+        </p:txBody>
+      </p:sp>
+      <p:sp>
+        <p:nvSpPr>
+          <p:cNvPr id="3" name="Inhaltsplatzhalter 2">
+            <a:extLst>
+              <a:ext uri="{FF2B5EF4-FFF2-40B4-BE49-F238E27FC236}">
+                <a16:creationId xmlns:a16="http://schemas.microsoft.com/office/drawing/2014/main" id="{578CEA2E-65B4-8A18-8EC9-CC5F0FF4EF4B}"/>
+              </a:ext>
+            </a:extLst>
+          </p:cNvPr>
+          <p:cNvSpPr>
+            <a:spLocks noGrp="1"/>
+          </p:cNvSpPr>
+          <p:nvPr>
+            <p:ph idx="1"/>
+          </p:nvPr>
+        </p:nvSpPr>
+        <p:spPr/>
+        <p:txBody>
+          <a:bodyPr/>
+          <a:lstStyle/>
+          <a:p>
+            <a:endParaRPr lang="en-DE"/>
+          </a:p>
+        </p:txBody>
+      </p:sp>
+      <p:pic>
+        <p:nvPicPr>
+          <p:cNvPr id="5" name="Grafik 4">
+            <a:extLst>
+              <a:ext uri="{FF2B5EF4-FFF2-40B4-BE49-F238E27FC236}">
+                <a16:creationId xmlns:a16="http://schemas.microsoft.com/office/drawing/2014/main" id="{3AB2088E-F610-8CE1-0109-FD985B914CD6}"/>
+              </a:ext>
+            </a:extLst>
+          </p:cNvPr>
+          <p:cNvPicPr>
+            <a:picLocks noChangeAspect="1"/>
+          </p:cNvPicPr>
+          <p:nvPr/>
+        </p:nvPicPr>
+        <p:blipFill>
+          <a:blip r:embed="rId2"/>
+          <a:stretch>
+            <a:fillRect/>
+          </a:stretch>
+        </p:blipFill>
+        <p:spPr>
+          <a:xfrm>
+            <a:off x="2371411" y="1825625"/>
+            <a:ext cx="7449177" cy="4750468"/>
+          </a:xfrm>
+          <a:prstGeom prst="rect">
+            <a:avLst/>
+          </a:prstGeom>
+        </p:spPr>
+      </p:pic>
+    </p:spTree>
+    <p:extLst>
+      <p:ext uri="{BB962C8B-B14F-4D97-AF65-F5344CB8AC3E}">
+        <p14:creationId xmlns:p14="http://schemas.microsoft.com/office/powerpoint/2010/main" val="3533152582"/>
+      </p:ext>
+    </p:extLst>
+  </p:cSld>
+  <p:clrMapOvr>
+    <a:masterClrMapping/>
+  </p:clrMapOvr>
+</p:sld>
+</file>
+
+<file path=ppt/slides/slide2.xml><?xml version="1.0" encoding="utf-8"?>
+<p:sld xmlns:a="http://schemas.openxmlformats.org/drawingml/2006/main" xmlns:r="http://schemas.openxmlformats.org/officeDocument/2006/relationships" xmlns:p="http://schemas.openxmlformats.org/presentationml/2006/main">
+  <p:cSld>
+    <p:spTree>
+      <p:nvGrpSpPr>
+        <p:cNvPr id="1" name="">
+          <a:extLst>
+            <a:ext uri="{FF2B5EF4-FFF2-40B4-BE49-F238E27FC236}">
+              <a16:creationId xmlns:a16="http://schemas.microsoft.com/office/drawing/2014/main" id="{7C0D8398-096E-A009-1802-A1F5D15E0974}"/>
+            </a:ext>
+          </a:extLst>
+        </p:cNvPr>
+        <p:cNvGrpSpPr/>
+        <p:nvPr/>
+      </p:nvGrpSpPr>
+      <p:grpSpPr>
+        <a:xfrm>
+          <a:off x="0" y="0"/>
+          <a:ext cx="0" cy="0"/>
+          <a:chOff x="0" y="0"/>
+          <a:chExt cx="0" cy="0"/>
+        </a:xfrm>
+      </p:grpSpPr>
+      <p:sp>
+        <p:nvSpPr>
+          <p:cNvPr id="2" name="Titel 1">
+            <a:extLst>
+              <a:ext uri="{FF2B5EF4-FFF2-40B4-BE49-F238E27FC236}">
+                <a16:creationId xmlns:a16="http://schemas.microsoft.com/office/drawing/2014/main" id="{69DEFE36-1A6B-99A4-3164-A56BAEFF7C73}"/>
+              </a:ext>
+            </a:extLst>
+          </p:cNvPr>
+          <p:cNvSpPr>
+            <a:spLocks noGrp="1"/>
+          </p:cNvSpPr>
+          <p:nvPr>
+            <p:ph type="title"/>
+          </p:nvPr>
+        </p:nvSpPr>
+        <p:spPr/>
+        <p:txBody>
+          <a:bodyPr/>
+          <a:lstStyle/>
+          <a:p>
+            <a:r>
+              <a:rPr lang="en-GB" dirty="0"/>
+              <a:t>Table of contents</a:t>
+            </a:r>
+            <a:endParaRPr lang="en-DE" dirty="0"/>
+          </a:p>
+        </p:txBody>
+      </p:sp>
+      <p:sp>
+        <p:nvSpPr>
+          <p:cNvPr id="3" name="Inhaltsplatzhalter 2">
+            <a:extLst>
+              <a:ext uri="{FF2B5EF4-FFF2-40B4-BE49-F238E27FC236}">
+                <a16:creationId xmlns:a16="http://schemas.microsoft.com/office/drawing/2014/main" id="{14A55DFA-C115-BF99-5449-41E36DE94D65}"/>
+              </a:ext>
+            </a:extLst>
+          </p:cNvPr>
+          <p:cNvSpPr>
+            <a:spLocks noGrp="1"/>
+          </p:cNvSpPr>
+          <p:nvPr>
+            <p:ph idx="1"/>
+          </p:nvPr>
+        </p:nvSpPr>
+        <p:spPr/>
+        <p:txBody>
+          <a:bodyPr>
+            <a:normAutofit/>
+          </a:bodyPr>
+          <a:lstStyle/>
+          <a:p>
+            <a:r>
+              <a:rPr lang="en-GB" sz="1900" dirty="0"/>
+              <a:t>Motivation and Background</a:t>
+            </a:r>
+            <a:endParaRPr lang="en-GB" sz="1800" dirty="0"/>
+          </a:p>
+          <a:p>
+            <a:pPr lvl="1"/>
+            <a:r>
+              <a:rPr lang="en-GB" sz="1800" dirty="0"/>
+              <a:t>What is a context window?</a:t>
+            </a:r>
+          </a:p>
+          <a:p>
+            <a:pPr lvl="1"/>
+            <a:r>
+              <a:rPr lang="en-GB" sz="1800" dirty="0"/>
+              <a:t>Why we care about long context retrieval </a:t>
+            </a:r>
+            <a:endParaRPr lang="en-GB" sz="1900" dirty="0"/>
+          </a:p>
+          <a:p>
+            <a:r>
+              <a:rPr lang="en-GB" sz="1900" dirty="0"/>
+              <a:t>What is a “Needle in a Haystack” ?</a:t>
+            </a:r>
+          </a:p>
+          <a:p>
+            <a:pPr lvl="1"/>
+            <a:r>
+              <a:rPr lang="en-GB" sz="1900" dirty="0"/>
+              <a:t>Greg </a:t>
+            </a:r>
+            <a:r>
+              <a:rPr lang="en-GB" sz="1900" dirty="0" err="1"/>
+              <a:t>kamradt</a:t>
+            </a:r>
+            <a:r>
+              <a:rPr lang="en-GB" sz="1900" dirty="0"/>
+              <a:t> [1]</a:t>
+            </a:r>
+          </a:p>
+          <a:p>
+            <a:pPr lvl="1"/>
+            <a:r>
+              <a:rPr lang="en-GB" sz="1900" dirty="0"/>
+              <a:t>Initial findings </a:t>
+            </a:r>
+          </a:p>
+          <a:p>
+            <a:pPr lvl="1"/>
+            <a:endParaRPr lang="en-GB" sz="1500" dirty="0"/>
+          </a:p>
+          <a:p>
+            <a:pPr lvl="2"/>
+            <a:endParaRPr lang="en-GB" dirty="0"/>
+          </a:p>
+          <a:p>
+            <a:pPr lvl="2"/>
+            <a:endParaRPr lang="en-GB" dirty="0"/>
+          </a:p>
+          <a:p>
+            <a:pPr lvl="2"/>
+            <a:endParaRPr lang="en-GB" dirty="0"/>
+          </a:p>
+          <a:p>
+            <a:endParaRPr lang="en-GB" dirty="0"/>
+          </a:p>
+          <a:p>
+            <a:endParaRPr lang="en-DE" dirty="0"/>
+          </a:p>
+        </p:txBody>
+      </p:sp>
+    </p:spTree>
+    <p:extLst>
+      <p:ext uri="{BB962C8B-B14F-4D97-AF65-F5344CB8AC3E}">
+        <p14:creationId xmlns:p14="http://schemas.microsoft.com/office/powerpoint/2010/main" val="3625824950"/>
+      </p:ext>
+    </p:extLst>
+  </p:cSld>
+  <p:clrMapOvr>
+    <a:masterClrMapping/>
+  </p:clrMapOvr>
+</p:sld>
+</file>
+
+<file path=ppt/slides/slide20.xml><?xml version="1.0" encoding="utf-8"?>
+<p:sld xmlns:a="http://schemas.openxmlformats.org/drawingml/2006/main" xmlns:r="http://schemas.openxmlformats.org/officeDocument/2006/relationships" xmlns:p="http://schemas.openxmlformats.org/presentationml/2006/main">
+  <p:cSld>
+    <p:spTree>
+      <p:nvGrpSpPr>
+        <p:cNvPr id="1" name=""/>
+        <p:cNvGrpSpPr/>
+        <p:nvPr/>
+      </p:nvGrpSpPr>
+      <p:grpSpPr>
+        <a:xfrm>
+          <a:off x="0" y="0"/>
+          <a:ext cx="0" cy="0"/>
+          <a:chOff x="0" y="0"/>
+          <a:chExt cx="0" cy="0"/>
+        </a:xfrm>
+      </p:grpSpPr>
+      <p:sp>
+        <p:nvSpPr>
+          <p:cNvPr id="2" name="Titel 1">
+            <a:extLst>
+              <a:ext uri="{FF2B5EF4-FFF2-40B4-BE49-F238E27FC236}">
+                <a16:creationId xmlns:a16="http://schemas.microsoft.com/office/drawing/2014/main" id="{E9E46C06-9430-8449-204E-A90FECF44FFA}"/>
+              </a:ext>
+            </a:extLst>
+          </p:cNvPr>
+          <p:cNvSpPr>
+            <a:spLocks noGrp="1"/>
+          </p:cNvSpPr>
+          <p:nvPr>
+            <p:ph type="title"/>
+          </p:nvPr>
+        </p:nvSpPr>
+        <p:spPr/>
+        <p:txBody>
+          <a:bodyPr/>
+          <a:lstStyle/>
+          <a:p>
+            <a:r>
+              <a:rPr lang="en-GB" dirty="0"/>
+              <a:t>Information-Sparse Tasks: Evaluation</a:t>
+            </a:r>
+            <a:endParaRPr lang="en-DE" dirty="0"/>
+          </a:p>
+        </p:txBody>
+      </p:sp>
+      <p:sp>
+        <p:nvSpPr>
+          <p:cNvPr id="3" name="Inhaltsplatzhalter 2">
+            <a:extLst>
+              <a:ext uri="{FF2B5EF4-FFF2-40B4-BE49-F238E27FC236}">
+                <a16:creationId xmlns:a16="http://schemas.microsoft.com/office/drawing/2014/main" id="{1DD1CE48-F807-8F4C-8619-5467592B58AD}"/>
+              </a:ext>
+            </a:extLst>
+          </p:cNvPr>
+          <p:cNvSpPr>
+            <a:spLocks noGrp="1"/>
+          </p:cNvSpPr>
+          <p:nvPr>
+            <p:ph idx="1"/>
+          </p:nvPr>
+        </p:nvSpPr>
+        <p:spPr/>
+        <p:txBody>
+          <a:bodyPr/>
+          <a:lstStyle/>
+          <a:p>
+            <a:endParaRPr lang="en-DE"/>
+          </a:p>
+        </p:txBody>
+      </p:sp>
+    </p:spTree>
+    <p:extLst>
+      <p:ext uri="{BB962C8B-B14F-4D97-AF65-F5344CB8AC3E}">
+        <p14:creationId xmlns:p14="http://schemas.microsoft.com/office/powerpoint/2010/main" val="2332716948"/>
+      </p:ext>
+    </p:extLst>
+  </p:cSld>
+  <p:clrMapOvr>
+    <a:masterClrMapping/>
+  </p:clrMapOvr>
+</p:sld>
+</file>
+
+<file path=ppt/slides/slide21.xml><?xml version="1.0" encoding="utf-8"?>
+<p:sld xmlns:a="http://schemas.openxmlformats.org/drawingml/2006/main" xmlns:r="http://schemas.openxmlformats.org/officeDocument/2006/relationships" xmlns:p="http://schemas.openxmlformats.org/presentationml/2006/main">
+  <p:cSld>
+    <p:bg>
+      <p:bgPr>
+        <a:solidFill>
+          <a:schemeClr val="bg1"/>
+        </a:solidFill>
+        <a:effectLst/>
+      </p:bgPr>
+    </p:bg>
+    <p:spTree>
+      <p:nvGrpSpPr>
+        <p:cNvPr id="1" name="">
+          <a:extLst>
+            <a:ext uri="{FF2B5EF4-FFF2-40B4-BE49-F238E27FC236}">
+              <a16:creationId xmlns:a16="http://schemas.microsoft.com/office/drawing/2014/main" id="{5540C988-173A-951B-F098-5AC788A3B417}"/>
+            </a:ext>
+          </a:extLst>
+        </p:cNvPr>
+        <p:cNvGrpSpPr/>
+        <p:nvPr/>
+      </p:nvGrpSpPr>
+      <p:grpSpPr>
+        <a:xfrm>
+          <a:off x="0" y="0"/>
+          <a:ext cx="0" cy="0"/>
+          <a:chOff x="0" y="0"/>
+          <a:chExt cx="0" cy="0"/>
+        </a:xfrm>
+      </p:grpSpPr>
+      <p:sp useBgFill="1">
+        <p:nvSpPr>
+          <p:cNvPr id="17" name="Rectangle 8">
+            <a:extLst>
+              <a:ext uri="{FF2B5EF4-FFF2-40B4-BE49-F238E27FC236}">
+                <a16:creationId xmlns:a16="http://schemas.microsoft.com/office/drawing/2014/main" id="{2C9A9DA9-7DC8-488B-A882-123947B0F3D9}"/>
+              </a:ext>
+              <a:ext uri="{C183D7F6-B498-43B3-948B-1728B52AA6E4}">
+                <adec:decorative xmlns:adec="http://schemas.microsoft.com/office/drawing/2017/decorative" val="1"/>
+              </a:ext>
+            </a:extLst>
+          </p:cNvPr>
+          <p:cNvSpPr>
+            <a:spLocks noGrp="1" noRot="1" noChangeAspect="1" noMove="1" noResize="1" noEditPoints="1" noAdjustHandles="1" noChangeArrowheads="1" noChangeShapeType="1" noTextEdit="1"/>
+          </p:cNvSpPr>
+          <p:nvPr>
+            <p:extLst>
+              <p:ext uri="{386F3935-93C4-4BCD-93E2-E3B085C9AB24}">
+                <p16:designElem xmlns:p16="http://schemas.microsoft.com/office/powerpoint/2015/main" val="1"/>
+              </p:ext>
+            </p:extLst>
+          </p:nvPr>
+        </p:nvSpPr>
+        <p:spPr>
+          <a:xfrm>
+            <a:off x="0" y="0"/>
+            <a:ext cx="12192000" cy="6858000"/>
+          </a:xfrm>
+          <a:prstGeom prst="rect">
+            <a:avLst/>
+          </a:prstGeom>
+          <a:ln>
+            <a:noFill/>
+          </a:ln>
+        </p:spPr>
+        <p:style>
+          <a:lnRef idx="2">
+            <a:schemeClr val="accent1">
+              <a:shade val="50000"/>
+            </a:schemeClr>
+          </a:lnRef>
+          <a:fillRef idx="1">
+            <a:schemeClr val="accent1"/>
+          </a:fillRef>
+          <a:effectRef idx="0">
+            <a:schemeClr val="accent1"/>
+          </a:effectRef>
+          <a:fontRef idx="minor">
+            <a:schemeClr val="lt1"/>
+          </a:fontRef>
+        </p:style>
+        <p:txBody>
+          <a:bodyPr rtlCol="0" anchor="ctr"/>
+          <a:lstStyle/>
+          <a:p>
+            <a:pPr algn="ctr"/>
+            <a:endParaRPr lang="en-US"/>
+          </a:p>
+        </p:txBody>
+      </p:sp>
+      <p:sp useBgFill="1">
+        <p:nvSpPr>
+          <p:cNvPr id="18" name="Rectangle 10">
+            <a:extLst>
+              <a:ext uri="{FF2B5EF4-FFF2-40B4-BE49-F238E27FC236}">
+                <a16:creationId xmlns:a16="http://schemas.microsoft.com/office/drawing/2014/main" id="{57F6BDD4-E066-4008-8011-6CC31AEB4556}"/>
+              </a:ext>
+              <a:ext uri="{C183D7F6-B498-43B3-948B-1728B52AA6E4}">
+                <adec:decorative xmlns:adec="http://schemas.microsoft.com/office/drawing/2017/decorative" val="1"/>
+              </a:ext>
+            </a:extLst>
+          </p:cNvPr>
+          <p:cNvSpPr>
+            <a:spLocks noGrp="1" noRot="1" noChangeAspect="1" noMove="1" noResize="1" noEditPoints="1" noAdjustHandles="1" noChangeArrowheads="1" noChangeShapeType="1" noTextEdit="1"/>
+          </p:cNvSpPr>
+          <p:nvPr>
+            <p:extLst>
+              <p:ext uri="{386F3935-93C4-4BCD-93E2-E3B085C9AB24}">
+                <p16:designElem xmlns:p16="http://schemas.microsoft.com/office/powerpoint/2015/main" val="1"/>
+              </p:ext>
+            </p:extLst>
+          </p:nvPr>
+        </p:nvSpPr>
+        <p:spPr>
+          <a:xfrm>
+            <a:off x="409575" y="633619"/>
+            <a:ext cx="4279383" cy="5495925"/>
+          </a:xfrm>
+          <a:prstGeom prst="rect">
+            <a:avLst/>
+          </a:prstGeom>
+          <a:ln w="9525">
+            <a:solidFill>
+              <a:srgbClr val="DEDEDE"/>
+            </a:solidFill>
+          </a:ln>
+          <a:effectLst>
+            <a:outerShdw blurRad="50800" dist="38100" dir="2700000" algn="tl" rotWithShape="0">
+              <a:schemeClr val="bg1">
+                <a:lumMod val="85000"/>
+                <a:alpha val="50000"/>
+              </a:schemeClr>
+            </a:outerShdw>
+          </a:effectLst>
+        </p:spPr>
+        <p:style>
+          <a:lnRef idx="2">
+            <a:schemeClr val="accent1">
+              <a:shade val="50000"/>
+            </a:schemeClr>
+          </a:lnRef>
+          <a:fillRef idx="1">
+            <a:schemeClr val="accent1"/>
+          </a:fillRef>
+          <a:effectRef idx="0">
+            <a:schemeClr val="accent1"/>
+          </a:effectRef>
+          <a:fontRef idx="minor">
+            <a:schemeClr val="lt1"/>
+          </a:fontRef>
+        </p:style>
+        <p:txBody>
+          <a:bodyPr rtlCol="0" anchor="ctr"/>
+          <a:lstStyle/>
+          <a:p>
+            <a:pPr marL="0" marR="0" lvl="0" indent="0" algn="ctr" defTabSz="914400" rtl="0" eaLnBrk="1" fontAlgn="auto" latinLnBrk="0" hangingPunct="1">
+              <a:lnSpc>
+                <a:spcPct val="100000"/>
+              </a:lnSpc>
+              <a:spcBef>
+                <a:spcPts val="0"/>
+              </a:spcBef>
+              <a:spcAft>
+                <a:spcPts val="0"/>
+              </a:spcAft>
+              <a:buClrTx/>
+              <a:buSzTx/>
+              <a:buFontTx/>
+              <a:buNone/>
+              <a:tabLst/>
+              <a:defRPr/>
+            </a:pPr>
+            <a:endParaRPr kumimoji="0" lang="en-US" sz="1800" b="0" i="0" u="none" strike="noStrike" kern="1200" cap="none" spc="0" normalizeH="0" baseline="0" noProof="0">
+              <a:ln>
+                <a:noFill/>
+              </a:ln>
+              <a:solidFill>
+                <a:prstClr val="white"/>
+              </a:solidFill>
+              <a:effectLst/>
+              <a:uLnTx/>
+              <a:uFillTx/>
+              <a:latin typeface="Calibri" panose="020F0502020204030204"/>
+              <a:ea typeface="+mn-ea"/>
+              <a:cs typeface="+mn-cs"/>
+            </a:endParaRPr>
+          </a:p>
+        </p:txBody>
+      </p:sp>
+      <p:sp>
+        <p:nvSpPr>
+          <p:cNvPr id="2" name="Titel 1">
+            <a:extLst>
+              <a:ext uri="{FF2B5EF4-FFF2-40B4-BE49-F238E27FC236}">
+                <a16:creationId xmlns:a16="http://schemas.microsoft.com/office/drawing/2014/main" id="{EABA292D-69F0-B466-9DB4-2B374CD835C6}"/>
+              </a:ext>
+            </a:extLst>
+          </p:cNvPr>
+          <p:cNvSpPr>
+            <a:spLocks noGrp="1"/>
+          </p:cNvSpPr>
+          <p:nvPr>
+            <p:ph type="title"/>
+          </p:nvPr>
+        </p:nvSpPr>
+        <p:spPr>
+          <a:xfrm>
+            <a:off x="841247" y="978619"/>
+            <a:ext cx="3410712" cy="1106424"/>
+          </a:xfrm>
+        </p:spPr>
+        <p:txBody>
+          <a:bodyPr>
+            <a:normAutofit/>
+          </a:bodyPr>
+          <a:lstStyle/>
+          <a:p>
+            <a:r>
+              <a:rPr lang="en-GB" sz="2400"/>
+              <a:t>NeedleBench – Information-Dense Tasks</a:t>
+            </a:r>
+            <a:endParaRPr lang="en-DE" sz="2400"/>
+          </a:p>
+        </p:txBody>
+      </p:sp>
+      <p:sp>
+        <p:nvSpPr>
+          <p:cNvPr id="19" name="Rectangle 12">
+            <a:extLst>
+              <a:ext uri="{FF2B5EF4-FFF2-40B4-BE49-F238E27FC236}">
+                <a16:creationId xmlns:a16="http://schemas.microsoft.com/office/drawing/2014/main" id="{2711A8FB-68FC-45FC-B01E-38F809E2D439}"/>
+              </a:ext>
+              <a:ext uri="{C183D7F6-B498-43B3-948B-1728B52AA6E4}">
+                <adec:decorative xmlns:adec="http://schemas.microsoft.com/office/drawing/2017/decorative" val="1"/>
+              </a:ext>
+            </a:extLst>
+          </p:cNvPr>
+          <p:cNvSpPr>
+            <a:spLocks noGrp="1" noRot="1" noChangeAspect="1" noMove="1" noResize="1" noEditPoints="1" noAdjustHandles="1" noChangeArrowheads="1" noChangeShapeType="1" noTextEdit="1"/>
+          </p:cNvSpPr>
+          <p:nvPr>
+            <p:extLst>
+              <p:ext uri="{386F3935-93C4-4BCD-93E2-E3B085C9AB24}">
+                <p16:designElem xmlns:p16="http://schemas.microsoft.com/office/powerpoint/2015/main" val="1"/>
+              </p:ext>
+            </p:extLst>
+          </p:nvPr>
+        </p:nvSpPr>
+        <p:spPr>
+          <a:xfrm>
+            <a:off x="345567" y="1171300"/>
+            <a:ext cx="128016" cy="704088"/>
+          </a:xfrm>
+          <a:prstGeom prst="rect">
+            <a:avLst/>
+          </a:prstGeom>
+          <a:solidFill>
+            <a:schemeClr val="accent2"/>
+          </a:solidFill>
+          <a:ln>
+            <a:noFill/>
+          </a:ln>
+        </p:spPr>
+        <p:style>
+          <a:lnRef idx="2">
+            <a:schemeClr val="accent1">
+              <a:shade val="50000"/>
+            </a:schemeClr>
+          </a:lnRef>
+          <a:fillRef idx="1">
+            <a:schemeClr val="accent1"/>
+          </a:fillRef>
+          <a:effectRef idx="0">
+            <a:schemeClr val="accent1"/>
+          </a:effectRef>
+          <a:fontRef idx="minor">
+            <a:schemeClr val="lt1"/>
+          </a:fontRef>
+        </p:style>
+        <p:txBody>
+          <a:bodyPr rtlCol="0" anchor="ctr"/>
+          <a:lstStyle/>
+          <a:p>
+            <a:pPr algn="ctr"/>
+            <a:endParaRPr lang="en-US">
+              <a:solidFill>
+                <a:prstClr val="white"/>
+              </a:solidFill>
+              <a:latin typeface="Calibri" panose="020F0502020204030204"/>
+            </a:endParaRPr>
+          </a:p>
+        </p:txBody>
+      </p:sp>
+      <p:sp>
+        <p:nvSpPr>
+          <p:cNvPr id="20" name="Rectangle 14">
+            <a:extLst>
+              <a:ext uri="{FF2B5EF4-FFF2-40B4-BE49-F238E27FC236}">
+                <a16:creationId xmlns:a16="http://schemas.microsoft.com/office/drawing/2014/main" id="{2A865FE3-5FC9-4049-87CF-30019C46C0F5}"/>
+              </a:ext>
+              <a:ext uri="{C183D7F6-B498-43B3-948B-1728B52AA6E4}">
+                <adec:decorative xmlns:adec="http://schemas.microsoft.com/office/drawing/2017/decorative" val="1"/>
+              </a:ext>
+            </a:extLst>
+          </p:cNvPr>
+          <p:cNvSpPr>
+            <a:spLocks noGrp="1" noRot="1" noChangeAspect="1" noMove="1" noResize="1" noEditPoints="1" noAdjustHandles="1" noChangeArrowheads="1" noChangeShapeType="1" noTextEdit="1"/>
+          </p:cNvSpPr>
+          <p:nvPr>
+            <p:extLst>
+              <p:ext uri="{386F3935-93C4-4BCD-93E2-E3B085C9AB24}">
+                <p16:designElem xmlns:p16="http://schemas.microsoft.com/office/powerpoint/2015/main" val="1"/>
+              </p:ext>
+            </p:extLst>
+          </p:nvPr>
+        </p:nvSpPr>
+        <p:spPr>
+          <a:xfrm>
+            <a:off x="877459" y="2093976"/>
+            <a:ext cx="3328416" cy="9144"/>
+          </a:xfrm>
+          <a:prstGeom prst="rect">
+            <a:avLst/>
+          </a:prstGeom>
+          <a:solidFill>
+            <a:srgbClr val="D5D5D5"/>
+          </a:solidFill>
+          <a:ln w="3175">
+            <a:noFill/>
+          </a:ln>
+          <a:effectLst/>
+        </p:spPr>
+        <p:style>
+          <a:lnRef idx="2">
+            <a:schemeClr val="accent1">
+              <a:shade val="50000"/>
+            </a:schemeClr>
+          </a:lnRef>
+          <a:fillRef idx="1">
+            <a:schemeClr val="accent1"/>
+          </a:fillRef>
+          <a:effectRef idx="0">
+            <a:schemeClr val="accent1"/>
+          </a:effectRef>
+          <a:fontRef idx="minor">
+            <a:schemeClr val="lt1"/>
+          </a:fontRef>
+        </p:style>
+        <p:txBody>
+          <a:bodyPr rtlCol="0" anchor="ctr"/>
+          <a:lstStyle/>
+          <a:p>
+            <a:pPr algn="ctr"/>
+            <a:endParaRPr lang="en-US">
+              <a:solidFill>
+                <a:prstClr val="white"/>
+              </a:solidFill>
+              <a:latin typeface="Calibri" panose="020F0502020204030204"/>
+            </a:endParaRPr>
+          </a:p>
+        </p:txBody>
+      </p:sp>
+      <p:sp>
+        <p:nvSpPr>
+          <p:cNvPr id="3" name="Inhaltsplatzhalter 2">
+            <a:extLst>
+              <a:ext uri="{FF2B5EF4-FFF2-40B4-BE49-F238E27FC236}">
+                <a16:creationId xmlns:a16="http://schemas.microsoft.com/office/drawing/2014/main" id="{E478428C-6F86-8897-1595-C4030F70634D}"/>
+              </a:ext>
+            </a:extLst>
+          </p:cNvPr>
+          <p:cNvSpPr>
+            <a:spLocks noGrp="1"/>
+          </p:cNvSpPr>
+          <p:nvPr>
+            <p:ph idx="1"/>
+          </p:nvPr>
+        </p:nvSpPr>
+        <p:spPr>
+          <a:xfrm>
+            <a:off x="473583" y="2252870"/>
+            <a:ext cx="3779885" cy="3560251"/>
+          </a:xfrm>
+        </p:spPr>
+        <p:txBody>
+          <a:bodyPr>
+            <a:normAutofit/>
+          </a:bodyPr>
+          <a:lstStyle/>
+          <a:p>
+            <a:pPr marL="457200" lvl="1" indent="0">
+              <a:buNone/>
+            </a:pPr>
+            <a:r>
+              <a:rPr lang="en-GB" sz="1700" dirty="0"/>
+              <a:t>Ancestral Trace Challenge (ATC):</a:t>
+            </a:r>
+          </a:p>
+          <a:p>
+            <a:pPr marL="457200" lvl="1" indent="0">
+              <a:buNone/>
+            </a:pPr>
+            <a:endParaRPr lang="en-GB" sz="1700" dirty="0"/>
+          </a:p>
+          <a:p>
+            <a:pPr lvl="1"/>
+            <a:r>
+              <a:rPr lang="en-GB" sz="1700" dirty="0"/>
+              <a:t> </a:t>
+            </a:r>
+            <a:endParaRPr lang="en-DE" sz="1700" dirty="0"/>
+          </a:p>
+        </p:txBody>
+      </p:sp>
+      <p:pic>
+        <p:nvPicPr>
+          <p:cNvPr id="4" name="Grafik 3">
+            <a:extLst>
+              <a:ext uri="{FF2B5EF4-FFF2-40B4-BE49-F238E27FC236}">
+                <a16:creationId xmlns:a16="http://schemas.microsoft.com/office/drawing/2014/main" id="{E14C812B-A01E-65BF-35F8-65F66F9860A5}"/>
+              </a:ext>
+            </a:extLst>
+          </p:cNvPr>
+          <p:cNvPicPr>
+            <a:picLocks noChangeAspect="1"/>
+          </p:cNvPicPr>
+          <p:nvPr/>
+        </p:nvPicPr>
+        <p:blipFill>
+          <a:blip r:embed="rId2"/>
+          <a:stretch>
+            <a:fillRect/>
+          </a:stretch>
+        </p:blipFill>
+        <p:spPr>
+          <a:xfrm>
+            <a:off x="5098533" y="978619"/>
+            <a:ext cx="6656832" cy="4460076"/>
+          </a:xfrm>
+          <a:prstGeom prst="rect">
+            <a:avLst/>
+          </a:prstGeom>
+        </p:spPr>
+      </p:pic>
+    </p:spTree>
+    <p:extLst>
+      <p:ext uri="{BB962C8B-B14F-4D97-AF65-F5344CB8AC3E}">
+        <p14:creationId xmlns:p14="http://schemas.microsoft.com/office/powerpoint/2010/main" val="813584392"/>
+      </p:ext>
+    </p:extLst>
+  </p:cSld>
+  <p:clrMapOvr>
+    <a:masterClrMapping/>
+  </p:clrMapOvr>
+</p:sld>
+</file>
+
+<file path=ppt/slides/slide22.xml><?xml version="1.0" encoding="utf-8"?>
+<p:sld xmlns:a="http://schemas.openxmlformats.org/drawingml/2006/main" xmlns:r="http://schemas.openxmlformats.org/officeDocument/2006/relationships" xmlns:p="http://schemas.openxmlformats.org/presentationml/2006/main">
+  <p:cSld>
+    <p:bg>
+      <p:bgPr>
+        <a:solidFill>
+          <a:schemeClr val="bg1"/>
+        </a:solidFill>
+        <a:effectLst/>
+      </p:bgPr>
+    </p:bg>
+    <p:spTree>
+      <p:nvGrpSpPr>
+        <p:cNvPr id="1" name="">
+          <a:extLst>
+            <a:ext uri="{FF2B5EF4-FFF2-40B4-BE49-F238E27FC236}">
+              <a16:creationId xmlns:a16="http://schemas.microsoft.com/office/drawing/2014/main" id="{772EB458-60DF-2B80-84BB-13D5A4F8C926}"/>
+            </a:ext>
+          </a:extLst>
+        </p:cNvPr>
+        <p:cNvGrpSpPr/>
+        <p:nvPr/>
+      </p:nvGrpSpPr>
+      <p:grpSpPr>
+        <a:xfrm>
+          <a:off x="0" y="0"/>
+          <a:ext cx="0" cy="0"/>
+          <a:chOff x="0" y="0"/>
+          <a:chExt cx="0" cy="0"/>
+        </a:xfrm>
+      </p:grpSpPr>
+      <p:sp useBgFill="1">
+        <p:nvSpPr>
+          <p:cNvPr id="31" name="Rectangle 22">
+            <a:extLst>
+              <a:ext uri="{FF2B5EF4-FFF2-40B4-BE49-F238E27FC236}">
+                <a16:creationId xmlns:a16="http://schemas.microsoft.com/office/drawing/2014/main" id="{2C9A9DA9-7DC8-488B-A882-123947B0F3D9}"/>
+              </a:ext>
+              <a:ext uri="{C183D7F6-B498-43B3-948B-1728B52AA6E4}">
+                <adec:decorative xmlns:adec="http://schemas.microsoft.com/office/drawing/2017/decorative" val="1"/>
+              </a:ext>
+            </a:extLst>
+          </p:cNvPr>
+          <p:cNvSpPr>
+            <a:spLocks noGrp="1" noRot="1" noChangeAspect="1" noMove="1" noResize="1" noEditPoints="1" noAdjustHandles="1" noChangeArrowheads="1" noChangeShapeType="1" noTextEdit="1"/>
+          </p:cNvSpPr>
+          <p:nvPr>
+            <p:extLst>
+              <p:ext uri="{386F3935-93C4-4BCD-93E2-E3B085C9AB24}">
+                <p16:designElem xmlns:p16="http://schemas.microsoft.com/office/powerpoint/2015/main" val="1"/>
+              </p:ext>
+            </p:extLst>
+          </p:nvPr>
+        </p:nvSpPr>
+        <p:spPr>
+          <a:xfrm>
+            <a:off x="0" y="0"/>
+            <a:ext cx="12192000" cy="6858000"/>
+          </a:xfrm>
+          <a:prstGeom prst="rect">
+            <a:avLst/>
+          </a:prstGeom>
+          <a:ln>
+            <a:noFill/>
+          </a:ln>
+        </p:spPr>
+        <p:style>
+          <a:lnRef idx="2">
+            <a:schemeClr val="accent1">
+              <a:shade val="50000"/>
+            </a:schemeClr>
+          </a:lnRef>
+          <a:fillRef idx="1">
+            <a:schemeClr val="accent1"/>
+          </a:fillRef>
+          <a:effectRef idx="0">
+            <a:schemeClr val="accent1"/>
+          </a:effectRef>
+          <a:fontRef idx="minor">
+            <a:schemeClr val="lt1"/>
+          </a:fontRef>
+        </p:style>
+        <p:txBody>
+          <a:bodyPr rtlCol="0" anchor="ctr"/>
+          <a:lstStyle/>
+          <a:p>
+            <a:pPr algn="ctr"/>
+            <a:endParaRPr lang="en-US"/>
+          </a:p>
+        </p:txBody>
+      </p:sp>
+      <p:sp useBgFill="1">
+        <p:nvSpPr>
+          <p:cNvPr id="32" name="Rectangle 24">
+            <a:extLst>
+              <a:ext uri="{FF2B5EF4-FFF2-40B4-BE49-F238E27FC236}">
+                <a16:creationId xmlns:a16="http://schemas.microsoft.com/office/drawing/2014/main" id="{57F6BDD4-E066-4008-8011-6CC31AEB4556}"/>
+              </a:ext>
+              <a:ext uri="{C183D7F6-B498-43B3-948B-1728B52AA6E4}">
+                <adec:decorative xmlns:adec="http://schemas.microsoft.com/office/drawing/2017/decorative" val="1"/>
+              </a:ext>
+            </a:extLst>
+          </p:cNvPr>
+          <p:cNvSpPr>
+            <a:spLocks noGrp="1" noRot="1" noChangeAspect="1" noMove="1" noResize="1" noEditPoints="1" noAdjustHandles="1" noChangeArrowheads="1" noChangeShapeType="1" noTextEdit="1"/>
+          </p:cNvSpPr>
+          <p:nvPr>
+            <p:extLst>
+              <p:ext uri="{386F3935-93C4-4BCD-93E2-E3B085C9AB24}">
+                <p16:designElem xmlns:p16="http://schemas.microsoft.com/office/powerpoint/2015/main" val="1"/>
+              </p:ext>
+            </p:extLst>
+          </p:nvPr>
+        </p:nvSpPr>
+        <p:spPr>
+          <a:xfrm>
+            <a:off x="409575" y="633619"/>
+            <a:ext cx="4279383" cy="5495925"/>
+          </a:xfrm>
+          <a:prstGeom prst="rect">
+            <a:avLst/>
+          </a:prstGeom>
+          <a:ln w="9525">
+            <a:solidFill>
+              <a:srgbClr val="DEDEDE"/>
+            </a:solidFill>
+          </a:ln>
+          <a:effectLst>
+            <a:outerShdw blurRad="50800" dist="38100" dir="2700000" algn="tl" rotWithShape="0">
+              <a:schemeClr val="bg1">
+                <a:lumMod val="85000"/>
+                <a:alpha val="50000"/>
+              </a:schemeClr>
+            </a:outerShdw>
+          </a:effectLst>
+        </p:spPr>
+        <p:style>
+          <a:lnRef idx="2">
+            <a:schemeClr val="accent1">
+              <a:shade val="50000"/>
+            </a:schemeClr>
+          </a:lnRef>
+          <a:fillRef idx="1">
+            <a:schemeClr val="accent1"/>
+          </a:fillRef>
+          <a:effectRef idx="0">
+            <a:schemeClr val="accent1"/>
+          </a:effectRef>
+          <a:fontRef idx="minor">
+            <a:schemeClr val="lt1"/>
+          </a:fontRef>
+        </p:style>
+        <p:txBody>
+          <a:bodyPr rtlCol="0" anchor="ctr"/>
+          <a:lstStyle/>
+          <a:p>
+            <a:pPr marL="0" marR="0" lvl="0" indent="0" algn="ctr" defTabSz="914400" rtl="0" eaLnBrk="1" fontAlgn="auto" latinLnBrk="0" hangingPunct="1">
+              <a:lnSpc>
+                <a:spcPct val="100000"/>
+              </a:lnSpc>
+              <a:spcBef>
+                <a:spcPts val="0"/>
+              </a:spcBef>
+              <a:spcAft>
+                <a:spcPts val="0"/>
+              </a:spcAft>
+              <a:buClrTx/>
+              <a:buSzTx/>
+              <a:buFontTx/>
+              <a:buNone/>
+              <a:tabLst/>
+              <a:defRPr/>
+            </a:pPr>
+            <a:endParaRPr kumimoji="0" lang="en-US" sz="1800" b="0" i="0" u="none" strike="noStrike" kern="1200" cap="none" spc="0" normalizeH="0" baseline="0" noProof="0">
+              <a:ln>
+                <a:noFill/>
+              </a:ln>
+              <a:solidFill>
+                <a:prstClr val="white"/>
+              </a:solidFill>
+              <a:effectLst/>
+              <a:uLnTx/>
+              <a:uFillTx/>
+              <a:latin typeface="Calibri" panose="020F0502020204030204"/>
+              <a:ea typeface="+mn-ea"/>
+              <a:cs typeface="+mn-cs"/>
+            </a:endParaRPr>
+          </a:p>
+        </p:txBody>
+      </p:sp>
+      <p:sp>
+        <p:nvSpPr>
+          <p:cNvPr id="2" name="Titel 1">
+            <a:extLst>
+              <a:ext uri="{FF2B5EF4-FFF2-40B4-BE49-F238E27FC236}">
+                <a16:creationId xmlns:a16="http://schemas.microsoft.com/office/drawing/2014/main" id="{90281696-CA67-3D3D-778D-885A58D77179}"/>
+              </a:ext>
+            </a:extLst>
+          </p:cNvPr>
+          <p:cNvSpPr>
+            <a:spLocks noGrp="1"/>
+          </p:cNvSpPr>
+          <p:nvPr>
+            <p:ph type="title"/>
+          </p:nvPr>
+        </p:nvSpPr>
+        <p:spPr>
+          <a:xfrm>
+            <a:off x="841247" y="978619"/>
+            <a:ext cx="3410712" cy="1106424"/>
+          </a:xfrm>
+        </p:spPr>
+        <p:txBody>
+          <a:bodyPr>
+            <a:normAutofit/>
+          </a:bodyPr>
+          <a:lstStyle/>
+          <a:p>
+            <a:r>
+              <a:rPr lang="en-GB" sz="2800"/>
+              <a:t>Information-Dense Tasks</a:t>
+            </a:r>
+            <a:endParaRPr lang="en-DE" sz="2800"/>
+          </a:p>
+        </p:txBody>
+      </p:sp>
+      <p:sp>
+        <p:nvSpPr>
+          <p:cNvPr id="33" name="Rectangle 26">
+            <a:extLst>
+              <a:ext uri="{FF2B5EF4-FFF2-40B4-BE49-F238E27FC236}">
+                <a16:creationId xmlns:a16="http://schemas.microsoft.com/office/drawing/2014/main" id="{2711A8FB-68FC-45FC-B01E-38F809E2D439}"/>
+              </a:ext>
+              <a:ext uri="{C183D7F6-B498-43B3-948B-1728B52AA6E4}">
+                <adec:decorative xmlns:adec="http://schemas.microsoft.com/office/drawing/2017/decorative" val="1"/>
+              </a:ext>
+            </a:extLst>
+          </p:cNvPr>
+          <p:cNvSpPr>
+            <a:spLocks noGrp="1" noRot="1" noChangeAspect="1" noMove="1" noResize="1" noEditPoints="1" noAdjustHandles="1" noChangeArrowheads="1" noChangeShapeType="1" noTextEdit="1"/>
+          </p:cNvSpPr>
+          <p:nvPr>
+            <p:extLst>
+              <p:ext uri="{386F3935-93C4-4BCD-93E2-E3B085C9AB24}">
+                <p16:designElem xmlns:p16="http://schemas.microsoft.com/office/powerpoint/2015/main" val="1"/>
+              </p:ext>
+            </p:extLst>
+          </p:nvPr>
+        </p:nvSpPr>
+        <p:spPr>
+          <a:xfrm>
+            <a:off x="345567" y="1171300"/>
+            <a:ext cx="128016" cy="704088"/>
+          </a:xfrm>
+          <a:prstGeom prst="rect">
+            <a:avLst/>
+          </a:prstGeom>
+          <a:solidFill>
+            <a:schemeClr val="accent2"/>
+          </a:solidFill>
+          <a:ln>
+            <a:noFill/>
+          </a:ln>
+        </p:spPr>
+        <p:style>
+          <a:lnRef idx="2">
+            <a:schemeClr val="accent1">
+              <a:shade val="50000"/>
+            </a:schemeClr>
+          </a:lnRef>
+          <a:fillRef idx="1">
+            <a:schemeClr val="accent1"/>
+          </a:fillRef>
+          <a:effectRef idx="0">
+            <a:schemeClr val="accent1"/>
+          </a:effectRef>
+          <a:fontRef idx="minor">
+            <a:schemeClr val="lt1"/>
+          </a:fontRef>
+        </p:style>
+        <p:txBody>
+          <a:bodyPr rtlCol="0" anchor="ctr"/>
+          <a:lstStyle/>
+          <a:p>
+            <a:pPr algn="ctr"/>
+            <a:endParaRPr lang="en-US">
+              <a:solidFill>
+                <a:prstClr val="white"/>
+              </a:solidFill>
+              <a:latin typeface="Calibri" panose="020F0502020204030204"/>
+            </a:endParaRPr>
+          </a:p>
+        </p:txBody>
+      </p:sp>
+      <p:sp>
+        <p:nvSpPr>
+          <p:cNvPr id="34" name="Rectangle 28">
+            <a:extLst>
+              <a:ext uri="{FF2B5EF4-FFF2-40B4-BE49-F238E27FC236}">
+                <a16:creationId xmlns:a16="http://schemas.microsoft.com/office/drawing/2014/main" id="{2A865FE3-5FC9-4049-87CF-30019C46C0F5}"/>
+              </a:ext>
+              <a:ext uri="{C183D7F6-B498-43B3-948B-1728B52AA6E4}">
+                <adec:decorative xmlns:adec="http://schemas.microsoft.com/office/drawing/2017/decorative" val="1"/>
+              </a:ext>
+            </a:extLst>
+          </p:cNvPr>
+          <p:cNvSpPr>
+            <a:spLocks noGrp="1" noRot="1" noChangeAspect="1" noMove="1" noResize="1" noEditPoints="1" noAdjustHandles="1" noChangeArrowheads="1" noChangeShapeType="1" noTextEdit="1"/>
+          </p:cNvSpPr>
+          <p:nvPr>
+            <p:extLst>
+              <p:ext uri="{386F3935-93C4-4BCD-93E2-E3B085C9AB24}">
+                <p16:designElem xmlns:p16="http://schemas.microsoft.com/office/powerpoint/2015/main" val="1"/>
+              </p:ext>
+            </p:extLst>
+          </p:nvPr>
+        </p:nvSpPr>
+        <p:spPr>
+          <a:xfrm>
+            <a:off x="877459" y="2093976"/>
+            <a:ext cx="3328416" cy="9144"/>
+          </a:xfrm>
+          <a:prstGeom prst="rect">
+            <a:avLst/>
+          </a:prstGeom>
+          <a:solidFill>
+            <a:srgbClr val="D5D5D5"/>
+          </a:solidFill>
+          <a:ln w="3175">
+            <a:noFill/>
+          </a:ln>
+          <a:effectLst/>
+        </p:spPr>
+        <p:style>
+          <a:lnRef idx="2">
+            <a:schemeClr val="accent1">
+              <a:shade val="50000"/>
+            </a:schemeClr>
+          </a:lnRef>
+          <a:fillRef idx="1">
+            <a:schemeClr val="accent1"/>
+          </a:fillRef>
+          <a:effectRef idx="0">
+            <a:schemeClr val="accent1"/>
+          </a:effectRef>
+          <a:fontRef idx="minor">
+            <a:schemeClr val="lt1"/>
+          </a:fontRef>
+        </p:style>
+        <p:txBody>
+          <a:bodyPr rtlCol="0" anchor="ctr"/>
+          <a:lstStyle/>
+          <a:p>
+            <a:pPr algn="ctr"/>
+            <a:endParaRPr lang="en-US">
+              <a:solidFill>
+                <a:prstClr val="white"/>
+              </a:solidFill>
+              <a:latin typeface="Calibri" panose="020F0502020204030204"/>
+            </a:endParaRPr>
+          </a:p>
+        </p:txBody>
+      </p:sp>
+      <p:sp>
+        <p:nvSpPr>
+          <p:cNvPr id="3" name="Inhaltsplatzhalter 2">
+            <a:extLst>
+              <a:ext uri="{FF2B5EF4-FFF2-40B4-BE49-F238E27FC236}">
+                <a16:creationId xmlns:a16="http://schemas.microsoft.com/office/drawing/2014/main" id="{B9A07DF5-4120-A9F1-EF79-B995B02E6BFD}"/>
+              </a:ext>
+            </a:extLst>
+          </p:cNvPr>
+          <p:cNvSpPr>
+            <a:spLocks noGrp="1"/>
+          </p:cNvSpPr>
+          <p:nvPr>
+            <p:ph idx="1"/>
+          </p:nvPr>
+        </p:nvSpPr>
+        <p:spPr>
+          <a:xfrm>
+            <a:off x="473582" y="2252870"/>
+            <a:ext cx="3779885" cy="3560251"/>
+          </a:xfrm>
+        </p:spPr>
+        <p:txBody>
+          <a:bodyPr>
+            <a:normAutofit/>
+          </a:bodyPr>
+          <a:lstStyle/>
+          <a:p>
+            <a:pPr marL="457200" lvl="1" indent="0">
+              <a:buNone/>
+            </a:pPr>
+            <a:r>
+              <a:rPr lang="en-GB" sz="1700" dirty="0"/>
+              <a:t>Diversity in ATC:</a:t>
+            </a:r>
+          </a:p>
+          <a:p>
+            <a:pPr marL="457200" lvl="1" indent="0">
+              <a:buNone/>
+            </a:pPr>
+            <a:endParaRPr lang="en-GB" sz="1700" dirty="0"/>
+          </a:p>
+          <a:p>
+            <a:pPr lvl="1"/>
+            <a:r>
+              <a:rPr lang="en-GB" sz="1700" dirty="0"/>
+              <a:t> </a:t>
+            </a:r>
+            <a:endParaRPr lang="en-DE" sz="1700" dirty="0"/>
+          </a:p>
+        </p:txBody>
+      </p:sp>
+      <p:pic>
+        <p:nvPicPr>
+          <p:cNvPr id="5" name="Grafik 4">
+            <a:extLst>
+              <a:ext uri="{FF2B5EF4-FFF2-40B4-BE49-F238E27FC236}">
+                <a16:creationId xmlns:a16="http://schemas.microsoft.com/office/drawing/2014/main" id="{0DB7BCA8-B4EE-E56D-C3C0-652CB21684A1}"/>
+              </a:ext>
+            </a:extLst>
+          </p:cNvPr>
+          <p:cNvPicPr>
+            <a:picLocks noChangeAspect="1"/>
+          </p:cNvPicPr>
+          <p:nvPr/>
+        </p:nvPicPr>
+        <p:blipFill>
+          <a:blip r:embed="rId2"/>
+          <a:stretch>
+            <a:fillRect/>
+          </a:stretch>
+        </p:blipFill>
+        <p:spPr>
+          <a:xfrm>
+            <a:off x="5120640" y="1539758"/>
+            <a:ext cx="6656832" cy="3677899"/>
+          </a:xfrm>
+          <a:prstGeom prst="rect">
+            <a:avLst/>
+          </a:prstGeom>
+        </p:spPr>
+      </p:pic>
+    </p:spTree>
+    <p:extLst>
+      <p:ext uri="{BB962C8B-B14F-4D97-AF65-F5344CB8AC3E}">
+        <p14:creationId xmlns:p14="http://schemas.microsoft.com/office/powerpoint/2010/main" val="563113682"/>
+      </p:ext>
+    </p:extLst>
+  </p:cSld>
+  <p:clrMapOvr>
+    <a:masterClrMapping/>
+  </p:clrMapOvr>
+</p:sld>
+</file>
+
+<file path=ppt/slides/slide23.xml><?xml version="1.0" encoding="utf-8"?>
+<p:sld xmlns:a="http://schemas.openxmlformats.org/drawingml/2006/main" xmlns:r="http://schemas.openxmlformats.org/officeDocument/2006/relationships" xmlns:p="http://schemas.openxmlformats.org/presentationml/2006/main">
+  <p:cSld>
+    <p:spTree>
+      <p:nvGrpSpPr>
+        <p:cNvPr id="1" name=""/>
+        <p:cNvGrpSpPr/>
+        <p:nvPr/>
+      </p:nvGrpSpPr>
+      <p:grpSpPr>
+        <a:xfrm>
+          <a:off x="0" y="0"/>
+          <a:ext cx="0" cy="0"/>
+          <a:chOff x="0" y="0"/>
+          <a:chExt cx="0" cy="0"/>
+        </a:xfrm>
+      </p:grpSpPr>
+      <p:sp>
+        <p:nvSpPr>
+          <p:cNvPr id="2" name="Titel 1">
+            <a:extLst>
+              <a:ext uri="{FF2B5EF4-FFF2-40B4-BE49-F238E27FC236}">
+                <a16:creationId xmlns:a16="http://schemas.microsoft.com/office/drawing/2014/main" id="{9B922505-A1DF-52EE-6D28-74744571C686}"/>
+              </a:ext>
+            </a:extLst>
+          </p:cNvPr>
+          <p:cNvSpPr>
+            <a:spLocks noGrp="1"/>
+          </p:cNvSpPr>
+          <p:nvPr>
+            <p:ph type="title"/>
+          </p:nvPr>
+        </p:nvSpPr>
+        <p:spPr/>
+        <p:txBody>
+          <a:bodyPr/>
+          <a:lstStyle/>
+          <a:p>
+            <a:r>
+              <a:rPr lang="en-GB" dirty="0"/>
+              <a:t>Information-Dense Tasks: Evaluation</a:t>
+            </a:r>
+            <a:endParaRPr lang="en-DE" dirty="0"/>
+          </a:p>
+        </p:txBody>
+      </p:sp>
+      <p:sp>
+        <p:nvSpPr>
+          <p:cNvPr id="3" name="Inhaltsplatzhalter 2">
+            <a:extLst>
+              <a:ext uri="{FF2B5EF4-FFF2-40B4-BE49-F238E27FC236}">
+                <a16:creationId xmlns:a16="http://schemas.microsoft.com/office/drawing/2014/main" id="{52D134C8-6ED1-03EF-ED93-516DDDBD1472}"/>
+              </a:ext>
+            </a:extLst>
+          </p:cNvPr>
+          <p:cNvSpPr>
+            <a:spLocks noGrp="1"/>
+          </p:cNvSpPr>
+          <p:nvPr>
+            <p:ph idx="1"/>
+          </p:nvPr>
+        </p:nvSpPr>
+        <p:spPr/>
+        <p:txBody>
+          <a:bodyPr/>
+          <a:lstStyle/>
+          <a:p>
+            <a:endParaRPr lang="en-DE"/>
+          </a:p>
+        </p:txBody>
+      </p:sp>
+    </p:spTree>
+    <p:extLst>
+      <p:ext uri="{BB962C8B-B14F-4D97-AF65-F5344CB8AC3E}">
+        <p14:creationId xmlns:p14="http://schemas.microsoft.com/office/powerpoint/2010/main" val="906263881"/>
+      </p:ext>
+    </p:extLst>
+  </p:cSld>
+  <p:clrMapOvr>
+    <a:masterClrMapping/>
+  </p:clrMapOvr>
+</p:sld>
+</file>
+
+<file path=ppt/slides/slide24.xml><?xml version="1.0" encoding="utf-8"?>
+<p:sld xmlns:a="http://schemas.openxmlformats.org/drawingml/2006/main" xmlns:r="http://schemas.openxmlformats.org/officeDocument/2006/relationships" xmlns:p="http://schemas.openxmlformats.org/presentationml/2006/main">
+  <p:cSld>
+    <p:spTree>
+      <p:nvGrpSpPr>
+        <p:cNvPr id="1" name=""/>
+        <p:cNvGrpSpPr/>
+        <p:nvPr/>
+      </p:nvGrpSpPr>
+      <p:grpSpPr>
+        <a:xfrm>
+          <a:off x="0" y="0"/>
+          <a:ext cx="0" cy="0"/>
+          <a:chOff x="0" y="0"/>
+          <a:chExt cx="0" cy="0"/>
+        </a:xfrm>
+      </p:grpSpPr>
+      <p:sp>
+        <p:nvSpPr>
+          <p:cNvPr id="2" name="Titel 1">
+            <a:extLst>
+              <a:ext uri="{FF2B5EF4-FFF2-40B4-BE49-F238E27FC236}">
+                <a16:creationId xmlns:a16="http://schemas.microsoft.com/office/drawing/2014/main" id="{71139F68-6685-9020-232E-BC2B362D36D2}"/>
+              </a:ext>
+            </a:extLst>
+          </p:cNvPr>
+          <p:cNvSpPr>
+            <a:spLocks noGrp="1"/>
+          </p:cNvSpPr>
+          <p:nvPr>
+            <p:ph type="title"/>
+          </p:nvPr>
+        </p:nvSpPr>
+        <p:spPr/>
+        <p:txBody>
+          <a:bodyPr/>
+          <a:lstStyle/>
+          <a:p>
+            <a:r>
+              <a:rPr lang="en-GB" dirty="0"/>
+              <a:t>Needle bench – Experiments</a:t>
+            </a:r>
+            <a:endParaRPr lang="en-DE" dirty="0"/>
+          </a:p>
+        </p:txBody>
+      </p:sp>
+      <p:sp>
+        <p:nvSpPr>
+          <p:cNvPr id="3" name="Inhaltsplatzhalter 2">
+            <a:extLst>
+              <a:ext uri="{FF2B5EF4-FFF2-40B4-BE49-F238E27FC236}">
+                <a16:creationId xmlns:a16="http://schemas.microsoft.com/office/drawing/2014/main" id="{034E7192-A8BA-D807-3C44-42115FF10C87}"/>
+              </a:ext>
+            </a:extLst>
+          </p:cNvPr>
+          <p:cNvSpPr>
+            <a:spLocks noGrp="1"/>
+          </p:cNvSpPr>
+          <p:nvPr>
+            <p:ph idx="1"/>
+          </p:nvPr>
+        </p:nvSpPr>
+        <p:spPr/>
+        <p:txBody>
+          <a:bodyPr/>
+          <a:lstStyle/>
+          <a:p>
+            <a:r>
+              <a:rPr lang="en-GB" dirty="0"/>
+              <a:t>Evaluation of mainstream open source LLMs</a:t>
+            </a:r>
+          </a:p>
+          <a:p>
+            <a:endParaRPr lang="en-GB" dirty="0"/>
+          </a:p>
+          <a:p>
+            <a:r>
+              <a:rPr lang="en-GB" dirty="0"/>
+              <a:t>Information-sparse tasks at context lengths of 32K and 128K</a:t>
+            </a:r>
+          </a:p>
+          <a:p>
+            <a:endParaRPr lang="en-GB" dirty="0"/>
+          </a:p>
+          <a:p>
+            <a:r>
+              <a:rPr lang="en-GB" dirty="0"/>
+              <a:t>ATC task were also performed on close-source models such as GPT-4.1 and DeepSeek R1</a:t>
+            </a:r>
+            <a:endParaRPr lang="en-DE" dirty="0"/>
+          </a:p>
+        </p:txBody>
+      </p:sp>
+    </p:spTree>
+    <p:extLst>
+      <p:ext uri="{BB962C8B-B14F-4D97-AF65-F5344CB8AC3E}">
+        <p14:creationId xmlns:p14="http://schemas.microsoft.com/office/powerpoint/2010/main" val="3562040475"/>
+      </p:ext>
+    </p:extLst>
+  </p:cSld>
+  <p:clrMapOvr>
+    <a:masterClrMapping/>
+  </p:clrMapOvr>
+</p:sld>
+</file>
+
+<file path=ppt/slides/slide25.xml><?xml version="1.0" encoding="utf-8"?>
+<p:sld xmlns:a="http://schemas.openxmlformats.org/drawingml/2006/main" xmlns:r="http://schemas.openxmlformats.org/officeDocument/2006/relationships" xmlns:p="http://schemas.openxmlformats.org/presentationml/2006/main">
+  <p:cSld>
+    <p:bg>
+      <p:bgPr>
+        <a:solidFill>
+          <a:schemeClr val="bg1"/>
+        </a:solidFill>
+        <a:effectLst/>
+      </p:bgPr>
+    </p:bg>
+    <p:spTree>
+      <p:nvGrpSpPr>
+        <p:cNvPr id="1" name="">
+          <a:extLst>
+            <a:ext uri="{FF2B5EF4-FFF2-40B4-BE49-F238E27FC236}">
+              <a16:creationId xmlns:a16="http://schemas.microsoft.com/office/drawing/2014/main" id="{952BE8A5-473E-6F5C-90FE-E666F1A56D0F}"/>
+            </a:ext>
+          </a:extLst>
+        </p:cNvPr>
+        <p:cNvGrpSpPr/>
+        <p:nvPr/>
+      </p:nvGrpSpPr>
+      <p:grpSpPr>
+        <a:xfrm>
+          <a:off x="0" y="0"/>
+          <a:ext cx="0" cy="0"/>
+          <a:chOff x="0" y="0"/>
+          <a:chExt cx="0" cy="0"/>
+        </a:xfrm>
+      </p:grpSpPr>
+      <p:sp useBgFill="1">
+        <p:nvSpPr>
+          <p:cNvPr id="14" name="Rectangle 13">
+            <a:extLst>
+              <a:ext uri="{FF2B5EF4-FFF2-40B4-BE49-F238E27FC236}">
+                <a16:creationId xmlns:a16="http://schemas.microsoft.com/office/drawing/2014/main" id="{2C9A9DA9-7DC8-488B-A882-123947B0F3D9}"/>
+              </a:ext>
+              <a:ext uri="{C183D7F6-B498-43B3-948B-1728B52AA6E4}">
+                <adec:decorative xmlns:adec="http://schemas.microsoft.com/office/drawing/2017/decorative" val="1"/>
+              </a:ext>
+            </a:extLst>
+          </p:cNvPr>
+          <p:cNvSpPr>
+            <a:spLocks noGrp="1" noRot="1" noChangeAspect="1" noMove="1" noResize="1" noEditPoints="1" noAdjustHandles="1" noChangeArrowheads="1" noChangeShapeType="1" noTextEdit="1"/>
+          </p:cNvSpPr>
+          <p:nvPr>
+            <p:extLst>
+              <p:ext uri="{386F3935-93C4-4BCD-93E2-E3B085C9AB24}">
+                <p16:designElem xmlns:p16="http://schemas.microsoft.com/office/powerpoint/2015/main" val="1"/>
+              </p:ext>
+            </p:extLst>
+          </p:nvPr>
+        </p:nvSpPr>
+        <p:spPr>
+          <a:xfrm>
+            <a:off x="0" y="0"/>
+            <a:ext cx="12192000" cy="6858000"/>
+          </a:xfrm>
+          <a:prstGeom prst="rect">
+            <a:avLst/>
+          </a:prstGeom>
+          <a:ln>
+            <a:noFill/>
+          </a:ln>
+        </p:spPr>
+        <p:style>
+          <a:lnRef idx="2">
+            <a:schemeClr val="accent1">
+              <a:shade val="50000"/>
+            </a:schemeClr>
+          </a:lnRef>
+          <a:fillRef idx="1">
+            <a:schemeClr val="accent1"/>
+          </a:fillRef>
+          <a:effectRef idx="0">
+            <a:schemeClr val="accent1"/>
+          </a:effectRef>
+          <a:fontRef idx="minor">
+            <a:schemeClr val="lt1"/>
+          </a:fontRef>
+        </p:style>
+        <p:txBody>
+          <a:bodyPr rtlCol="0" anchor="ctr"/>
+          <a:lstStyle/>
+          <a:p>
+            <a:pPr algn="ctr"/>
+            <a:endParaRPr lang="en-US"/>
+          </a:p>
+        </p:txBody>
+      </p:sp>
+      <p:sp useBgFill="1">
+        <p:nvSpPr>
+          <p:cNvPr id="16" name="Rectangle 15">
+            <a:extLst>
+              <a:ext uri="{FF2B5EF4-FFF2-40B4-BE49-F238E27FC236}">
+                <a16:creationId xmlns:a16="http://schemas.microsoft.com/office/drawing/2014/main" id="{57F6BDD4-E066-4008-8011-6CC31AEB4556}"/>
+              </a:ext>
+              <a:ext uri="{C183D7F6-B498-43B3-948B-1728B52AA6E4}">
+                <adec:decorative xmlns:adec="http://schemas.microsoft.com/office/drawing/2017/decorative" val="1"/>
+              </a:ext>
+            </a:extLst>
+          </p:cNvPr>
+          <p:cNvSpPr>
+            <a:spLocks noGrp="1" noRot="1" noChangeAspect="1" noMove="1" noResize="1" noEditPoints="1" noAdjustHandles="1" noChangeArrowheads="1" noChangeShapeType="1" noTextEdit="1"/>
+          </p:cNvSpPr>
+          <p:nvPr>
+            <p:extLst>
+              <p:ext uri="{386F3935-93C4-4BCD-93E2-E3B085C9AB24}">
+                <p16:designElem xmlns:p16="http://schemas.microsoft.com/office/powerpoint/2015/main" val="1"/>
+              </p:ext>
+            </p:extLst>
+          </p:nvPr>
+        </p:nvSpPr>
+        <p:spPr>
+          <a:xfrm>
+            <a:off x="409575" y="633619"/>
+            <a:ext cx="4279383" cy="5495925"/>
+          </a:xfrm>
+          <a:prstGeom prst="rect">
+            <a:avLst/>
+          </a:prstGeom>
+          <a:ln w="9525">
+            <a:solidFill>
+              <a:srgbClr val="DEDEDE"/>
+            </a:solidFill>
+          </a:ln>
+          <a:effectLst>
+            <a:outerShdw blurRad="50800" dist="38100" dir="2700000" algn="tl" rotWithShape="0">
+              <a:schemeClr val="bg1">
+                <a:lumMod val="85000"/>
+                <a:alpha val="50000"/>
+              </a:schemeClr>
+            </a:outerShdw>
+          </a:effectLst>
+        </p:spPr>
+        <p:style>
+          <a:lnRef idx="2">
+            <a:schemeClr val="accent1">
+              <a:shade val="50000"/>
+            </a:schemeClr>
+          </a:lnRef>
+          <a:fillRef idx="1">
+            <a:schemeClr val="accent1"/>
+          </a:fillRef>
+          <a:effectRef idx="0">
+            <a:schemeClr val="accent1"/>
+          </a:effectRef>
+          <a:fontRef idx="minor">
+            <a:schemeClr val="lt1"/>
+          </a:fontRef>
+        </p:style>
+        <p:txBody>
+          <a:bodyPr rtlCol="0" anchor="ctr"/>
+          <a:lstStyle/>
+          <a:p>
+            <a:pPr marL="0" marR="0" lvl="0" indent="0" algn="ctr" defTabSz="914400" rtl="0" eaLnBrk="1" fontAlgn="auto" latinLnBrk="0" hangingPunct="1">
+              <a:lnSpc>
+                <a:spcPct val="100000"/>
+              </a:lnSpc>
+              <a:spcBef>
+                <a:spcPts val="0"/>
+              </a:spcBef>
+              <a:spcAft>
+                <a:spcPts val="0"/>
+              </a:spcAft>
+              <a:buClrTx/>
+              <a:buSzTx/>
+              <a:buFontTx/>
+              <a:buNone/>
+              <a:tabLst/>
+              <a:defRPr/>
+            </a:pPr>
+            <a:endParaRPr kumimoji="0" lang="en-US" sz="1800" b="0" i="0" u="none" strike="noStrike" kern="1200" cap="none" spc="0" normalizeH="0" baseline="0" noProof="0">
+              <a:ln>
+                <a:noFill/>
+              </a:ln>
+              <a:solidFill>
+                <a:prstClr val="white"/>
+              </a:solidFill>
+              <a:effectLst/>
+              <a:uLnTx/>
+              <a:uFillTx/>
+              <a:latin typeface="Calibri" panose="020F0502020204030204"/>
+              <a:ea typeface="+mn-ea"/>
+              <a:cs typeface="+mn-cs"/>
+            </a:endParaRPr>
+          </a:p>
+        </p:txBody>
+      </p:sp>
+      <p:sp>
+        <p:nvSpPr>
+          <p:cNvPr id="2" name="Titel 1">
+            <a:extLst>
+              <a:ext uri="{FF2B5EF4-FFF2-40B4-BE49-F238E27FC236}">
+                <a16:creationId xmlns:a16="http://schemas.microsoft.com/office/drawing/2014/main" id="{AF0EBD02-BFB1-2CF6-3AA6-30DB5B9B4B56}"/>
+              </a:ext>
+            </a:extLst>
+          </p:cNvPr>
+          <p:cNvSpPr>
+            <a:spLocks noGrp="1"/>
+          </p:cNvSpPr>
+          <p:nvPr>
+            <p:ph type="title"/>
+          </p:nvPr>
+        </p:nvSpPr>
+        <p:spPr>
+          <a:xfrm>
+            <a:off x="841247" y="978619"/>
+            <a:ext cx="3410712" cy="1106424"/>
+          </a:xfrm>
+        </p:spPr>
+        <p:txBody>
+          <a:bodyPr>
+            <a:normAutofit/>
+          </a:bodyPr>
+          <a:lstStyle/>
+          <a:p>
+            <a:r>
+              <a:rPr lang="en-GB" sz="2000" dirty="0"/>
+              <a:t>Performance of </a:t>
+            </a:r>
+            <a:r>
+              <a:rPr lang="en-GB" sz="2000" dirty="0" err="1"/>
+              <a:t>NeedleBench</a:t>
+            </a:r>
+            <a:r>
+              <a:rPr lang="en-GB" sz="2000" dirty="0"/>
+              <a:t> Information-Sparse Tasks</a:t>
+            </a:r>
+            <a:endParaRPr lang="en-DE" sz="2000" dirty="0"/>
+          </a:p>
+        </p:txBody>
+      </p:sp>
+      <p:sp>
+        <p:nvSpPr>
+          <p:cNvPr id="18" name="Rectangle 17">
+            <a:extLst>
+              <a:ext uri="{FF2B5EF4-FFF2-40B4-BE49-F238E27FC236}">
+                <a16:creationId xmlns:a16="http://schemas.microsoft.com/office/drawing/2014/main" id="{2711A8FB-68FC-45FC-B01E-38F809E2D439}"/>
+              </a:ext>
+              <a:ext uri="{C183D7F6-B498-43B3-948B-1728B52AA6E4}">
+                <adec:decorative xmlns:adec="http://schemas.microsoft.com/office/drawing/2017/decorative" val="1"/>
+              </a:ext>
+            </a:extLst>
+          </p:cNvPr>
+          <p:cNvSpPr>
+            <a:spLocks noGrp="1" noRot="1" noChangeAspect="1" noMove="1" noResize="1" noEditPoints="1" noAdjustHandles="1" noChangeArrowheads="1" noChangeShapeType="1" noTextEdit="1"/>
+          </p:cNvSpPr>
+          <p:nvPr>
+            <p:extLst>
+              <p:ext uri="{386F3935-93C4-4BCD-93E2-E3B085C9AB24}">
+                <p16:designElem xmlns:p16="http://schemas.microsoft.com/office/powerpoint/2015/main" val="1"/>
+              </p:ext>
+            </p:extLst>
+          </p:nvPr>
+        </p:nvSpPr>
+        <p:spPr>
+          <a:xfrm>
+            <a:off x="345567" y="1171300"/>
+            <a:ext cx="128016" cy="704088"/>
+          </a:xfrm>
+          <a:prstGeom prst="rect">
+            <a:avLst/>
+          </a:prstGeom>
+          <a:solidFill>
+            <a:schemeClr val="accent2"/>
+          </a:solidFill>
+          <a:ln>
+            <a:noFill/>
+          </a:ln>
+        </p:spPr>
+        <p:style>
+          <a:lnRef idx="2">
+            <a:schemeClr val="accent1">
+              <a:shade val="50000"/>
+            </a:schemeClr>
+          </a:lnRef>
+          <a:fillRef idx="1">
+            <a:schemeClr val="accent1"/>
+          </a:fillRef>
+          <a:effectRef idx="0">
+            <a:schemeClr val="accent1"/>
+          </a:effectRef>
+          <a:fontRef idx="minor">
+            <a:schemeClr val="lt1"/>
+          </a:fontRef>
+        </p:style>
+        <p:txBody>
+          <a:bodyPr rtlCol="0" anchor="ctr"/>
+          <a:lstStyle/>
+          <a:p>
+            <a:pPr algn="ctr"/>
+            <a:endParaRPr lang="en-US">
+              <a:solidFill>
+                <a:prstClr val="white"/>
+              </a:solidFill>
+              <a:latin typeface="Calibri" panose="020F0502020204030204"/>
+            </a:endParaRPr>
+          </a:p>
+        </p:txBody>
+      </p:sp>
+      <p:sp>
+        <p:nvSpPr>
+          <p:cNvPr id="20" name="Rectangle 19">
+            <a:extLst>
+              <a:ext uri="{FF2B5EF4-FFF2-40B4-BE49-F238E27FC236}">
+                <a16:creationId xmlns:a16="http://schemas.microsoft.com/office/drawing/2014/main" id="{2A865FE3-5FC9-4049-87CF-30019C46C0F5}"/>
+              </a:ext>
+              <a:ext uri="{C183D7F6-B498-43B3-948B-1728B52AA6E4}">
+                <adec:decorative xmlns:adec="http://schemas.microsoft.com/office/drawing/2017/decorative" val="1"/>
+              </a:ext>
+            </a:extLst>
+          </p:cNvPr>
+          <p:cNvSpPr>
+            <a:spLocks noGrp="1" noRot="1" noChangeAspect="1" noMove="1" noResize="1" noEditPoints="1" noAdjustHandles="1" noChangeArrowheads="1" noChangeShapeType="1" noTextEdit="1"/>
+          </p:cNvSpPr>
+          <p:nvPr>
+            <p:extLst>
+              <p:ext uri="{386F3935-93C4-4BCD-93E2-E3B085C9AB24}">
+                <p16:designElem xmlns:p16="http://schemas.microsoft.com/office/powerpoint/2015/main" val="1"/>
+              </p:ext>
+            </p:extLst>
+          </p:nvPr>
+        </p:nvSpPr>
+        <p:spPr>
+          <a:xfrm>
+            <a:off x="877459" y="2093976"/>
+            <a:ext cx="3328416" cy="9144"/>
+          </a:xfrm>
+          <a:prstGeom prst="rect">
+            <a:avLst/>
+          </a:prstGeom>
+          <a:solidFill>
+            <a:srgbClr val="D5D5D5"/>
+          </a:solidFill>
+          <a:ln w="3175">
+            <a:noFill/>
+          </a:ln>
+          <a:effectLst/>
+        </p:spPr>
+        <p:style>
+          <a:lnRef idx="2">
+            <a:schemeClr val="accent1">
+              <a:shade val="50000"/>
+            </a:schemeClr>
+          </a:lnRef>
+          <a:fillRef idx="1">
+            <a:schemeClr val="accent1"/>
+          </a:fillRef>
+          <a:effectRef idx="0">
+            <a:schemeClr val="accent1"/>
+          </a:effectRef>
+          <a:fontRef idx="minor">
+            <a:schemeClr val="lt1"/>
+          </a:fontRef>
+        </p:style>
+        <p:txBody>
+          <a:bodyPr rtlCol="0" anchor="ctr"/>
+          <a:lstStyle/>
+          <a:p>
+            <a:pPr algn="ctr"/>
+            <a:endParaRPr lang="en-US">
+              <a:solidFill>
+                <a:prstClr val="white"/>
+              </a:solidFill>
+              <a:latin typeface="Calibri" panose="020F0502020204030204"/>
+            </a:endParaRPr>
+          </a:p>
+        </p:txBody>
+      </p:sp>
+      <p:sp>
+        <p:nvSpPr>
+          <p:cNvPr id="9" name="Content Placeholder 8">
+            <a:extLst>
+              <a:ext uri="{FF2B5EF4-FFF2-40B4-BE49-F238E27FC236}">
+                <a16:creationId xmlns:a16="http://schemas.microsoft.com/office/drawing/2014/main" id="{723E2C55-70FB-DD7A-8465-F1A429F428C5}"/>
+              </a:ext>
+            </a:extLst>
+          </p:cNvPr>
+          <p:cNvSpPr>
+            <a:spLocks noGrp="1"/>
+          </p:cNvSpPr>
+          <p:nvPr>
+            <p:ph idx="1"/>
+          </p:nvPr>
+        </p:nvSpPr>
+        <p:spPr>
+          <a:xfrm>
+            <a:off x="841248" y="2252870"/>
+            <a:ext cx="3412219" cy="3560251"/>
+          </a:xfrm>
+        </p:spPr>
+        <p:txBody>
+          <a:bodyPr>
+            <a:normAutofit/>
+          </a:bodyPr>
+          <a:lstStyle/>
+          <a:p>
+            <a:r>
+              <a:rPr lang="en-GB" sz="1200" dirty="0"/>
+              <a:t>Impact of Model Architecture and Technical Advances</a:t>
+            </a:r>
+          </a:p>
+          <a:p>
+            <a:r>
+              <a:rPr lang="en-GB" sz="1200" dirty="0"/>
+              <a:t>Effect of Model Scale on Multi-Needle Reasoning Performance</a:t>
+            </a:r>
+          </a:p>
+          <a:p>
+            <a:r>
+              <a:rPr lang="en-GB" sz="1200" dirty="0"/>
+              <a:t>Effect of Needle Count on Multi-Needle Reasoning Performance</a:t>
+            </a:r>
+          </a:p>
+          <a:p>
+            <a:r>
+              <a:rPr lang="en-GB" sz="1200" dirty="0"/>
+              <a:t>Impact of Language</a:t>
+            </a:r>
+            <a:endParaRPr lang="en-US" sz="1700" dirty="0"/>
+          </a:p>
+        </p:txBody>
+      </p:sp>
+      <p:pic>
+        <p:nvPicPr>
+          <p:cNvPr id="3" name="Grafik 2">
+            <a:extLst>
+              <a:ext uri="{FF2B5EF4-FFF2-40B4-BE49-F238E27FC236}">
+                <a16:creationId xmlns:a16="http://schemas.microsoft.com/office/drawing/2014/main" id="{5E917FE4-2FF0-EF4C-BC67-0DD89A330FF2}"/>
+              </a:ext>
+            </a:extLst>
+          </p:cNvPr>
+          <p:cNvPicPr>
+            <a:picLocks noChangeAspect="1"/>
+          </p:cNvPicPr>
+          <p:nvPr/>
+        </p:nvPicPr>
+        <p:blipFill>
+          <a:blip r:embed="rId2"/>
+          <a:stretch>
+            <a:fillRect/>
+          </a:stretch>
+        </p:blipFill>
+        <p:spPr>
+          <a:xfrm>
+            <a:off x="5120640" y="1731142"/>
+            <a:ext cx="6656832" cy="3295131"/>
+          </a:xfrm>
+          <a:prstGeom prst="rect">
+            <a:avLst/>
+          </a:prstGeom>
+        </p:spPr>
+      </p:pic>
+    </p:spTree>
+    <p:extLst>
+      <p:ext uri="{BB962C8B-B14F-4D97-AF65-F5344CB8AC3E}">
+        <p14:creationId xmlns:p14="http://schemas.microsoft.com/office/powerpoint/2010/main" val="1583639726"/>
+      </p:ext>
+    </p:extLst>
+  </p:cSld>
+  <p:clrMapOvr>
+    <a:masterClrMapping/>
+  </p:clrMapOvr>
+</p:sld>
+</file>
+
+<file path=ppt/slides/slide26.xml><?xml version="1.0" encoding="utf-8"?>
+<p:sld xmlns:a="http://schemas.openxmlformats.org/drawingml/2006/main" xmlns:r="http://schemas.openxmlformats.org/officeDocument/2006/relationships" xmlns:p="http://schemas.openxmlformats.org/presentationml/2006/main">
+  <p:cSld>
+    <p:spTree>
+      <p:nvGrpSpPr>
+        <p:cNvPr id="1" name=""/>
+        <p:cNvGrpSpPr/>
+        <p:nvPr/>
+      </p:nvGrpSpPr>
+      <p:grpSpPr>
+        <a:xfrm>
+          <a:off x="0" y="0"/>
+          <a:ext cx="0" cy="0"/>
+          <a:chOff x="0" y="0"/>
+          <a:chExt cx="0" cy="0"/>
+        </a:xfrm>
+      </p:grpSpPr>
+      <p:sp>
+        <p:nvSpPr>
+          <p:cNvPr id="2" name="Titel 1">
+            <a:extLst>
+              <a:ext uri="{FF2B5EF4-FFF2-40B4-BE49-F238E27FC236}">
+                <a16:creationId xmlns:a16="http://schemas.microsoft.com/office/drawing/2014/main" id="{93464F74-D7F1-0C99-5BF6-DEBA351E6775}"/>
+              </a:ext>
+            </a:extLst>
+          </p:cNvPr>
+          <p:cNvSpPr>
+            <a:spLocks noGrp="1"/>
+          </p:cNvSpPr>
+          <p:nvPr>
+            <p:ph type="title"/>
+          </p:nvPr>
+        </p:nvSpPr>
+        <p:spPr/>
+        <p:txBody>
+          <a:bodyPr/>
+          <a:lstStyle/>
+          <a:p>
+            <a:r>
+              <a:rPr lang="en-GB" dirty="0"/>
+              <a:t>Performance – Generation and Needle Count </a:t>
+            </a:r>
+            <a:endParaRPr lang="en-DE" dirty="0"/>
+          </a:p>
+        </p:txBody>
+      </p:sp>
+      <p:pic>
+        <p:nvPicPr>
+          <p:cNvPr id="9" name="Inhaltsplatzhalter 8">
+            <a:extLst>
+              <a:ext uri="{FF2B5EF4-FFF2-40B4-BE49-F238E27FC236}">
+                <a16:creationId xmlns:a16="http://schemas.microsoft.com/office/drawing/2014/main" id="{8EEA67E3-EB5F-EBD5-8787-A2CCD10A9E44}"/>
+              </a:ext>
+            </a:extLst>
+          </p:cNvPr>
+          <p:cNvPicPr>
+            <a:picLocks noGrp="1" noChangeAspect="1"/>
+          </p:cNvPicPr>
+          <p:nvPr>
+            <p:ph idx="1"/>
+          </p:nvPr>
+        </p:nvPicPr>
+        <p:blipFill>
+          <a:blip r:embed="rId2"/>
+          <a:stretch>
+            <a:fillRect/>
+          </a:stretch>
+        </p:blipFill>
+        <p:spPr>
+          <a:xfrm>
+            <a:off x="920086" y="4012707"/>
+            <a:ext cx="10073186" cy="2309210"/>
+          </a:xfrm>
+        </p:spPr>
+      </p:pic>
+      <p:pic>
+        <p:nvPicPr>
+          <p:cNvPr id="7" name="Grafik 6">
+            <a:extLst>
+              <a:ext uri="{FF2B5EF4-FFF2-40B4-BE49-F238E27FC236}">
+                <a16:creationId xmlns:a16="http://schemas.microsoft.com/office/drawing/2014/main" id="{CBACA37E-1340-B6AE-689D-FC6B750D409D}"/>
+              </a:ext>
+            </a:extLst>
+          </p:cNvPr>
+          <p:cNvPicPr>
+            <a:picLocks noChangeAspect="1"/>
+          </p:cNvPicPr>
+          <p:nvPr/>
+        </p:nvPicPr>
+        <p:blipFill>
+          <a:blip r:embed="rId3"/>
+          <a:stretch>
+            <a:fillRect/>
+          </a:stretch>
+        </p:blipFill>
+        <p:spPr>
+          <a:xfrm>
+            <a:off x="1448938" y="1690688"/>
+            <a:ext cx="9015482" cy="2459390"/>
+          </a:xfrm>
+          <a:prstGeom prst="rect">
+            <a:avLst/>
+          </a:prstGeom>
+        </p:spPr>
+      </p:pic>
+    </p:spTree>
+    <p:extLst>
+      <p:ext uri="{BB962C8B-B14F-4D97-AF65-F5344CB8AC3E}">
+        <p14:creationId xmlns:p14="http://schemas.microsoft.com/office/powerpoint/2010/main" val="559449733"/>
+      </p:ext>
+    </p:extLst>
+  </p:cSld>
+  <p:clrMapOvr>
+    <a:masterClrMapping/>
+  </p:clrMapOvr>
+</p:sld>
+</file>
+
+<file path=ppt/slides/slide27.xml><?xml version="1.0" encoding="utf-8"?>
+<p:sld xmlns:a="http://schemas.openxmlformats.org/drawingml/2006/main" xmlns:r="http://schemas.openxmlformats.org/officeDocument/2006/relationships" xmlns:p="http://schemas.openxmlformats.org/presentationml/2006/main">
+  <p:cSld>
+    <p:spTree>
+      <p:nvGrpSpPr>
+        <p:cNvPr id="1" name=""/>
+        <p:cNvGrpSpPr/>
+        <p:nvPr/>
+      </p:nvGrpSpPr>
+      <p:grpSpPr>
+        <a:xfrm>
+          <a:off x="0" y="0"/>
+          <a:ext cx="0" cy="0"/>
+          <a:chOff x="0" y="0"/>
+          <a:chExt cx="0" cy="0"/>
+        </a:xfrm>
+      </p:grpSpPr>
+      <p:sp>
+        <p:nvSpPr>
+          <p:cNvPr id="2" name="Titel 1">
+            <a:extLst>
+              <a:ext uri="{FF2B5EF4-FFF2-40B4-BE49-F238E27FC236}">
+                <a16:creationId xmlns:a16="http://schemas.microsoft.com/office/drawing/2014/main" id="{F4033A02-AD16-1D27-A81E-DC03A4678373}"/>
+              </a:ext>
+            </a:extLst>
+          </p:cNvPr>
+          <p:cNvSpPr>
+            <a:spLocks noGrp="1"/>
+          </p:cNvSpPr>
+          <p:nvPr>
+            <p:ph type="title"/>
+          </p:nvPr>
+        </p:nvSpPr>
+        <p:spPr/>
+        <p:txBody>
+          <a:bodyPr/>
+          <a:lstStyle/>
+          <a:p>
+            <a:r>
+              <a:rPr lang="en-GB" dirty="0"/>
+              <a:t>Performance – Size and Language</a:t>
+            </a:r>
+            <a:endParaRPr lang="en-DE" dirty="0"/>
+          </a:p>
+        </p:txBody>
+      </p:sp>
+      <p:pic>
+        <p:nvPicPr>
+          <p:cNvPr id="5" name="Inhaltsplatzhalter 4">
+            <a:extLst>
+              <a:ext uri="{FF2B5EF4-FFF2-40B4-BE49-F238E27FC236}">
+                <a16:creationId xmlns:a16="http://schemas.microsoft.com/office/drawing/2014/main" id="{76589928-0747-D2BE-2C02-72B21E95801C}"/>
+              </a:ext>
+            </a:extLst>
+          </p:cNvPr>
+          <p:cNvPicPr>
+            <a:picLocks noGrp="1" noChangeAspect="1"/>
+          </p:cNvPicPr>
+          <p:nvPr>
+            <p:ph idx="1"/>
+          </p:nvPr>
+        </p:nvPicPr>
+        <p:blipFill>
+          <a:blip r:embed="rId2"/>
+          <a:stretch>
+            <a:fillRect/>
+          </a:stretch>
+        </p:blipFill>
+        <p:spPr>
+          <a:xfrm>
+            <a:off x="838200" y="1896504"/>
+            <a:ext cx="10515600" cy="4209580"/>
+          </a:xfrm>
+        </p:spPr>
+      </p:pic>
+    </p:spTree>
+    <p:extLst>
+      <p:ext uri="{BB962C8B-B14F-4D97-AF65-F5344CB8AC3E}">
+        <p14:creationId xmlns:p14="http://schemas.microsoft.com/office/powerpoint/2010/main" val="3169936457"/>
+      </p:ext>
+    </p:extLst>
+  </p:cSld>
+  <p:clrMapOvr>
+    <a:masterClrMapping/>
+  </p:clrMapOvr>
+</p:sld>
+</file>
+
+<file path=ppt/slides/slide28.xml><?xml version="1.0" encoding="utf-8"?>
+<p:sld xmlns:a="http://schemas.openxmlformats.org/drawingml/2006/main" xmlns:r="http://schemas.openxmlformats.org/officeDocument/2006/relationships" xmlns:p="http://schemas.openxmlformats.org/presentationml/2006/main">
+  <p:cSld>
+    <p:bg>
+      <p:bgPr>
+        <a:solidFill>
+          <a:schemeClr val="bg1"/>
+        </a:solidFill>
+        <a:effectLst/>
+      </p:bgPr>
+    </p:bg>
+    <p:spTree>
+      <p:nvGrpSpPr>
+        <p:cNvPr id="1" name=""/>
+        <p:cNvGrpSpPr/>
+        <p:nvPr/>
+      </p:nvGrpSpPr>
+      <p:grpSpPr>
+        <a:xfrm>
+          <a:off x="0" y="0"/>
+          <a:ext cx="0" cy="0"/>
+          <a:chOff x="0" y="0"/>
+          <a:chExt cx="0" cy="0"/>
+        </a:xfrm>
+      </p:grpSpPr>
+      <p:sp useBgFill="1">
+        <p:nvSpPr>
+          <p:cNvPr id="12" name="Rectangle 11">
+            <a:extLst>
+              <a:ext uri="{FF2B5EF4-FFF2-40B4-BE49-F238E27FC236}">
+                <a16:creationId xmlns:a16="http://schemas.microsoft.com/office/drawing/2014/main" id="{1ECAB1E8-8195-4748-BE71-FF806D86892E}"/>
+              </a:ext>
+              <a:ext uri="{C183D7F6-B498-43B3-948B-1728B52AA6E4}">
+                <adec:decorative xmlns:adec="http://schemas.microsoft.com/office/drawing/2017/decorative" val="1"/>
+              </a:ext>
+            </a:extLst>
+          </p:cNvPr>
+          <p:cNvSpPr>
+            <a:spLocks noGrp="1" noRot="1" noChangeAspect="1" noMove="1" noResize="1" noEditPoints="1" noAdjustHandles="1" noChangeArrowheads="1" noChangeShapeType="1" noTextEdit="1"/>
+          </p:cNvSpPr>
+          <p:nvPr>
+            <p:extLst>
+              <p:ext uri="{386F3935-93C4-4BCD-93E2-E3B085C9AB24}">
+                <p16:designElem xmlns:p16="http://schemas.microsoft.com/office/powerpoint/2015/main" val="1"/>
+              </p:ext>
+            </p:extLst>
+          </p:nvPr>
+        </p:nvSpPr>
+        <p:spPr>
+          <a:xfrm>
+            <a:off x="0" y="0"/>
+            <a:ext cx="12192000" cy="6858000"/>
+          </a:xfrm>
+          <a:prstGeom prst="rect">
+            <a:avLst/>
+          </a:prstGeom>
+          <a:ln>
+            <a:noFill/>
+          </a:ln>
+        </p:spPr>
+        <p:style>
+          <a:lnRef idx="2">
+            <a:schemeClr val="accent1">
+              <a:shade val="50000"/>
+            </a:schemeClr>
+          </a:lnRef>
+          <a:fillRef idx="1">
+            <a:schemeClr val="accent1"/>
+          </a:fillRef>
+          <a:effectRef idx="0">
+            <a:schemeClr val="accent1"/>
+          </a:effectRef>
+          <a:fontRef idx="minor">
+            <a:schemeClr val="lt1"/>
+          </a:fontRef>
+        </p:style>
+        <p:txBody>
+          <a:bodyPr rtlCol="0" anchor="ctr"/>
+          <a:lstStyle/>
+          <a:p>
+            <a:pPr algn="ctr"/>
+            <a:endParaRPr lang="en-US"/>
+          </a:p>
+        </p:txBody>
+      </p:sp>
+      <p:sp useBgFill="1">
+        <p:nvSpPr>
+          <p:cNvPr id="14" name="!!text rectangle">
+            <a:extLst>
+              <a:ext uri="{FF2B5EF4-FFF2-40B4-BE49-F238E27FC236}">
+                <a16:creationId xmlns:a16="http://schemas.microsoft.com/office/drawing/2014/main" id="{57F6BDD4-E066-4008-8011-6CC31AEB4556}"/>
+              </a:ext>
+              <a:ext uri="{C183D7F6-B498-43B3-948B-1728B52AA6E4}">
+                <adec:decorative xmlns:adec="http://schemas.microsoft.com/office/drawing/2017/decorative" val="1"/>
+              </a:ext>
+            </a:extLst>
+          </p:cNvPr>
+          <p:cNvSpPr>
+            <a:spLocks noGrp="1" noRot="1" noChangeAspect="1" noMove="1" noResize="1" noEditPoints="1" noAdjustHandles="1" noChangeArrowheads="1" noChangeShapeType="1" noTextEdit="1"/>
+          </p:cNvSpPr>
+          <p:nvPr>
+            <p:extLst>
+              <p:ext uri="{386F3935-93C4-4BCD-93E2-E3B085C9AB24}">
+                <p16:designElem xmlns:p16="http://schemas.microsoft.com/office/powerpoint/2015/main" val="1"/>
+              </p:ext>
+            </p:extLst>
+          </p:nvPr>
+        </p:nvSpPr>
+        <p:spPr>
+          <a:xfrm>
+            <a:off x="409575" y="633619"/>
+            <a:ext cx="4279383" cy="5495925"/>
+          </a:xfrm>
+          <a:prstGeom prst="rect">
+            <a:avLst/>
+          </a:prstGeom>
+          <a:ln w="9525">
+            <a:solidFill>
+              <a:srgbClr val="E1E1E1"/>
+            </a:solidFill>
+          </a:ln>
+          <a:effectLst>
+            <a:outerShdw blurRad="50800" dist="38100" dir="2700000" algn="tl" rotWithShape="0">
+              <a:schemeClr val="bg1">
+                <a:lumMod val="85000"/>
+                <a:alpha val="50000"/>
+              </a:schemeClr>
+            </a:outerShdw>
+          </a:effectLst>
+        </p:spPr>
+        <p:style>
+          <a:lnRef idx="2">
+            <a:schemeClr val="accent1">
+              <a:shade val="50000"/>
+            </a:schemeClr>
+          </a:lnRef>
+          <a:fillRef idx="1">
+            <a:schemeClr val="accent1"/>
+          </a:fillRef>
+          <a:effectRef idx="0">
+            <a:schemeClr val="accent1"/>
+          </a:effectRef>
+          <a:fontRef idx="minor">
+            <a:schemeClr val="lt1"/>
+          </a:fontRef>
+        </p:style>
+        <p:txBody>
+          <a:bodyPr rtlCol="0" anchor="ctr"/>
+          <a:lstStyle/>
+          <a:p>
+            <a:pPr marL="0" marR="0" lvl="0" indent="0" algn="ctr" defTabSz="914400" rtl="0" eaLnBrk="1" fontAlgn="auto" latinLnBrk="0" hangingPunct="1">
+              <a:lnSpc>
+                <a:spcPct val="100000"/>
+              </a:lnSpc>
+              <a:spcBef>
+                <a:spcPts val="0"/>
+              </a:spcBef>
+              <a:spcAft>
+                <a:spcPts val="0"/>
+              </a:spcAft>
+              <a:buClrTx/>
+              <a:buSzTx/>
+              <a:buFontTx/>
+              <a:buNone/>
+              <a:tabLst/>
+              <a:defRPr/>
+            </a:pPr>
+            <a:endParaRPr kumimoji="0" lang="en-US" sz="1800" b="0" i="0" u="none" strike="noStrike" kern="1200" cap="none" spc="0" normalizeH="0" baseline="0" noProof="0">
+              <a:ln>
+                <a:noFill/>
+              </a:ln>
+              <a:solidFill>
+                <a:prstClr val="white"/>
+              </a:solidFill>
+              <a:effectLst/>
+              <a:uLnTx/>
+              <a:uFillTx/>
+              <a:latin typeface="Calibri" panose="020F0502020204030204"/>
+              <a:ea typeface="+mn-ea"/>
+              <a:cs typeface="+mn-cs"/>
+            </a:endParaRPr>
+          </a:p>
+        </p:txBody>
+      </p:sp>
+      <p:sp>
+        <p:nvSpPr>
+          <p:cNvPr id="2" name="Titel 1">
+            <a:extLst>
+              <a:ext uri="{FF2B5EF4-FFF2-40B4-BE49-F238E27FC236}">
+                <a16:creationId xmlns:a16="http://schemas.microsoft.com/office/drawing/2014/main" id="{7FF6DE7F-67F8-8FD8-F859-EEE72565438E}"/>
+              </a:ext>
+            </a:extLst>
+          </p:cNvPr>
+          <p:cNvSpPr>
+            <a:spLocks noGrp="1"/>
+          </p:cNvSpPr>
+          <p:nvPr>
+            <p:ph type="title"/>
+          </p:nvPr>
+        </p:nvSpPr>
+        <p:spPr>
+          <a:xfrm>
+            <a:off x="841247" y="978619"/>
+            <a:ext cx="3410712" cy="1106424"/>
+          </a:xfrm>
+        </p:spPr>
+        <p:txBody>
+          <a:bodyPr>
+            <a:normAutofit/>
+          </a:bodyPr>
+          <a:lstStyle/>
+          <a:p>
+            <a:r>
+              <a:rPr lang="en-GB" sz="2000" dirty="0"/>
+              <a:t>Performance of </a:t>
+            </a:r>
+            <a:r>
+              <a:rPr lang="en-GB" sz="2000" dirty="0" err="1"/>
+              <a:t>NeedleBench</a:t>
+            </a:r>
+            <a:r>
+              <a:rPr lang="en-GB" sz="2000" dirty="0"/>
+              <a:t> Information-Dense Tasks</a:t>
+            </a:r>
+            <a:endParaRPr lang="en-DE" sz="2000" dirty="0"/>
+          </a:p>
+        </p:txBody>
+      </p:sp>
+      <p:sp>
+        <p:nvSpPr>
+          <p:cNvPr id="16" name="!!accent">
+            <a:extLst>
+              <a:ext uri="{FF2B5EF4-FFF2-40B4-BE49-F238E27FC236}">
+                <a16:creationId xmlns:a16="http://schemas.microsoft.com/office/drawing/2014/main" id="{2711A8FB-68FC-45FC-B01E-38F809E2D439}"/>
+              </a:ext>
+              <a:ext uri="{C183D7F6-B498-43B3-948B-1728B52AA6E4}">
+                <adec:decorative xmlns:adec="http://schemas.microsoft.com/office/drawing/2017/decorative" val="1"/>
+              </a:ext>
+            </a:extLst>
+          </p:cNvPr>
+          <p:cNvSpPr>
+            <a:spLocks noGrp="1" noRot="1" noChangeAspect="1" noMove="1" noResize="1" noEditPoints="1" noAdjustHandles="1" noChangeArrowheads="1" noChangeShapeType="1" noTextEdit="1"/>
+          </p:cNvSpPr>
+          <p:nvPr>
+            <p:extLst>
+              <p:ext uri="{386F3935-93C4-4BCD-93E2-E3B085C9AB24}">
+                <p16:designElem xmlns:p16="http://schemas.microsoft.com/office/powerpoint/2015/main" val="1"/>
+              </p:ext>
+            </p:extLst>
+          </p:nvPr>
+        </p:nvSpPr>
+        <p:spPr>
+          <a:xfrm>
+            <a:off x="345567" y="1170432"/>
+            <a:ext cx="128016" cy="704088"/>
+          </a:xfrm>
+          <a:prstGeom prst="rect">
+            <a:avLst/>
+          </a:prstGeom>
+          <a:solidFill>
+            <a:schemeClr val="accent2"/>
+          </a:solidFill>
+          <a:ln>
+            <a:noFill/>
+          </a:ln>
+        </p:spPr>
+        <p:style>
+          <a:lnRef idx="2">
+            <a:schemeClr val="accent1">
+              <a:shade val="50000"/>
+            </a:schemeClr>
+          </a:lnRef>
+          <a:fillRef idx="1">
+            <a:schemeClr val="accent1"/>
+          </a:fillRef>
+          <a:effectRef idx="0">
+            <a:schemeClr val="accent1"/>
+          </a:effectRef>
+          <a:fontRef idx="minor">
+            <a:schemeClr val="lt1"/>
+          </a:fontRef>
+        </p:style>
+        <p:txBody>
+          <a:bodyPr rtlCol="0" anchor="ctr"/>
+          <a:lstStyle/>
+          <a:p>
+            <a:pPr algn="ctr"/>
+            <a:endParaRPr lang="en-US">
+              <a:solidFill>
+                <a:prstClr val="white"/>
+              </a:solidFill>
+              <a:latin typeface="Calibri" panose="020F0502020204030204"/>
+            </a:endParaRPr>
+          </a:p>
+        </p:txBody>
+      </p:sp>
+      <p:sp>
+        <p:nvSpPr>
+          <p:cNvPr id="18" name="Rectangle 17">
+            <a:extLst>
+              <a:ext uri="{FF2B5EF4-FFF2-40B4-BE49-F238E27FC236}">
+                <a16:creationId xmlns:a16="http://schemas.microsoft.com/office/drawing/2014/main" id="{2A865FE3-5FC9-4049-87CF-30019C46C0F5}"/>
+              </a:ext>
+              <a:ext uri="{C183D7F6-B498-43B3-948B-1728B52AA6E4}">
+                <adec:decorative xmlns:adec="http://schemas.microsoft.com/office/drawing/2017/decorative" val="1"/>
+              </a:ext>
+            </a:extLst>
+          </p:cNvPr>
+          <p:cNvSpPr>
+            <a:spLocks noGrp="1" noRot="1" noChangeAspect="1" noMove="1" noResize="1" noEditPoints="1" noAdjustHandles="1" noChangeArrowheads="1" noChangeShapeType="1" noTextEdit="1"/>
+          </p:cNvSpPr>
+          <p:nvPr>
+            <p:extLst>
+              <p:ext uri="{386F3935-93C4-4BCD-93E2-E3B085C9AB24}">
+                <p16:designElem xmlns:p16="http://schemas.microsoft.com/office/powerpoint/2015/main" val="1"/>
+              </p:ext>
+            </p:extLst>
+          </p:nvPr>
+        </p:nvSpPr>
+        <p:spPr>
+          <a:xfrm>
+            <a:off x="877459" y="2121408"/>
+            <a:ext cx="3328416" cy="9144"/>
+          </a:xfrm>
+          <a:prstGeom prst="rect">
+            <a:avLst/>
+          </a:prstGeom>
+          <a:solidFill>
+            <a:srgbClr val="D5D5D5"/>
+          </a:solidFill>
+          <a:ln w="3175">
+            <a:noFill/>
+          </a:ln>
+          <a:effectLst/>
+        </p:spPr>
+        <p:style>
+          <a:lnRef idx="2">
+            <a:schemeClr val="accent1">
+              <a:shade val="50000"/>
+            </a:schemeClr>
+          </a:lnRef>
+          <a:fillRef idx="1">
+            <a:schemeClr val="accent1"/>
+          </a:fillRef>
+          <a:effectRef idx="0">
+            <a:schemeClr val="accent1"/>
+          </a:effectRef>
+          <a:fontRef idx="minor">
+            <a:schemeClr val="lt1"/>
+          </a:fontRef>
+        </p:style>
+        <p:txBody>
+          <a:bodyPr rtlCol="0" anchor="ctr"/>
+          <a:lstStyle/>
+          <a:p>
+            <a:pPr marL="0" marR="0" lvl="0" indent="0" algn="ctr" defTabSz="914400" rtl="0" eaLnBrk="1" fontAlgn="auto" latinLnBrk="0" hangingPunct="1">
+              <a:lnSpc>
+                <a:spcPct val="100000"/>
+              </a:lnSpc>
+              <a:spcBef>
+                <a:spcPts val="0"/>
+              </a:spcBef>
+              <a:spcAft>
+                <a:spcPts val="0"/>
+              </a:spcAft>
+              <a:buClrTx/>
+              <a:buSzTx/>
+              <a:buFontTx/>
+              <a:buNone/>
+              <a:tabLst/>
+              <a:defRPr/>
+            </a:pPr>
+            <a:endParaRPr kumimoji="0" lang="en-US" sz="1800" b="0" i="0" u="none" strike="noStrike" kern="1200" cap="none" spc="0" normalizeH="0" baseline="0" noProof="0">
+              <a:ln>
+                <a:noFill/>
+              </a:ln>
+              <a:solidFill>
+                <a:prstClr val="white"/>
+              </a:solidFill>
+              <a:effectLst/>
+              <a:uLnTx/>
+              <a:uFillTx/>
+              <a:latin typeface="Calibri" panose="020F0502020204030204"/>
+              <a:ea typeface="+mn-ea"/>
+              <a:cs typeface="+mn-cs"/>
+            </a:endParaRPr>
+          </a:p>
+        </p:txBody>
+      </p:sp>
+      <p:sp>
+        <p:nvSpPr>
+          <p:cNvPr id="9" name="Content Placeholder 8">
+            <a:extLst>
+              <a:ext uri="{FF2B5EF4-FFF2-40B4-BE49-F238E27FC236}">
+                <a16:creationId xmlns:a16="http://schemas.microsoft.com/office/drawing/2014/main" id="{A0DD08C6-2C30-04E3-9721-D8052647DF64}"/>
+              </a:ext>
+            </a:extLst>
+          </p:cNvPr>
+          <p:cNvSpPr>
+            <a:spLocks noGrp="1"/>
+          </p:cNvSpPr>
+          <p:nvPr>
+            <p:ph idx="1"/>
+          </p:nvPr>
+        </p:nvSpPr>
+        <p:spPr>
+          <a:xfrm>
+            <a:off x="841247" y="2359152"/>
+            <a:ext cx="3410712" cy="3425043"/>
+          </a:xfrm>
+        </p:spPr>
+        <p:txBody>
+          <a:bodyPr>
+            <a:normAutofit/>
+          </a:bodyPr>
+          <a:lstStyle/>
+          <a:p>
+            <a:endParaRPr lang="en-US" sz="1700" dirty="0"/>
+          </a:p>
+        </p:txBody>
+      </p:sp>
+      <p:pic>
+        <p:nvPicPr>
+          <p:cNvPr id="5" name="Inhaltsplatzhalter 4">
+            <a:extLst>
+              <a:ext uri="{FF2B5EF4-FFF2-40B4-BE49-F238E27FC236}">
+                <a16:creationId xmlns:a16="http://schemas.microsoft.com/office/drawing/2014/main" id="{C0329151-279B-5B47-EC55-04599D46B04D}"/>
+              </a:ext>
+            </a:extLst>
+          </p:cNvPr>
+          <p:cNvPicPr>
+            <a:picLocks noChangeAspect="1"/>
+          </p:cNvPicPr>
+          <p:nvPr/>
+        </p:nvPicPr>
+        <p:blipFill>
+          <a:blip r:embed="rId2"/>
+          <a:srcRect b="5932"/>
+          <a:stretch>
+            <a:fillRect/>
+          </a:stretch>
+        </p:blipFill>
+        <p:spPr>
+          <a:xfrm>
+            <a:off x="5010150" y="633619"/>
+            <a:ext cx="6657213" cy="5495162"/>
+          </a:xfrm>
+          <a:prstGeom prst="rect">
+            <a:avLst/>
+          </a:prstGeom>
+        </p:spPr>
+      </p:pic>
+    </p:spTree>
+    <p:extLst>
+      <p:ext uri="{BB962C8B-B14F-4D97-AF65-F5344CB8AC3E}">
+        <p14:creationId xmlns:p14="http://schemas.microsoft.com/office/powerpoint/2010/main" val="243405577"/>
+      </p:ext>
+    </p:extLst>
+  </p:cSld>
+  <p:clrMapOvr>
+    <a:masterClrMapping/>
+  </p:clrMapOvr>
+</p:sld>
+</file>
+
+<file path=ppt/slides/slide29.xml><?xml version="1.0" encoding="utf-8"?>
+<p:sld xmlns:a="http://schemas.openxmlformats.org/drawingml/2006/main" xmlns:r="http://schemas.openxmlformats.org/officeDocument/2006/relationships" xmlns:p="http://schemas.openxmlformats.org/presentationml/2006/main">
+  <p:cSld>
+    <p:spTree>
+      <p:nvGrpSpPr>
+        <p:cNvPr id="1" name=""/>
+        <p:cNvGrpSpPr/>
+        <p:nvPr/>
+      </p:nvGrpSpPr>
+      <p:grpSpPr>
+        <a:xfrm>
+          <a:off x="0" y="0"/>
+          <a:ext cx="0" cy="0"/>
+          <a:chOff x="0" y="0"/>
+          <a:chExt cx="0" cy="0"/>
+        </a:xfrm>
+      </p:grpSpPr>
+      <p:sp>
+        <p:nvSpPr>
+          <p:cNvPr id="2" name="Titel 1">
+            <a:extLst>
+              <a:ext uri="{FF2B5EF4-FFF2-40B4-BE49-F238E27FC236}">
+                <a16:creationId xmlns:a16="http://schemas.microsoft.com/office/drawing/2014/main" id="{930CFCCC-ED3E-C5A3-D30D-8FD8AD52E053}"/>
+              </a:ext>
+            </a:extLst>
+          </p:cNvPr>
+          <p:cNvSpPr>
+            <a:spLocks noGrp="1"/>
+          </p:cNvSpPr>
+          <p:nvPr>
+            <p:ph type="title"/>
+          </p:nvPr>
+        </p:nvSpPr>
+        <p:spPr/>
+        <p:txBody>
+          <a:bodyPr/>
+          <a:lstStyle/>
+          <a:p>
+            <a:endParaRPr lang="en-DE" dirty="0"/>
+          </a:p>
+        </p:txBody>
+      </p:sp>
+      <p:pic>
+        <p:nvPicPr>
+          <p:cNvPr id="11" name="Inhaltsplatzhalter 10">
+            <a:extLst>
+              <a:ext uri="{FF2B5EF4-FFF2-40B4-BE49-F238E27FC236}">
+                <a16:creationId xmlns:a16="http://schemas.microsoft.com/office/drawing/2014/main" id="{98D7FB89-A032-EF2F-5F40-199E919439F9}"/>
+              </a:ext>
+            </a:extLst>
+          </p:cNvPr>
+          <p:cNvPicPr>
+            <a:picLocks noGrp="1" noChangeAspect="1"/>
+          </p:cNvPicPr>
+          <p:nvPr>
+            <p:ph idx="1"/>
+          </p:nvPr>
+        </p:nvPicPr>
+        <p:blipFill>
+          <a:blip r:embed="rId2"/>
+          <a:stretch>
+            <a:fillRect/>
+          </a:stretch>
+        </p:blipFill>
+        <p:spPr>
+          <a:xfrm>
+            <a:off x="1644235" y="1690688"/>
+            <a:ext cx="8903530" cy="4486275"/>
+          </a:xfrm>
+        </p:spPr>
+      </p:pic>
+    </p:spTree>
+    <p:extLst>
+      <p:ext uri="{BB962C8B-B14F-4D97-AF65-F5344CB8AC3E}">
+        <p14:creationId xmlns:p14="http://schemas.microsoft.com/office/powerpoint/2010/main" val="2087366127"/>
+      </p:ext>
+    </p:extLst>
+  </p:cSld>
+  <p:clrMapOvr>
+    <a:masterClrMapping/>
+  </p:clrMapOvr>
+</p:sld>
+</file>
+
+<file path=ppt/slides/slide3.xml><?xml version="1.0" encoding="utf-8"?>
+<p:sld xmlns:a="http://schemas.openxmlformats.org/drawingml/2006/main" xmlns:r="http://schemas.openxmlformats.org/officeDocument/2006/relationships" xmlns:p="http://schemas.openxmlformats.org/presentationml/2006/main">
+  <p:cSld>
+    <p:spTree>
+      <p:nvGrpSpPr>
+        <p:cNvPr id="1" name="">
+          <a:extLst>
+            <a:ext uri="{FF2B5EF4-FFF2-40B4-BE49-F238E27FC236}">
+              <a16:creationId xmlns:a16="http://schemas.microsoft.com/office/drawing/2014/main" id="{78B5013A-D299-267E-D780-8508F2121E81}"/>
+            </a:ext>
+          </a:extLst>
+        </p:cNvPr>
+        <p:cNvGrpSpPr/>
+        <p:nvPr/>
+      </p:nvGrpSpPr>
+      <p:grpSpPr>
+        <a:xfrm>
+          <a:off x="0" y="0"/>
+          <a:ext cx="0" cy="0"/>
+          <a:chOff x="0" y="0"/>
+          <a:chExt cx="0" cy="0"/>
+        </a:xfrm>
+      </p:grpSpPr>
+      <p:sp>
+        <p:nvSpPr>
+          <p:cNvPr id="2" name="Titel 1">
+            <a:extLst>
+              <a:ext uri="{FF2B5EF4-FFF2-40B4-BE49-F238E27FC236}">
+                <a16:creationId xmlns:a16="http://schemas.microsoft.com/office/drawing/2014/main" id="{483DDEA5-EB77-7670-F725-5F6361F7DE5F}"/>
+              </a:ext>
+            </a:extLst>
+          </p:cNvPr>
+          <p:cNvSpPr>
+            <a:spLocks noGrp="1"/>
+          </p:cNvSpPr>
+          <p:nvPr>
+            <p:ph type="title"/>
+          </p:nvPr>
+        </p:nvSpPr>
+        <p:spPr/>
+        <p:txBody>
+          <a:bodyPr/>
+          <a:lstStyle/>
+          <a:p>
+            <a:r>
+              <a:rPr lang="en-GB" dirty="0"/>
+              <a:t>Table of contents</a:t>
+            </a:r>
+            <a:endParaRPr lang="en-DE" dirty="0"/>
+          </a:p>
+        </p:txBody>
+      </p:sp>
+      <p:sp>
+        <p:nvSpPr>
+          <p:cNvPr id="3" name="Inhaltsplatzhalter 2">
+            <a:extLst>
+              <a:ext uri="{FF2B5EF4-FFF2-40B4-BE49-F238E27FC236}">
+                <a16:creationId xmlns:a16="http://schemas.microsoft.com/office/drawing/2014/main" id="{C94EB4AB-D296-D0D5-CBA7-EA70A8741EAA}"/>
+              </a:ext>
+            </a:extLst>
+          </p:cNvPr>
+          <p:cNvSpPr>
+            <a:spLocks noGrp="1"/>
+          </p:cNvSpPr>
+          <p:nvPr>
+            <p:ph idx="1"/>
+          </p:nvPr>
+        </p:nvSpPr>
+        <p:spPr/>
+        <p:txBody>
+          <a:bodyPr>
+            <a:normAutofit/>
+          </a:bodyPr>
+          <a:lstStyle/>
+          <a:p>
+            <a:r>
+              <a:rPr lang="en-GB" sz="1900" dirty="0"/>
+              <a:t>Building on NIH Testing</a:t>
+            </a:r>
+          </a:p>
+          <a:p>
+            <a:pPr lvl="1"/>
+            <a:r>
+              <a:rPr lang="en-GB" sz="1900" dirty="0"/>
+              <a:t>Needle bench</a:t>
+            </a:r>
+          </a:p>
+          <a:p>
+            <a:pPr lvl="2"/>
+            <a:r>
+              <a:rPr lang="en-GB" sz="1900" dirty="0"/>
+              <a:t>Overview</a:t>
+            </a:r>
+          </a:p>
+          <a:p>
+            <a:pPr lvl="2"/>
+            <a:r>
+              <a:rPr lang="en-GB" sz="1900" dirty="0"/>
+              <a:t>Related Work</a:t>
+            </a:r>
+          </a:p>
+          <a:p>
+            <a:pPr lvl="2"/>
+            <a:r>
+              <a:rPr lang="en-GB" sz="1900" dirty="0"/>
+              <a:t>Methodology</a:t>
+            </a:r>
+          </a:p>
+          <a:p>
+            <a:pPr lvl="2"/>
+            <a:r>
+              <a:rPr lang="en-GB" sz="1900" dirty="0"/>
+              <a:t>Experiments</a:t>
+            </a:r>
+          </a:p>
+          <a:p>
+            <a:pPr lvl="2"/>
+            <a:r>
+              <a:rPr lang="en-GB" sz="1900" dirty="0"/>
+              <a:t>Findings</a:t>
+            </a:r>
+          </a:p>
+          <a:p>
+            <a:pPr marL="0" indent="0">
+              <a:buNone/>
+            </a:pPr>
+            <a:endParaRPr lang="en-GB" sz="1900" dirty="0"/>
+          </a:p>
+          <a:p>
+            <a:r>
+              <a:rPr lang="en-GB" sz="1900" dirty="0"/>
+              <a:t>Summary</a:t>
+            </a:r>
+          </a:p>
+          <a:p>
+            <a:pPr lvl="2"/>
+            <a:endParaRPr lang="en-GB" dirty="0"/>
+          </a:p>
+          <a:p>
+            <a:pPr lvl="2"/>
+            <a:endParaRPr lang="en-GB" dirty="0"/>
+          </a:p>
+          <a:p>
+            <a:pPr lvl="2"/>
+            <a:endParaRPr lang="en-GB" dirty="0"/>
+          </a:p>
+          <a:p>
+            <a:endParaRPr lang="en-GB" dirty="0"/>
+          </a:p>
+          <a:p>
+            <a:endParaRPr lang="en-DE" dirty="0"/>
+          </a:p>
+        </p:txBody>
+      </p:sp>
+    </p:spTree>
+    <p:extLst>
+      <p:ext uri="{BB962C8B-B14F-4D97-AF65-F5344CB8AC3E}">
+        <p14:creationId xmlns:p14="http://schemas.microsoft.com/office/powerpoint/2010/main" val="639442844"/>
+      </p:ext>
+    </p:extLst>
+  </p:cSld>
+  <p:clrMapOvr>
+    <a:masterClrMapping/>
+  </p:clrMapOvr>
+</p:sld>
+</file>
+
+<file path=ppt/slides/slide30.xml><?xml version="1.0" encoding="utf-8"?>
+<p:sld xmlns:a="http://schemas.openxmlformats.org/drawingml/2006/main" xmlns:r="http://schemas.openxmlformats.org/officeDocument/2006/relationships" xmlns:p="http://schemas.openxmlformats.org/presentationml/2006/main">
+  <p:cSld>
+    <p:spTree>
+      <p:nvGrpSpPr>
+        <p:cNvPr id="1" name=""/>
+        <p:cNvGrpSpPr/>
+        <p:nvPr/>
+      </p:nvGrpSpPr>
+      <p:grpSpPr>
+        <a:xfrm>
+          <a:off x="0" y="0"/>
+          <a:ext cx="0" cy="0"/>
+          <a:chOff x="0" y="0"/>
+          <a:chExt cx="0" cy="0"/>
+        </a:xfrm>
+      </p:grpSpPr>
+      <p:sp>
+        <p:nvSpPr>
+          <p:cNvPr id="2" name="Titel 1">
+            <a:extLst>
+              <a:ext uri="{FF2B5EF4-FFF2-40B4-BE49-F238E27FC236}">
+                <a16:creationId xmlns:a16="http://schemas.microsoft.com/office/drawing/2014/main" id="{230E9073-4D79-7C4C-8551-4129A28281AD}"/>
+              </a:ext>
+            </a:extLst>
+          </p:cNvPr>
+          <p:cNvSpPr>
+            <a:spLocks noGrp="1"/>
+          </p:cNvSpPr>
+          <p:nvPr>
+            <p:ph type="title"/>
+          </p:nvPr>
+        </p:nvSpPr>
+        <p:spPr/>
+        <p:txBody>
+          <a:bodyPr/>
+          <a:lstStyle/>
+          <a:p>
+            <a:endParaRPr lang="en-DE" dirty="0"/>
+          </a:p>
+        </p:txBody>
+      </p:sp>
+      <p:pic>
+        <p:nvPicPr>
+          <p:cNvPr id="5" name="Inhaltsplatzhalter 4">
+            <a:extLst>
+              <a:ext uri="{FF2B5EF4-FFF2-40B4-BE49-F238E27FC236}">
+                <a16:creationId xmlns:a16="http://schemas.microsoft.com/office/drawing/2014/main" id="{843C240F-17DA-1D07-3B1A-F67835C3CA6A}"/>
+              </a:ext>
+            </a:extLst>
+          </p:cNvPr>
+          <p:cNvPicPr>
+            <a:picLocks noGrp="1" noChangeAspect="1"/>
+          </p:cNvPicPr>
+          <p:nvPr>
+            <p:ph idx="1"/>
+          </p:nvPr>
+        </p:nvPicPr>
+        <p:blipFill>
+          <a:blip r:embed="rId2"/>
+          <a:stretch>
+            <a:fillRect/>
+          </a:stretch>
+        </p:blipFill>
+        <p:spPr>
+          <a:xfrm>
+            <a:off x="2449145" y="1781194"/>
+            <a:ext cx="7293710" cy="4852969"/>
+          </a:xfrm>
+        </p:spPr>
+      </p:pic>
+    </p:spTree>
+    <p:extLst>
+      <p:ext uri="{BB962C8B-B14F-4D97-AF65-F5344CB8AC3E}">
+        <p14:creationId xmlns:p14="http://schemas.microsoft.com/office/powerpoint/2010/main" val="335444066"/>
+      </p:ext>
+    </p:extLst>
+  </p:cSld>
+  <p:clrMapOvr>
+    <a:masterClrMapping/>
+  </p:clrMapOvr>
+</p:sld>
+</file>
+
+<file path=ppt/slides/slide31.xml><?xml version="1.0" encoding="utf-8"?>
+<p:sld xmlns:a="http://schemas.openxmlformats.org/drawingml/2006/main" xmlns:r="http://schemas.openxmlformats.org/officeDocument/2006/relationships" xmlns:p="http://schemas.openxmlformats.org/presentationml/2006/main">
+  <p:cSld>
+    <p:spTree>
+      <p:nvGrpSpPr>
+        <p:cNvPr id="1" name=""/>
+        <p:cNvGrpSpPr/>
+        <p:nvPr/>
+      </p:nvGrpSpPr>
+      <p:grpSpPr>
+        <a:xfrm>
+          <a:off x="0" y="0"/>
+          <a:ext cx="0" cy="0"/>
+          <a:chOff x="0" y="0"/>
+          <a:chExt cx="0" cy="0"/>
+        </a:xfrm>
+      </p:grpSpPr>
+      <p:sp>
+        <p:nvSpPr>
+          <p:cNvPr id="2" name="Titel 1">
+            <a:extLst>
+              <a:ext uri="{FF2B5EF4-FFF2-40B4-BE49-F238E27FC236}">
+                <a16:creationId xmlns:a16="http://schemas.microsoft.com/office/drawing/2014/main" id="{01F43B3D-B347-60F5-D3AA-B7CDA2C53B4E}"/>
+              </a:ext>
+            </a:extLst>
+          </p:cNvPr>
+          <p:cNvSpPr>
+            <a:spLocks noGrp="1"/>
+          </p:cNvSpPr>
+          <p:nvPr>
+            <p:ph type="title"/>
+          </p:nvPr>
+        </p:nvSpPr>
+        <p:spPr/>
+        <p:txBody>
+          <a:bodyPr/>
+          <a:lstStyle/>
+          <a:p>
+            <a:r>
+              <a:rPr lang="en-GB" dirty="0"/>
+              <a:t>Summary</a:t>
+            </a:r>
+            <a:endParaRPr lang="en-DE" dirty="0"/>
+          </a:p>
+        </p:txBody>
+      </p:sp>
+      <p:sp>
+        <p:nvSpPr>
+          <p:cNvPr id="3" name="Inhaltsplatzhalter 2">
+            <a:extLst>
+              <a:ext uri="{FF2B5EF4-FFF2-40B4-BE49-F238E27FC236}">
+                <a16:creationId xmlns:a16="http://schemas.microsoft.com/office/drawing/2014/main" id="{80E9DA3A-CBA4-48E4-333D-ECE6F8F822F6}"/>
+              </a:ext>
+            </a:extLst>
+          </p:cNvPr>
+          <p:cNvSpPr>
+            <a:spLocks noGrp="1"/>
+          </p:cNvSpPr>
+          <p:nvPr>
+            <p:ph idx="1"/>
+          </p:nvPr>
+        </p:nvSpPr>
+        <p:spPr/>
+        <p:txBody>
+          <a:bodyPr/>
+          <a:lstStyle/>
+          <a:p>
+            <a:endParaRPr lang="en-DE"/>
+          </a:p>
+        </p:txBody>
+      </p:sp>
+    </p:spTree>
+    <p:extLst>
+      <p:ext uri="{BB962C8B-B14F-4D97-AF65-F5344CB8AC3E}">
+        <p14:creationId xmlns:p14="http://schemas.microsoft.com/office/powerpoint/2010/main" val="4028504876"/>
+      </p:ext>
+    </p:extLst>
+  </p:cSld>
+  <p:clrMapOvr>
+    <a:masterClrMapping/>
+  </p:clrMapOvr>
+</p:sld>
+</file>
+
+<file path=ppt/slides/slide32.xml><?xml version="1.0" encoding="utf-8"?>
+<p:sld xmlns:a="http://schemas.openxmlformats.org/drawingml/2006/main" xmlns:r="http://schemas.openxmlformats.org/officeDocument/2006/relationships" xmlns:p="http://schemas.openxmlformats.org/presentationml/2006/main">
+  <p:cSld>
+    <p:spTree>
+      <p:nvGrpSpPr>
+        <p:cNvPr id="1" name=""/>
+        <p:cNvGrpSpPr/>
+        <p:nvPr/>
+      </p:nvGrpSpPr>
+      <p:grpSpPr>
+        <a:xfrm>
+          <a:off x="0" y="0"/>
+          <a:ext cx="0" cy="0"/>
+          <a:chOff x="0" y="0"/>
+          <a:chExt cx="0" cy="0"/>
+        </a:xfrm>
+      </p:grpSpPr>
+      <p:sp>
+        <p:nvSpPr>
+          <p:cNvPr id="2" name="Textfeld 1">
+            <a:extLst>
+              <a:ext uri="{FF2B5EF4-FFF2-40B4-BE49-F238E27FC236}">
+                <a16:creationId xmlns:a16="http://schemas.microsoft.com/office/drawing/2014/main" id="{271A97C3-BD3F-E01C-BBD2-4C94C66B4246}"/>
+              </a:ext>
+            </a:extLst>
+          </p:cNvPr>
+          <p:cNvSpPr txBox="1"/>
+          <p:nvPr/>
+        </p:nvSpPr>
+        <p:spPr>
+          <a:xfrm>
+            <a:off x="1294765" y="574675"/>
+            <a:ext cx="9602469" cy="646331"/>
+          </a:xfrm>
+          <a:prstGeom prst="rect">
+            <a:avLst/>
+          </a:prstGeom>
+          <a:noFill/>
+        </p:spPr>
+        <p:txBody>
+          <a:bodyPr wrap="square" rtlCol="0">
+            <a:spAutoFit/>
+          </a:bodyPr>
+          <a:lstStyle/>
+          <a:p>
+            <a:r>
+              <a:rPr lang="en-GB" dirty="0" err="1">
+                <a:hlinkClick r:id="rId2"/>
+              </a:rPr>
+              <a:t>gkamradt</a:t>
+            </a:r>
+            <a:r>
+              <a:rPr lang="en-GB" dirty="0">
+                <a:hlinkClick r:id="rId2"/>
+              </a:rPr>
+              <a:t>/</a:t>
+            </a:r>
+            <a:r>
+              <a:rPr lang="en-GB" dirty="0" err="1">
+                <a:hlinkClick r:id="rId2"/>
+              </a:rPr>
+              <a:t>LLMTest_NeedleInAHaystack</a:t>
+            </a:r>
+            <a:r>
+              <a:rPr lang="en-GB" dirty="0">
+                <a:hlinkClick r:id="rId2"/>
+              </a:rPr>
+              <a:t>: Doing simple retrieval from LLM models at various context lengths to measure accuracy</a:t>
+            </a:r>
+            <a:endParaRPr lang="en-DE" dirty="0"/>
+          </a:p>
+        </p:txBody>
+      </p:sp>
+    </p:spTree>
+    <p:extLst>
+      <p:ext uri="{BB962C8B-B14F-4D97-AF65-F5344CB8AC3E}">
+        <p14:creationId xmlns:p14="http://schemas.microsoft.com/office/powerpoint/2010/main" val="1742160184"/>
+      </p:ext>
+    </p:extLst>
+  </p:cSld>
+  <p:clrMapOvr>
+    <a:masterClrMapping/>
+  </p:clrMapOvr>
+</p:sld>
+</file>
+
+<file path=ppt/slides/slide4.xml><?xml version="1.0" encoding="utf-8"?>
+<p:sld xmlns:a="http://schemas.openxmlformats.org/drawingml/2006/main" xmlns:r="http://schemas.openxmlformats.org/officeDocument/2006/relationships" xmlns:p="http://schemas.openxmlformats.org/presentationml/2006/main">
+  <p:cSld>
+    <p:spTree>
+      <p:nvGrpSpPr>
+        <p:cNvPr id="1" name=""/>
+        <p:cNvGrpSpPr/>
+        <p:nvPr/>
+      </p:nvGrpSpPr>
+      <p:grpSpPr>
+        <a:xfrm>
+          <a:off x="0" y="0"/>
+          <a:ext cx="0" cy="0"/>
+          <a:chOff x="0" y="0"/>
+          <a:chExt cx="0" cy="0"/>
+        </a:xfrm>
+      </p:grpSpPr>
+      <p:sp>
+        <p:nvSpPr>
+          <p:cNvPr id="2" name="Titel 1">
+            <a:extLst>
+              <a:ext uri="{FF2B5EF4-FFF2-40B4-BE49-F238E27FC236}">
+                <a16:creationId xmlns:a16="http://schemas.microsoft.com/office/drawing/2014/main" id="{F63ED3CD-7ACE-6422-BB75-E9EF1C0E382F}"/>
+              </a:ext>
+            </a:extLst>
+          </p:cNvPr>
+          <p:cNvSpPr>
+            <a:spLocks noGrp="1"/>
+          </p:cNvSpPr>
+          <p:nvPr>
+            <p:ph type="ctrTitle"/>
+          </p:nvPr>
+        </p:nvSpPr>
+        <p:spPr/>
+        <p:txBody>
+          <a:bodyPr/>
+          <a:lstStyle/>
+          <a:p>
+            <a:r>
+              <a:rPr lang="en-GB" dirty="0"/>
+              <a:t>Motivation &amp; Background</a:t>
+            </a:r>
+            <a:endParaRPr lang="en-DE" dirty="0"/>
+          </a:p>
+        </p:txBody>
+      </p:sp>
+      <p:sp>
+        <p:nvSpPr>
+          <p:cNvPr id="3" name="Untertitel 2">
+            <a:extLst>
+              <a:ext uri="{FF2B5EF4-FFF2-40B4-BE49-F238E27FC236}">
+                <a16:creationId xmlns:a16="http://schemas.microsoft.com/office/drawing/2014/main" id="{3C21BE72-B948-5276-7155-49B5F1C3765C}"/>
+              </a:ext>
+            </a:extLst>
+          </p:cNvPr>
+          <p:cNvSpPr>
+            <a:spLocks noGrp="1"/>
+          </p:cNvSpPr>
+          <p:nvPr>
+            <p:ph type="subTitle" idx="1"/>
+          </p:nvPr>
+        </p:nvSpPr>
+        <p:spPr/>
+        <p:txBody>
+          <a:bodyPr/>
+          <a:lstStyle/>
+          <a:p>
+            <a:endParaRPr lang="en-DE"/>
+          </a:p>
+        </p:txBody>
+      </p:sp>
+    </p:spTree>
+    <p:extLst>
+      <p:ext uri="{BB962C8B-B14F-4D97-AF65-F5344CB8AC3E}">
+        <p14:creationId xmlns:p14="http://schemas.microsoft.com/office/powerpoint/2010/main" val="846689961"/>
+      </p:ext>
+    </p:extLst>
+  </p:cSld>
+  <p:clrMapOvr>
+    <a:masterClrMapping/>
+  </p:clrMapOvr>
+</p:sld>
+</file>
+
+<file path=ppt/slides/slide5.xml><?xml version="1.0" encoding="utf-8"?>
+<p:sld xmlns:a="http://schemas.openxmlformats.org/drawingml/2006/main" xmlns:r="http://schemas.openxmlformats.org/officeDocument/2006/relationships" xmlns:p="http://schemas.openxmlformats.org/presentationml/2006/main">
+  <p:cSld>
+    <p:spTree>
+      <p:nvGrpSpPr>
+        <p:cNvPr id="1" name=""/>
+        <p:cNvGrpSpPr/>
+        <p:nvPr/>
+      </p:nvGrpSpPr>
+      <p:grpSpPr>
+        <a:xfrm>
+          <a:off x="0" y="0"/>
+          <a:ext cx="0" cy="0"/>
+          <a:chOff x="0" y="0"/>
+          <a:chExt cx="0" cy="0"/>
+        </a:xfrm>
+      </p:grpSpPr>
+      <p:sp>
+        <p:nvSpPr>
+          <p:cNvPr id="2" name="Titel 1">
+            <a:extLst>
+              <a:ext uri="{FF2B5EF4-FFF2-40B4-BE49-F238E27FC236}">
+                <a16:creationId xmlns:a16="http://schemas.microsoft.com/office/drawing/2014/main" id="{09D048CF-C159-0CB6-61B2-DDFDF98AB0D2}"/>
+              </a:ext>
+            </a:extLst>
+          </p:cNvPr>
+          <p:cNvSpPr>
+            <a:spLocks noGrp="1"/>
+          </p:cNvSpPr>
+          <p:nvPr>
+            <p:ph type="title"/>
+          </p:nvPr>
+        </p:nvSpPr>
+        <p:spPr/>
+        <p:txBody>
+          <a:bodyPr/>
+          <a:lstStyle/>
+          <a:p>
+            <a:r>
+              <a:rPr lang="en-GB" dirty="0"/>
+              <a:t>Background – What is a context window?</a:t>
+            </a:r>
+            <a:endParaRPr lang="en-DE" dirty="0"/>
+          </a:p>
+        </p:txBody>
+      </p:sp>
+      <p:sp>
+        <p:nvSpPr>
+          <p:cNvPr id="3" name="Inhaltsplatzhalter 2">
+            <a:extLst>
+              <a:ext uri="{FF2B5EF4-FFF2-40B4-BE49-F238E27FC236}">
+                <a16:creationId xmlns:a16="http://schemas.microsoft.com/office/drawing/2014/main" id="{B036E239-302B-B8AB-BF83-EB872F01015C}"/>
+              </a:ext>
+            </a:extLst>
+          </p:cNvPr>
+          <p:cNvSpPr>
+            <a:spLocks noGrp="1"/>
+          </p:cNvSpPr>
+          <p:nvPr>
+            <p:ph idx="1"/>
+          </p:nvPr>
+        </p:nvSpPr>
+        <p:spPr/>
+        <p:txBody>
+          <a:bodyPr/>
+          <a:lstStyle/>
+          <a:p>
+            <a:r>
+              <a:rPr lang="en-GB" dirty="0"/>
+              <a:t>Context windows can be thought of as the working memory or RAM of models with the transformer architecture</a:t>
+            </a:r>
+          </a:p>
+          <a:p>
+            <a:endParaRPr lang="en-GB" dirty="0"/>
+          </a:p>
+          <a:p>
+            <a:r>
+              <a:rPr lang="en-GB" dirty="0"/>
+              <a:t>It contains things like the prompt, system prompt, conversation history and any additional documents relevant for the task at hand</a:t>
+            </a:r>
+          </a:p>
+          <a:p>
+            <a:endParaRPr lang="en-GB" dirty="0"/>
+          </a:p>
+          <a:p>
+            <a:r>
+              <a:rPr lang="en-GB" dirty="0"/>
+              <a:t>Since this space is limited, we often use RAG to pre-select sections to include in the context window </a:t>
+            </a:r>
+            <a:endParaRPr lang="en-DE" dirty="0"/>
+          </a:p>
+        </p:txBody>
+      </p:sp>
+    </p:spTree>
+    <p:extLst>
+      <p:ext uri="{BB962C8B-B14F-4D97-AF65-F5344CB8AC3E}">
+        <p14:creationId xmlns:p14="http://schemas.microsoft.com/office/powerpoint/2010/main" val="4230271637"/>
+      </p:ext>
+    </p:extLst>
+  </p:cSld>
+  <p:clrMapOvr>
+    <a:masterClrMapping/>
+  </p:clrMapOvr>
+</p:sld>
+</file>
+
+<file path=ppt/slides/slide6.xml><?xml version="1.0" encoding="utf-8"?>
+<p:sld xmlns:a="http://schemas.openxmlformats.org/drawingml/2006/main" xmlns:r="http://schemas.openxmlformats.org/officeDocument/2006/relationships" xmlns:p="http://schemas.openxmlformats.org/presentationml/2006/main">
+  <p:cSld>
+    <p:spTree>
+      <p:nvGrpSpPr>
+        <p:cNvPr id="1" name=""/>
+        <p:cNvGrpSpPr/>
+        <p:nvPr/>
+      </p:nvGrpSpPr>
+      <p:grpSpPr>
+        <a:xfrm>
+          <a:off x="0" y="0"/>
+          <a:ext cx="0" cy="0"/>
+          <a:chOff x="0" y="0"/>
+          <a:chExt cx="0" cy="0"/>
+        </a:xfrm>
+      </p:grpSpPr>
+      <p:sp>
+        <p:nvSpPr>
+          <p:cNvPr id="2" name="Titel 1">
+            <a:extLst>
+              <a:ext uri="{FF2B5EF4-FFF2-40B4-BE49-F238E27FC236}">
+                <a16:creationId xmlns:a16="http://schemas.microsoft.com/office/drawing/2014/main" id="{5B631D4B-5588-3E31-9FE9-A0CF0458DA35}"/>
+              </a:ext>
+            </a:extLst>
+          </p:cNvPr>
+          <p:cNvSpPr>
+            <a:spLocks noGrp="1"/>
+          </p:cNvSpPr>
+          <p:nvPr>
+            <p:ph type="title"/>
+          </p:nvPr>
+        </p:nvSpPr>
+        <p:spPr/>
+        <p:txBody>
+          <a:bodyPr/>
+          <a:lstStyle/>
+          <a:p>
+            <a:r>
+              <a:rPr lang="en-GB" dirty="0"/>
+              <a:t>Motivation – Why long context retrieval?	 </a:t>
+            </a:r>
+            <a:endParaRPr lang="en-DE" dirty="0"/>
+          </a:p>
+        </p:txBody>
+      </p:sp>
+      <p:sp>
+        <p:nvSpPr>
+          <p:cNvPr id="3" name="Inhaltsplatzhalter 2">
+            <a:extLst>
+              <a:ext uri="{FF2B5EF4-FFF2-40B4-BE49-F238E27FC236}">
+                <a16:creationId xmlns:a16="http://schemas.microsoft.com/office/drawing/2014/main" id="{D949E016-798C-EEEA-3292-E30A0ED70429}"/>
+              </a:ext>
+            </a:extLst>
+          </p:cNvPr>
+          <p:cNvSpPr>
+            <a:spLocks noGrp="1"/>
+          </p:cNvSpPr>
+          <p:nvPr>
+            <p:ph idx="1"/>
+          </p:nvPr>
+        </p:nvSpPr>
+        <p:spPr/>
+        <p:txBody>
+          <a:bodyPr/>
+          <a:lstStyle/>
+          <a:p>
+            <a:r>
+              <a:rPr lang="en-GB" dirty="0"/>
+              <a:t>RAG: More content can be included</a:t>
+            </a:r>
+          </a:p>
+          <a:p>
+            <a:endParaRPr lang="en-GB" dirty="0"/>
+          </a:p>
+          <a:p>
+            <a:r>
+              <a:rPr lang="en-GB" dirty="0"/>
+              <a:t>Chatbots: Conversations can be longer before the model ‘forgets’ previous exchanges</a:t>
+            </a:r>
+          </a:p>
+          <a:p>
+            <a:endParaRPr lang="en-GB" dirty="0"/>
+          </a:p>
+          <a:p>
+            <a:r>
+              <a:rPr lang="en-GB" dirty="0"/>
+              <a:t>Eventually: Potentially replace RAG with ultra long context models</a:t>
+            </a:r>
+          </a:p>
+          <a:p>
+            <a:endParaRPr lang="en-GB" dirty="0"/>
+          </a:p>
+          <a:p>
+            <a:pPr marL="0" indent="0">
+              <a:buNone/>
+            </a:pPr>
+            <a:r>
+              <a:rPr lang="en-GB" dirty="0"/>
+              <a:t>Question: How do we evaluate long-Context LLMs?</a:t>
+            </a:r>
+            <a:endParaRPr lang="en-DE" dirty="0"/>
+          </a:p>
+        </p:txBody>
+      </p:sp>
+    </p:spTree>
+    <p:extLst>
+      <p:ext uri="{BB962C8B-B14F-4D97-AF65-F5344CB8AC3E}">
+        <p14:creationId xmlns:p14="http://schemas.microsoft.com/office/powerpoint/2010/main" val="1195257757"/>
+      </p:ext>
+    </p:extLst>
+  </p:cSld>
+  <p:clrMapOvr>
+    <a:masterClrMapping/>
+  </p:clrMapOvr>
+</p:sld>
+</file>
+
+<file path=ppt/slides/slide7.xml><?xml version="1.0" encoding="utf-8"?>
+<p:sld xmlns:a="http://schemas.openxmlformats.org/drawingml/2006/main" xmlns:r="http://schemas.openxmlformats.org/officeDocument/2006/relationships" xmlns:p="http://schemas.openxmlformats.org/presentationml/2006/main">
+  <p:cSld>
+    <p:spTree>
+      <p:nvGrpSpPr>
+        <p:cNvPr id="1" name=""/>
+        <p:cNvGrpSpPr/>
+        <p:nvPr/>
+      </p:nvGrpSpPr>
+      <p:grpSpPr>
+        <a:xfrm>
+          <a:off x="0" y="0"/>
+          <a:ext cx="0" cy="0"/>
+          <a:chOff x="0" y="0"/>
+          <a:chExt cx="0" cy="0"/>
+        </a:xfrm>
+      </p:grpSpPr>
+      <p:sp>
+        <p:nvSpPr>
+          <p:cNvPr id="2" name="Titel 1">
+            <a:extLst>
+              <a:ext uri="{FF2B5EF4-FFF2-40B4-BE49-F238E27FC236}">
+                <a16:creationId xmlns:a16="http://schemas.microsoft.com/office/drawing/2014/main" id="{065B80C8-6AC8-DA3C-1D03-3D49E94CA0A4}"/>
+              </a:ext>
+            </a:extLst>
+          </p:cNvPr>
+          <p:cNvSpPr>
+            <a:spLocks noGrp="1"/>
+          </p:cNvSpPr>
+          <p:nvPr>
+            <p:ph type="title"/>
+          </p:nvPr>
+        </p:nvSpPr>
+        <p:spPr/>
+        <p:txBody>
+          <a:bodyPr/>
+          <a:lstStyle/>
+          <a:p>
+            <a:r>
+              <a:rPr lang="en-GB" dirty="0"/>
+              <a:t>The needle in the haystack</a:t>
+            </a:r>
+            <a:endParaRPr lang="en-DE" dirty="0"/>
+          </a:p>
+        </p:txBody>
+      </p:sp>
+      <p:sp>
+        <p:nvSpPr>
+          <p:cNvPr id="3" name="Inhaltsplatzhalter 2">
+            <a:extLst>
+              <a:ext uri="{FF2B5EF4-FFF2-40B4-BE49-F238E27FC236}">
+                <a16:creationId xmlns:a16="http://schemas.microsoft.com/office/drawing/2014/main" id="{F7F67BE6-C265-5585-75F1-D56E2F01F45C}"/>
+              </a:ext>
+            </a:extLst>
+          </p:cNvPr>
+          <p:cNvSpPr>
+            <a:spLocks noGrp="1"/>
+          </p:cNvSpPr>
+          <p:nvPr>
+            <p:ph idx="1"/>
+          </p:nvPr>
+        </p:nvSpPr>
+        <p:spPr/>
+        <p:txBody>
+          <a:bodyPr/>
+          <a:lstStyle/>
+          <a:p>
+            <a:r>
+              <a:rPr lang="en-GB" dirty="0"/>
+              <a:t>Developed by Greg Kamradt</a:t>
+            </a:r>
+          </a:p>
+          <a:p>
+            <a:endParaRPr lang="en-GB" dirty="0"/>
+          </a:p>
+          <a:p>
+            <a:r>
+              <a:rPr lang="en-GB" dirty="0"/>
+              <a:t>Initially tested on GPT4 with Paul Graham essays  </a:t>
+            </a:r>
+          </a:p>
+          <a:p>
+            <a:endParaRPr lang="en-GB" dirty="0"/>
+          </a:p>
+          <a:p>
+            <a:r>
+              <a:rPr lang="en-GB" dirty="0"/>
+              <a:t>Aims to test retrieval ability of an LLM at various context lengths with varied needle placement</a:t>
+            </a:r>
+          </a:p>
+        </p:txBody>
+      </p:sp>
+    </p:spTree>
+    <p:extLst>
+      <p:ext uri="{BB962C8B-B14F-4D97-AF65-F5344CB8AC3E}">
+        <p14:creationId xmlns:p14="http://schemas.microsoft.com/office/powerpoint/2010/main" val="3817405945"/>
+      </p:ext>
+    </p:extLst>
+  </p:cSld>
+  <p:clrMapOvr>
+    <a:masterClrMapping/>
+  </p:clrMapOvr>
+</p:sld>
+</file>
+
+<file path=ppt/slides/slide8.xml><?xml version="1.0" encoding="utf-8"?>
+<p:sld xmlns:a="http://schemas.openxmlformats.org/drawingml/2006/main" xmlns:r="http://schemas.openxmlformats.org/officeDocument/2006/relationships" xmlns:p="http://schemas.openxmlformats.org/presentationml/2006/main">
+  <p:cSld>
+    <p:spTree>
+      <p:nvGrpSpPr>
+        <p:cNvPr id="1" name=""/>
+        <p:cNvGrpSpPr/>
+        <p:nvPr/>
+      </p:nvGrpSpPr>
+      <p:grpSpPr>
+        <a:xfrm>
+          <a:off x="0" y="0"/>
+          <a:ext cx="0" cy="0"/>
+          <a:chOff x="0" y="0"/>
+          <a:chExt cx="0" cy="0"/>
+        </a:xfrm>
+      </p:grpSpPr>
+      <p:sp>
+        <p:nvSpPr>
+          <p:cNvPr id="2" name="Titel 1">
+            <a:extLst>
+              <a:ext uri="{FF2B5EF4-FFF2-40B4-BE49-F238E27FC236}">
+                <a16:creationId xmlns:a16="http://schemas.microsoft.com/office/drawing/2014/main" id="{15E0A4F4-EDCF-B227-AB56-6C1C23BC0636}"/>
+              </a:ext>
+            </a:extLst>
+          </p:cNvPr>
+          <p:cNvSpPr>
+            <a:spLocks noGrp="1"/>
+          </p:cNvSpPr>
+          <p:nvPr>
+            <p:ph type="title"/>
+          </p:nvPr>
+        </p:nvSpPr>
+        <p:spPr/>
+        <p:txBody>
+          <a:bodyPr/>
+          <a:lstStyle/>
+          <a:p>
+            <a:r>
+              <a:rPr lang="en-GB" dirty="0"/>
+              <a:t>The needle in a haystack – The Test</a:t>
+            </a:r>
+            <a:endParaRPr lang="en-DE" dirty="0"/>
+          </a:p>
+        </p:txBody>
+      </p:sp>
+      <p:sp>
+        <p:nvSpPr>
+          <p:cNvPr id="3" name="Inhaltsplatzhalter 2">
+            <a:extLst>
+              <a:ext uri="{FF2B5EF4-FFF2-40B4-BE49-F238E27FC236}">
+                <a16:creationId xmlns:a16="http://schemas.microsoft.com/office/drawing/2014/main" id="{14BFD406-A1C1-3B87-1522-BA4CBEDC91DF}"/>
+              </a:ext>
+            </a:extLst>
+          </p:cNvPr>
+          <p:cNvSpPr>
+            <a:spLocks noGrp="1"/>
+          </p:cNvSpPr>
+          <p:nvPr>
+            <p:ph idx="1"/>
+          </p:nvPr>
+        </p:nvSpPr>
+        <p:spPr/>
+        <p:txBody>
+          <a:bodyPr/>
+          <a:lstStyle/>
+          <a:p>
+            <a:pPr marL="0" indent="0">
+              <a:buNone/>
+            </a:pPr>
+            <a:endParaRPr lang="en-GB" dirty="0"/>
+          </a:p>
+          <a:p>
+            <a:pPr marL="914400" lvl="1" indent="-457200">
+              <a:buFont typeface="+mj-lt"/>
+              <a:buAutoNum type="arabicPeriod"/>
+            </a:pPr>
+            <a:r>
+              <a:rPr lang="en-GB" dirty="0"/>
+              <a:t>Place a fact or statement (the needle) inside a chunk of a body of unrelated text (the haystack)</a:t>
+            </a:r>
+          </a:p>
+          <a:p>
+            <a:pPr marL="914400" lvl="1" indent="-457200">
+              <a:buFont typeface="+mj-lt"/>
+              <a:buAutoNum type="arabicPeriod"/>
+            </a:pPr>
+            <a:endParaRPr lang="en-GB" dirty="0"/>
+          </a:p>
+          <a:p>
+            <a:pPr marL="914400" lvl="1" indent="-457200">
+              <a:buFont typeface="+mj-lt"/>
+              <a:buAutoNum type="arabicPeriod"/>
+            </a:pPr>
+            <a:r>
+              <a:rPr lang="en-GB" dirty="0"/>
+              <a:t>Provide the LLM with this text and a prompt asking about the needle</a:t>
+            </a:r>
+          </a:p>
+          <a:p>
+            <a:pPr marL="914400" lvl="1" indent="-457200">
+              <a:buFont typeface="+mj-lt"/>
+              <a:buAutoNum type="arabicPeriod"/>
+            </a:pPr>
+            <a:endParaRPr lang="en-GB" dirty="0"/>
+          </a:p>
+          <a:p>
+            <a:pPr marL="914400" lvl="1" indent="-457200">
+              <a:buFont typeface="+mj-lt"/>
+              <a:buAutoNum type="arabicPeriod"/>
+            </a:pPr>
+            <a:r>
+              <a:rPr lang="en-GB" dirty="0"/>
+              <a:t>Increase the size of the haystack and change the needle position</a:t>
+            </a:r>
+          </a:p>
+          <a:p>
+            <a:pPr marL="914400" lvl="1" indent="-457200">
+              <a:buFont typeface="+mj-lt"/>
+              <a:buAutoNum type="arabicPeriod"/>
+            </a:pPr>
+            <a:endParaRPr lang="en-GB" dirty="0"/>
+          </a:p>
+          <a:p>
+            <a:pPr marL="914400" lvl="1" indent="-457200">
+              <a:buFont typeface="+mj-lt"/>
+              <a:buAutoNum type="arabicPeriod"/>
+            </a:pPr>
+            <a:r>
+              <a:rPr lang="en-GB" dirty="0"/>
+              <a:t>Aggregate the results and evaluate accuracy </a:t>
+            </a:r>
+          </a:p>
+          <a:p>
+            <a:endParaRPr lang="en-DE" dirty="0"/>
+          </a:p>
+        </p:txBody>
+      </p:sp>
+    </p:spTree>
+    <p:extLst>
+      <p:ext uri="{BB962C8B-B14F-4D97-AF65-F5344CB8AC3E}">
+        <p14:creationId xmlns:p14="http://schemas.microsoft.com/office/powerpoint/2010/main" val="2281849652"/>
+      </p:ext>
+    </p:extLst>
+  </p:cSld>
+  <p:clrMapOvr>
+    <a:masterClrMapping/>
+  </p:clrMapOvr>
+</p:sld>
+</file>
+
+<file path=ppt/slides/slide9.xml><?xml version="1.0" encoding="utf-8"?>
+<p:sld xmlns:a="http://schemas.openxmlformats.org/drawingml/2006/main" xmlns:r="http://schemas.openxmlformats.org/officeDocument/2006/relationships" xmlns:p="http://schemas.openxmlformats.org/presentationml/2006/main">
+  <p:cSld>
+    <p:spTree>
+      <p:nvGrpSpPr>
+        <p:cNvPr id="1" name=""/>
+        <p:cNvGrpSpPr/>
+        <p:nvPr/>
+      </p:nvGrpSpPr>
+      <p:grpSpPr>
+        <a:xfrm>
+          <a:off x="0" y="0"/>
+          <a:ext cx="0" cy="0"/>
+          <a:chOff x="0" y="0"/>
+          <a:chExt cx="0" cy="0"/>
+        </a:xfrm>
+      </p:grpSpPr>
+      <p:sp>
+        <p:nvSpPr>
+          <p:cNvPr id="2" name="Titel 1">
+            <a:extLst>
+              <a:ext uri="{FF2B5EF4-FFF2-40B4-BE49-F238E27FC236}">
+                <a16:creationId xmlns:a16="http://schemas.microsoft.com/office/drawing/2014/main" id="{87ED4172-014A-20B2-7D1A-45C6B2B56B71}"/>
+              </a:ext>
+            </a:extLst>
+          </p:cNvPr>
+          <p:cNvSpPr>
+            <a:spLocks noGrp="1"/>
+          </p:cNvSpPr>
+          <p:nvPr>
+            <p:ph type="title"/>
+          </p:nvPr>
+        </p:nvSpPr>
+        <p:spPr>
+          <a:xfrm>
+            <a:off x="838200" y="569238"/>
+            <a:ext cx="9423400" cy="880862"/>
+          </a:xfrm>
+        </p:spPr>
+        <p:txBody>
+          <a:bodyPr>
+            <a:normAutofit fontScale="90000"/>
+          </a:bodyPr>
+          <a:lstStyle/>
+          <a:p>
+            <a:r>
+              <a:rPr lang="en-GB" dirty="0"/>
+              <a:t>The needle in a haystack – Results (GPT-4) </a:t>
+            </a:r>
+            <a:endParaRPr lang="en-DE" dirty="0"/>
+          </a:p>
+        </p:txBody>
+      </p:sp>
+      <p:sp>
+        <p:nvSpPr>
+          <p:cNvPr id="3" name="Inhaltsplatzhalter 2">
+            <a:extLst>
+              <a:ext uri="{FF2B5EF4-FFF2-40B4-BE49-F238E27FC236}">
+                <a16:creationId xmlns:a16="http://schemas.microsoft.com/office/drawing/2014/main" id="{C3E161AB-F674-5845-17DA-34FE4FFB404C}"/>
+              </a:ext>
+            </a:extLst>
+          </p:cNvPr>
+          <p:cNvSpPr>
+            <a:spLocks noGrp="1"/>
+          </p:cNvSpPr>
+          <p:nvPr>
+            <p:ph idx="1"/>
+          </p:nvPr>
+        </p:nvSpPr>
+        <p:spPr/>
+        <p:txBody>
+          <a:bodyPr/>
+          <a:lstStyle/>
+          <a:p>
+            <a:endParaRPr lang="en-DE" dirty="0"/>
+          </a:p>
+        </p:txBody>
+      </p:sp>
+      <p:pic>
+        <p:nvPicPr>
+          <p:cNvPr id="1026" name="Picture 2">
+            <a:extLst>
+              <a:ext uri="{FF2B5EF4-FFF2-40B4-BE49-F238E27FC236}">
+                <a16:creationId xmlns:a16="http://schemas.microsoft.com/office/drawing/2014/main" id="{D766EB19-474E-F37F-1390-7FFFDA5E7C53}"/>
+              </a:ext>
+            </a:extLst>
+          </p:cNvPr>
+          <p:cNvPicPr>
+            <a:picLocks noChangeAspect="1" noChangeArrowheads="1"/>
+          </p:cNvPicPr>
+          <p:nvPr/>
+        </p:nvPicPr>
+        <p:blipFill>
+          <a:blip r:embed="rId2">
+            <a:extLst>
+              <a:ext uri="{28A0092B-C50C-407E-A947-70E740481C1C}">
+                <a14:useLocalDpi xmlns:a14="http://schemas.microsoft.com/office/drawing/2010/main" val="0"/>
+              </a:ext>
+            </a:extLst>
+          </a:blip>
+          <a:srcRect/>
+          <a:stretch>
+            <a:fillRect/>
+          </a:stretch>
+        </p:blipFill>
+        <p:spPr bwMode="auto">
+          <a:xfrm>
+            <a:off x="1662923" y="1690688"/>
+            <a:ext cx="8866154" cy="4961813"/>
+          </a:xfrm>
+          <a:prstGeom prst="rect">
+            <a:avLst/>
+          </a:prstGeom>
+          <a:noFill/>
+          <a:extLst>
+            <a:ext uri="{909E8E84-426E-40DD-AFC4-6F175D3DCCD1}">
+              <a14:hiddenFill xmlns:a14="http://schemas.microsoft.com/office/drawing/2010/main">
+                <a:solidFill>
+                  <a:srgbClr val="FFFFFF"/>
+                </a:solidFill>
+              </a14:hiddenFill>
+            </a:ext>
+          </a:extLst>
+        </p:spPr>
+      </p:pic>
+    </p:spTree>
+    <p:extLst>
+      <p:ext uri="{BB962C8B-B14F-4D97-AF65-F5344CB8AC3E}">
+        <p14:creationId xmlns:p14="http://schemas.microsoft.com/office/powerpoint/2010/main" val="2351765138"/>
       </p:ext>
     </p:extLst>
   </p:cSld>

--- a/RAML-seminar.pptx
+++ b/RAML-seminar.pptx
@@ -292,7 +292,7 @@
           <a:p>
             <a:fld id="{0D2575B7-F8F4-498B-9788-2D983DD7CF6B}" type="datetimeFigureOut">
               <a:rPr lang="en-DE" smtClean="0"/>
-              <a:t>15/05/2025</a:t>
+              <a:t>05/06/2025</a:t>
             </a:fld>
             <a:endParaRPr lang="en-DE"/>
           </a:p>
@@ -492,7 +492,7 @@
           <a:p>
             <a:fld id="{0D2575B7-F8F4-498B-9788-2D983DD7CF6B}" type="datetimeFigureOut">
               <a:rPr lang="en-DE" smtClean="0"/>
-              <a:t>15/05/2025</a:t>
+              <a:t>05/06/2025</a:t>
             </a:fld>
             <a:endParaRPr lang="en-DE"/>
           </a:p>
@@ -702,7 +702,7 @@
           <a:p>
             <a:fld id="{0D2575B7-F8F4-498B-9788-2D983DD7CF6B}" type="datetimeFigureOut">
               <a:rPr lang="en-DE" smtClean="0"/>
-              <a:t>15/05/2025</a:t>
+              <a:t>05/06/2025</a:t>
             </a:fld>
             <a:endParaRPr lang="en-DE"/>
           </a:p>
@@ -902,7 +902,7 @@
           <a:p>
             <a:fld id="{0D2575B7-F8F4-498B-9788-2D983DD7CF6B}" type="datetimeFigureOut">
               <a:rPr lang="en-DE" smtClean="0"/>
-              <a:t>15/05/2025</a:t>
+              <a:t>05/06/2025</a:t>
             </a:fld>
             <a:endParaRPr lang="en-DE"/>
           </a:p>
@@ -1178,7 +1178,7 @@
           <a:p>
             <a:fld id="{0D2575B7-F8F4-498B-9788-2D983DD7CF6B}" type="datetimeFigureOut">
               <a:rPr lang="en-DE" smtClean="0"/>
-              <a:t>15/05/2025</a:t>
+              <a:t>05/06/2025</a:t>
             </a:fld>
             <a:endParaRPr lang="en-DE"/>
           </a:p>
@@ -1446,7 +1446,7 @@
           <a:p>
             <a:fld id="{0D2575B7-F8F4-498B-9788-2D983DD7CF6B}" type="datetimeFigureOut">
               <a:rPr lang="en-DE" smtClean="0"/>
-              <a:t>15/05/2025</a:t>
+              <a:t>05/06/2025</a:t>
             </a:fld>
             <a:endParaRPr lang="en-DE"/>
           </a:p>
@@ -1861,7 +1861,7 @@
           <a:p>
             <a:fld id="{0D2575B7-F8F4-498B-9788-2D983DD7CF6B}" type="datetimeFigureOut">
               <a:rPr lang="en-DE" smtClean="0"/>
-              <a:t>15/05/2025</a:t>
+              <a:t>05/06/2025</a:t>
             </a:fld>
             <a:endParaRPr lang="en-DE"/>
           </a:p>
@@ -2003,7 +2003,7 @@
           <a:p>
             <a:fld id="{0D2575B7-F8F4-498B-9788-2D983DD7CF6B}" type="datetimeFigureOut">
               <a:rPr lang="en-DE" smtClean="0"/>
-              <a:t>15/05/2025</a:t>
+              <a:t>05/06/2025</a:t>
             </a:fld>
             <a:endParaRPr lang="en-DE"/>
           </a:p>
@@ -2116,7 +2116,7 @@
           <a:p>
             <a:fld id="{0D2575B7-F8F4-498B-9788-2D983DD7CF6B}" type="datetimeFigureOut">
               <a:rPr lang="en-DE" smtClean="0"/>
-              <a:t>15/05/2025</a:t>
+              <a:t>05/06/2025</a:t>
             </a:fld>
             <a:endParaRPr lang="en-DE"/>
           </a:p>
@@ -2429,7 +2429,7 @@
           <a:p>
             <a:fld id="{0D2575B7-F8F4-498B-9788-2D983DD7CF6B}" type="datetimeFigureOut">
               <a:rPr lang="en-DE" smtClean="0"/>
-              <a:t>15/05/2025</a:t>
+              <a:t>05/06/2025</a:t>
             </a:fld>
             <a:endParaRPr lang="en-DE"/>
           </a:p>
@@ -2718,7 +2718,7 @@
           <a:p>
             <a:fld id="{0D2575B7-F8F4-498B-9788-2D983DD7CF6B}" type="datetimeFigureOut">
               <a:rPr lang="en-DE" smtClean="0"/>
-              <a:t>15/05/2025</a:t>
+              <a:t>05/06/2025</a:t>
             </a:fld>
             <a:endParaRPr lang="en-DE"/>
           </a:p>
@@ -2961,7 +2961,7 @@
           <a:p>
             <a:fld id="{0D2575B7-F8F4-498B-9788-2D983DD7CF6B}" type="datetimeFigureOut">
               <a:rPr lang="en-DE" smtClean="0"/>
-              <a:t>15/05/2025</a:t>
+              <a:t>05/06/2025</a:t>
             </a:fld>
             <a:endParaRPr lang="en-DE"/>
           </a:p>
@@ -3515,12 +3515,6 @@
         <p:txBody>
           <a:bodyPr/>
           <a:lstStyle/>
-          <a:p>
-            <a:r>
-              <a:rPr lang="en-GB" strike="sngStrike" dirty="0"/>
-              <a:t>Only aims to retrieve a single needle with limited context size</a:t>
-            </a:r>
-          </a:p>
           <a:p>
             <a:endParaRPr lang="en-GB" dirty="0"/>
           </a:p>

--- a/RAML-seminar.pptx
+++ b/RAML-seminar.pptx
@@ -16,27 +16,30 @@
     <p:sldId id="267" r:id="rId10"/>
     <p:sldId id="270" r:id="rId11"/>
     <p:sldId id="269" r:id="rId12"/>
-    <p:sldId id="268" r:id="rId13"/>
-    <p:sldId id="271" r:id="rId14"/>
-    <p:sldId id="260" r:id="rId15"/>
-    <p:sldId id="273" r:id="rId16"/>
-    <p:sldId id="274" r:id="rId17"/>
-    <p:sldId id="275" r:id="rId18"/>
-    <p:sldId id="276" r:id="rId19"/>
-    <p:sldId id="277" r:id="rId20"/>
-    <p:sldId id="282" r:id="rId21"/>
-    <p:sldId id="278" r:id="rId22"/>
-    <p:sldId id="280" r:id="rId23"/>
-    <p:sldId id="283" r:id="rId24"/>
-    <p:sldId id="284" r:id="rId25"/>
-    <p:sldId id="288" r:id="rId26"/>
-    <p:sldId id="290" r:id="rId27"/>
-    <p:sldId id="291" r:id="rId28"/>
-    <p:sldId id="287" r:id="rId29"/>
-    <p:sldId id="286" r:id="rId30"/>
-    <p:sldId id="292" r:id="rId31"/>
-    <p:sldId id="293" r:id="rId32"/>
-    <p:sldId id="258" r:id="rId33"/>
+    <p:sldId id="271" r:id="rId13"/>
+    <p:sldId id="296" r:id="rId14"/>
+    <p:sldId id="297" r:id="rId15"/>
+    <p:sldId id="294" r:id="rId16"/>
+    <p:sldId id="268" r:id="rId17"/>
+    <p:sldId id="260" r:id="rId18"/>
+    <p:sldId id="273" r:id="rId19"/>
+    <p:sldId id="274" r:id="rId20"/>
+    <p:sldId id="275" r:id="rId21"/>
+    <p:sldId id="276" r:id="rId22"/>
+    <p:sldId id="277" r:id="rId23"/>
+    <p:sldId id="282" r:id="rId24"/>
+    <p:sldId id="278" r:id="rId25"/>
+    <p:sldId id="280" r:id="rId26"/>
+    <p:sldId id="283" r:id="rId27"/>
+    <p:sldId id="284" r:id="rId28"/>
+    <p:sldId id="288" r:id="rId29"/>
+    <p:sldId id="290" r:id="rId30"/>
+    <p:sldId id="291" r:id="rId31"/>
+    <p:sldId id="287" r:id="rId32"/>
+    <p:sldId id="286" r:id="rId33"/>
+    <p:sldId id="292" r:id="rId34"/>
+    <p:sldId id="293" r:id="rId35"/>
+    <p:sldId id="258" r:id="rId36"/>
   </p:sldIdLst>
   <p:sldSz cx="12192000" cy="6858000"/>
   <p:notesSz cx="6858000" cy="9144000"/>
@@ -346,7 +349,7 @@
           <a:p>
             <a:fld id="{6E48C444-49EF-43A8-BA88-4997BAE5929E}" type="slidenum">
               <a:rPr lang="en-DE" smtClean="0"/>
-              <a:t>‹Nr.›</a:t>
+              <a:t>‹#›</a:t>
             </a:fld>
             <a:endParaRPr lang="en-DE"/>
           </a:p>
@@ -546,7 +549,7 @@
           <a:p>
             <a:fld id="{6E48C444-49EF-43A8-BA88-4997BAE5929E}" type="slidenum">
               <a:rPr lang="en-DE" smtClean="0"/>
-              <a:t>‹Nr.›</a:t>
+              <a:t>‹#›</a:t>
             </a:fld>
             <a:endParaRPr lang="en-DE"/>
           </a:p>
@@ -756,7 +759,7 @@
           <a:p>
             <a:fld id="{6E48C444-49EF-43A8-BA88-4997BAE5929E}" type="slidenum">
               <a:rPr lang="en-DE" smtClean="0"/>
-              <a:t>‹Nr.›</a:t>
+              <a:t>‹#›</a:t>
             </a:fld>
             <a:endParaRPr lang="en-DE"/>
           </a:p>
@@ -956,7 +959,7 @@
           <a:p>
             <a:fld id="{6E48C444-49EF-43A8-BA88-4997BAE5929E}" type="slidenum">
               <a:rPr lang="en-DE" smtClean="0"/>
-              <a:t>‹Nr.›</a:t>
+              <a:t>‹#›</a:t>
             </a:fld>
             <a:endParaRPr lang="en-DE"/>
           </a:p>
@@ -1232,7 +1235,7 @@
           <a:p>
             <a:fld id="{6E48C444-49EF-43A8-BA88-4997BAE5929E}" type="slidenum">
               <a:rPr lang="en-DE" smtClean="0"/>
-              <a:t>‹Nr.›</a:t>
+              <a:t>‹#›</a:t>
             </a:fld>
             <a:endParaRPr lang="en-DE"/>
           </a:p>
@@ -1500,7 +1503,7 @@
           <a:p>
             <a:fld id="{6E48C444-49EF-43A8-BA88-4997BAE5929E}" type="slidenum">
               <a:rPr lang="en-DE" smtClean="0"/>
-              <a:t>‹Nr.›</a:t>
+              <a:t>‹#›</a:t>
             </a:fld>
             <a:endParaRPr lang="en-DE"/>
           </a:p>
@@ -1915,7 +1918,7 @@
           <a:p>
             <a:fld id="{6E48C444-49EF-43A8-BA88-4997BAE5929E}" type="slidenum">
               <a:rPr lang="en-DE" smtClean="0"/>
-              <a:t>‹Nr.›</a:t>
+              <a:t>‹#›</a:t>
             </a:fld>
             <a:endParaRPr lang="en-DE"/>
           </a:p>
@@ -2057,7 +2060,7 @@
           <a:p>
             <a:fld id="{6E48C444-49EF-43A8-BA88-4997BAE5929E}" type="slidenum">
               <a:rPr lang="en-DE" smtClean="0"/>
-              <a:t>‹Nr.›</a:t>
+              <a:t>‹#›</a:t>
             </a:fld>
             <a:endParaRPr lang="en-DE"/>
           </a:p>
@@ -2170,7 +2173,7 @@
           <a:p>
             <a:fld id="{6E48C444-49EF-43A8-BA88-4997BAE5929E}" type="slidenum">
               <a:rPr lang="en-DE" smtClean="0"/>
-              <a:t>‹Nr.›</a:t>
+              <a:t>‹#›</a:t>
             </a:fld>
             <a:endParaRPr lang="en-DE"/>
           </a:p>
@@ -2483,7 +2486,7 @@
           <a:p>
             <a:fld id="{6E48C444-49EF-43A8-BA88-4997BAE5929E}" type="slidenum">
               <a:rPr lang="en-DE" smtClean="0"/>
-              <a:t>‹Nr.›</a:t>
+              <a:t>‹#›</a:t>
             </a:fld>
             <a:endParaRPr lang="en-DE"/>
           </a:p>
@@ -2772,7 +2775,7 @@
           <a:p>
             <a:fld id="{6E48C444-49EF-43A8-BA88-4997BAE5929E}" type="slidenum">
               <a:rPr lang="en-DE" smtClean="0"/>
-              <a:t>‹Nr.›</a:t>
+              <a:t>‹#›</a:t>
             </a:fld>
             <a:endParaRPr lang="en-DE"/>
           </a:p>
@@ -3051,7 +3054,7 @@
           <a:p>
             <a:fld id="{6E48C444-49EF-43A8-BA88-4997BAE5929E}" type="slidenum">
               <a:rPr lang="en-DE" smtClean="0"/>
-              <a:t>‹Nr.›</a:t>
+              <a:t>‹#›</a:t>
             </a:fld>
             <a:endParaRPr lang="en-DE"/>
           </a:p>
@@ -3583,12 +3586,14 @@
         </p:nvSpPr>
         <p:spPr/>
         <p:txBody>
-          <a:bodyPr/>
+          <a:bodyPr>
+            <a:normAutofit/>
+          </a:bodyPr>
           <a:lstStyle/>
           <a:p>
             <a:r>
               <a:rPr lang="en-GB" dirty="0"/>
-              <a:t>Building on NIHS</a:t>
+              <a:t>Related Works</a:t>
             </a:r>
             <a:endParaRPr lang="en-DE" dirty="0"/>
           </a:p>
@@ -3654,7 +3659,7 @@
           <p:cNvPr id="2" name="Titel 1">
             <a:extLst>
               <a:ext uri="{FF2B5EF4-FFF2-40B4-BE49-F238E27FC236}">
-                <a16:creationId xmlns:a16="http://schemas.microsoft.com/office/drawing/2014/main" id="{FDF90426-0EFA-0B7E-EA54-399D2CDB9260}"/>
+                <a16:creationId xmlns:a16="http://schemas.microsoft.com/office/drawing/2014/main" id="{8CBF6D7F-65F1-F643-6DDE-A5A8FF071545}"/>
               </a:ext>
             </a:extLst>
           </p:cNvPr>
@@ -3671,77 +3676,61 @@
           <a:lstStyle/>
           <a:p>
             <a:r>
+              <a:rPr lang="en-GB" dirty="0"/>
+              <a:t>Needle bench – Related Work </a:t>
+            </a:r>
+            <a:endParaRPr lang="en-DE" dirty="0"/>
+          </a:p>
+        </p:txBody>
+      </p:sp>
+      <p:sp>
+        <p:nvSpPr>
+          <p:cNvPr id="3" name="Inhaltsplatzhalter 2">
+            <a:extLst>
+              <a:ext uri="{FF2B5EF4-FFF2-40B4-BE49-F238E27FC236}">
+                <a16:creationId xmlns:a16="http://schemas.microsoft.com/office/drawing/2014/main" id="{D5FCFF1C-6932-DD0B-5089-4BDF43D5AFE4}"/>
+              </a:ext>
+            </a:extLst>
+          </p:cNvPr>
+          <p:cNvSpPr>
+            <a:spLocks noGrp="1"/>
+          </p:cNvSpPr>
+          <p:nvPr>
+            <p:ph idx="1"/>
+          </p:nvPr>
+        </p:nvSpPr>
+        <p:spPr/>
+        <p:txBody>
+          <a:bodyPr/>
+          <a:lstStyle/>
+          <a:p>
+            <a:r>
+              <a:rPr lang="en-GB" dirty="0"/>
+              <a:t>RULER (Hsieh et al.): shows that passing retrieval tests does not always mean robust understanding. Models can focus on certain key points to find the needle.</a:t>
+            </a:r>
+          </a:p>
+          <a:p>
+            <a:endParaRPr lang="en-GB" dirty="0"/>
+          </a:p>
+          <a:p>
+            <a:r>
               <a:rPr lang="en-GB" dirty="0" err="1"/>
-              <a:t>NeedleBench</a:t>
+              <a:t>LongBench</a:t>
             </a:r>
             <a:r>
               <a:rPr lang="en-GB" dirty="0"/>
-              <a:t>: Can LLMs Do Retrieval and Reasoning in Information-Dense Context?</a:t>
-            </a:r>
+              <a:t>(Bai et al.): more realistic tests run the risk of allowing the model to rely on its general knowledge to answer the test questions even without finding the needle </a:t>
+            </a:r>
+          </a:p>
+          <a:p>
             <a:endParaRPr lang="en-DE" dirty="0"/>
-          </a:p>
-        </p:txBody>
-      </p:sp>
-      <p:sp>
-        <p:nvSpPr>
-          <p:cNvPr id="3" name="Inhaltsplatzhalter 2">
-            <a:extLst>
-              <a:ext uri="{FF2B5EF4-FFF2-40B4-BE49-F238E27FC236}">
-                <a16:creationId xmlns:a16="http://schemas.microsoft.com/office/drawing/2014/main" id="{ABF3A2D6-F865-CD19-DA36-19CFB875097E}"/>
-              </a:ext>
-            </a:extLst>
-          </p:cNvPr>
-          <p:cNvSpPr>
-            <a:spLocks noGrp="1"/>
-          </p:cNvSpPr>
-          <p:nvPr>
-            <p:ph idx="1"/>
-          </p:nvPr>
-        </p:nvSpPr>
-        <p:spPr/>
-        <p:txBody>
-          <a:bodyPr/>
-          <a:lstStyle/>
-          <a:p>
-            <a:pPr marL="0" indent="0">
-              <a:buNone/>
-            </a:pPr>
-            <a:endParaRPr lang="en-GB" dirty="0"/>
-          </a:p>
-          <a:p>
-            <a:r>
-              <a:rPr lang="en-GB" dirty="0"/>
-              <a:t>Published by Mo Li et al. in </a:t>
-            </a:r>
-            <a:r>
-              <a:rPr lang="en-GB" dirty="0">
-                <a:hlinkClick r:id="rId2"/>
-              </a:rPr>
-              <a:t>https://arxiv.org/abs/2407.11963</a:t>
-            </a:r>
-            <a:endParaRPr lang="en-GB" dirty="0"/>
-          </a:p>
-          <a:p>
-            <a:endParaRPr lang="en-GB" dirty="0"/>
-          </a:p>
-          <a:p>
-            <a:r>
-              <a:rPr lang="en-GB" dirty="0"/>
-              <a:t> Aims to provide a more sophisticated Benchmarking framework</a:t>
-            </a:r>
-          </a:p>
-          <a:p>
-            <a:pPr marL="0" indent="0">
-              <a:buNone/>
-            </a:pPr>
-            <a:endParaRPr lang="en-GB" dirty="0"/>
           </a:p>
         </p:txBody>
       </p:sp>
     </p:spTree>
     <p:extLst>
       <p:ext uri="{BB962C8B-B14F-4D97-AF65-F5344CB8AC3E}">
-        <p14:creationId xmlns:p14="http://schemas.microsoft.com/office/powerpoint/2010/main" val="2835087300"/>
+        <p14:creationId xmlns:p14="http://schemas.microsoft.com/office/powerpoint/2010/main" val="3650139482"/>
       </p:ext>
     </p:extLst>
   </p:cSld>
@@ -3752,6 +3741,314 @@
 </file>
 
 <file path=ppt/slides/slide13.xml><?xml version="1.0" encoding="utf-8"?>
+<p:sld xmlns:a="http://schemas.openxmlformats.org/drawingml/2006/main" xmlns:r="http://schemas.openxmlformats.org/officeDocument/2006/relationships" xmlns:p="http://schemas.openxmlformats.org/presentationml/2006/main">
+  <p:cSld>
+    <p:spTree>
+      <p:nvGrpSpPr>
+        <p:cNvPr id="1" name="">
+          <a:extLst>
+            <a:ext uri="{FF2B5EF4-FFF2-40B4-BE49-F238E27FC236}">
+              <a16:creationId xmlns:a16="http://schemas.microsoft.com/office/drawing/2014/main" id="{03F8CEDA-BA04-5363-C865-339F22F39CEE}"/>
+            </a:ext>
+          </a:extLst>
+        </p:cNvPr>
+        <p:cNvGrpSpPr/>
+        <p:nvPr/>
+      </p:nvGrpSpPr>
+      <p:grpSpPr>
+        <a:xfrm>
+          <a:off x="0" y="0"/>
+          <a:ext cx="0" cy="0"/>
+          <a:chOff x="0" y="0"/>
+          <a:chExt cx="0" cy="0"/>
+        </a:xfrm>
+      </p:grpSpPr>
+      <p:sp>
+        <p:nvSpPr>
+          <p:cNvPr id="2" name="Titel 1">
+            <a:extLst>
+              <a:ext uri="{FF2B5EF4-FFF2-40B4-BE49-F238E27FC236}">
+                <a16:creationId xmlns:a16="http://schemas.microsoft.com/office/drawing/2014/main" id="{BD6B9536-665A-5E12-4888-0EA7C0B18506}"/>
+              </a:ext>
+            </a:extLst>
+          </p:cNvPr>
+          <p:cNvSpPr>
+            <a:spLocks noGrp="1"/>
+          </p:cNvSpPr>
+          <p:nvPr>
+            <p:ph type="title"/>
+          </p:nvPr>
+        </p:nvSpPr>
+        <p:spPr/>
+        <p:txBody>
+          <a:bodyPr/>
+          <a:lstStyle/>
+          <a:p>
+            <a:r>
+              <a:rPr lang="en-GB" dirty="0"/>
+              <a:t>Needle bench – Related Work </a:t>
+            </a:r>
+            <a:endParaRPr lang="en-DE" dirty="0"/>
+          </a:p>
+        </p:txBody>
+      </p:sp>
+      <p:sp>
+        <p:nvSpPr>
+          <p:cNvPr id="3" name="Inhaltsplatzhalter 2">
+            <a:extLst>
+              <a:ext uri="{FF2B5EF4-FFF2-40B4-BE49-F238E27FC236}">
+                <a16:creationId xmlns:a16="http://schemas.microsoft.com/office/drawing/2014/main" id="{B7132A56-DC31-D32B-1C13-C02964355738}"/>
+              </a:ext>
+            </a:extLst>
+          </p:cNvPr>
+          <p:cNvSpPr>
+            <a:spLocks noGrp="1"/>
+          </p:cNvSpPr>
+          <p:nvPr>
+            <p:ph idx="1"/>
+          </p:nvPr>
+        </p:nvSpPr>
+        <p:spPr/>
+        <p:txBody>
+          <a:bodyPr/>
+          <a:lstStyle/>
+          <a:p>
+            <a:r>
+              <a:rPr lang="en-GB" dirty="0"/>
+              <a:t>RULER (Hsieh et al.): shows that passing retrieval tests does not always mean robust understanding. Models can focus on certain key points to find the needle.</a:t>
+            </a:r>
+          </a:p>
+          <a:p>
+            <a:endParaRPr lang="en-GB" dirty="0"/>
+          </a:p>
+          <a:p>
+            <a:r>
+              <a:rPr lang="en-GB" dirty="0" err="1"/>
+              <a:t>LongBench</a:t>
+            </a:r>
+            <a:r>
+              <a:rPr lang="en-GB" dirty="0"/>
+              <a:t>(Bai et al.): more realistic tests run the risk of allowing the model to rely on its general knowledge to answer the test questions even without finding the needle </a:t>
+            </a:r>
+          </a:p>
+          <a:p>
+            <a:endParaRPr lang="en-DE" dirty="0"/>
+          </a:p>
+        </p:txBody>
+      </p:sp>
+    </p:spTree>
+    <p:extLst>
+      <p:ext uri="{BB962C8B-B14F-4D97-AF65-F5344CB8AC3E}">
+        <p14:creationId xmlns:p14="http://schemas.microsoft.com/office/powerpoint/2010/main" val="1771912190"/>
+      </p:ext>
+    </p:extLst>
+  </p:cSld>
+  <p:clrMapOvr>
+    <a:masterClrMapping/>
+  </p:clrMapOvr>
+</p:sld>
+</file>
+
+<file path=ppt/slides/slide14.xml><?xml version="1.0" encoding="utf-8"?>
+<p:sld xmlns:a="http://schemas.openxmlformats.org/drawingml/2006/main" xmlns:r="http://schemas.openxmlformats.org/officeDocument/2006/relationships" xmlns:p="http://schemas.openxmlformats.org/presentationml/2006/main">
+  <p:cSld>
+    <p:spTree>
+      <p:nvGrpSpPr>
+        <p:cNvPr id="1" name="">
+          <a:extLst>
+            <a:ext uri="{FF2B5EF4-FFF2-40B4-BE49-F238E27FC236}">
+              <a16:creationId xmlns:a16="http://schemas.microsoft.com/office/drawing/2014/main" id="{94B9856E-9024-245D-BE17-3FB2299BDCE3}"/>
+            </a:ext>
+          </a:extLst>
+        </p:cNvPr>
+        <p:cNvGrpSpPr/>
+        <p:nvPr/>
+      </p:nvGrpSpPr>
+      <p:grpSpPr>
+        <a:xfrm>
+          <a:off x="0" y="0"/>
+          <a:ext cx="0" cy="0"/>
+          <a:chOff x="0" y="0"/>
+          <a:chExt cx="0" cy="0"/>
+        </a:xfrm>
+      </p:grpSpPr>
+      <p:sp>
+        <p:nvSpPr>
+          <p:cNvPr id="2" name="Titel 1">
+            <a:extLst>
+              <a:ext uri="{FF2B5EF4-FFF2-40B4-BE49-F238E27FC236}">
+                <a16:creationId xmlns:a16="http://schemas.microsoft.com/office/drawing/2014/main" id="{E9453294-2283-1F0F-B5FA-E1E4AE2641C4}"/>
+              </a:ext>
+            </a:extLst>
+          </p:cNvPr>
+          <p:cNvSpPr>
+            <a:spLocks noGrp="1"/>
+          </p:cNvSpPr>
+          <p:nvPr>
+            <p:ph type="title"/>
+          </p:nvPr>
+        </p:nvSpPr>
+        <p:spPr/>
+        <p:txBody>
+          <a:bodyPr/>
+          <a:lstStyle/>
+          <a:p>
+            <a:r>
+              <a:rPr lang="en-GB" dirty="0"/>
+              <a:t>Needle bench – Related Work </a:t>
+            </a:r>
+            <a:endParaRPr lang="en-DE" dirty="0"/>
+          </a:p>
+        </p:txBody>
+      </p:sp>
+      <p:sp>
+        <p:nvSpPr>
+          <p:cNvPr id="3" name="Inhaltsplatzhalter 2">
+            <a:extLst>
+              <a:ext uri="{FF2B5EF4-FFF2-40B4-BE49-F238E27FC236}">
+                <a16:creationId xmlns:a16="http://schemas.microsoft.com/office/drawing/2014/main" id="{C5D21FB5-0051-A87E-91EF-B052B74BC3D3}"/>
+              </a:ext>
+            </a:extLst>
+          </p:cNvPr>
+          <p:cNvSpPr>
+            <a:spLocks noGrp="1"/>
+          </p:cNvSpPr>
+          <p:nvPr>
+            <p:ph idx="1"/>
+          </p:nvPr>
+        </p:nvSpPr>
+        <p:spPr/>
+        <p:txBody>
+          <a:bodyPr/>
+          <a:lstStyle/>
+          <a:p>
+            <a:r>
+              <a:rPr lang="en-GB" dirty="0"/>
+              <a:t>RULER (Hsieh et al.): shows that passing retrieval tests does not always mean robust understanding. Models can focus on certain key points to find the needle.</a:t>
+            </a:r>
+          </a:p>
+          <a:p>
+            <a:endParaRPr lang="en-GB" dirty="0"/>
+          </a:p>
+          <a:p>
+            <a:r>
+              <a:rPr lang="en-GB" dirty="0" err="1"/>
+              <a:t>LongBench</a:t>
+            </a:r>
+            <a:r>
+              <a:rPr lang="en-GB" dirty="0"/>
+              <a:t>(Bai et al.): more realistic tests run the risk of allowing the model to rely on its general knowledge to answer the test questions even without finding the needle </a:t>
+            </a:r>
+          </a:p>
+          <a:p>
+            <a:endParaRPr lang="en-DE" dirty="0"/>
+          </a:p>
+        </p:txBody>
+      </p:sp>
+    </p:spTree>
+    <p:extLst>
+      <p:ext uri="{BB962C8B-B14F-4D97-AF65-F5344CB8AC3E}">
+        <p14:creationId xmlns:p14="http://schemas.microsoft.com/office/powerpoint/2010/main" val="3005591937"/>
+      </p:ext>
+    </p:extLst>
+  </p:cSld>
+  <p:clrMapOvr>
+    <a:masterClrMapping/>
+  </p:clrMapOvr>
+</p:sld>
+</file>
+
+<file path=ppt/slides/slide15.xml><?xml version="1.0" encoding="utf-8"?>
+<p:sld xmlns:a="http://schemas.openxmlformats.org/drawingml/2006/main" xmlns:r="http://schemas.openxmlformats.org/officeDocument/2006/relationships" xmlns:p="http://schemas.openxmlformats.org/presentationml/2006/main">
+  <p:cSld>
+    <p:spTree>
+      <p:nvGrpSpPr>
+        <p:cNvPr id="1" name="">
+          <a:extLst>
+            <a:ext uri="{FF2B5EF4-FFF2-40B4-BE49-F238E27FC236}">
+              <a16:creationId xmlns:a16="http://schemas.microsoft.com/office/drawing/2014/main" id="{163BCAB4-A2BD-53AA-83A7-B48D991DEB6B}"/>
+            </a:ext>
+          </a:extLst>
+        </p:cNvPr>
+        <p:cNvGrpSpPr/>
+        <p:nvPr/>
+      </p:nvGrpSpPr>
+      <p:grpSpPr>
+        <a:xfrm>
+          <a:off x="0" y="0"/>
+          <a:ext cx="0" cy="0"/>
+          <a:chOff x="0" y="0"/>
+          <a:chExt cx="0" cy="0"/>
+        </a:xfrm>
+      </p:grpSpPr>
+      <p:sp>
+        <p:nvSpPr>
+          <p:cNvPr id="2" name="Titel 1">
+            <a:extLst>
+              <a:ext uri="{FF2B5EF4-FFF2-40B4-BE49-F238E27FC236}">
+                <a16:creationId xmlns:a16="http://schemas.microsoft.com/office/drawing/2014/main" id="{1B42458B-BE1C-D92E-2ABF-7411E742371E}"/>
+              </a:ext>
+            </a:extLst>
+          </p:cNvPr>
+          <p:cNvSpPr>
+            <a:spLocks noGrp="1"/>
+          </p:cNvSpPr>
+          <p:nvPr>
+            <p:ph type="ctrTitle"/>
+          </p:nvPr>
+        </p:nvSpPr>
+        <p:spPr/>
+        <p:txBody>
+          <a:bodyPr/>
+          <a:lstStyle/>
+          <a:p>
+            <a:r>
+              <a:rPr lang="en-GB" dirty="0"/>
+              <a:t> NIHS Benchmark</a:t>
+            </a:r>
+            <a:endParaRPr lang="en-DE" dirty="0"/>
+          </a:p>
+        </p:txBody>
+      </p:sp>
+      <p:sp>
+        <p:nvSpPr>
+          <p:cNvPr id="3" name="Untertitel 2">
+            <a:extLst>
+              <a:ext uri="{FF2B5EF4-FFF2-40B4-BE49-F238E27FC236}">
+                <a16:creationId xmlns:a16="http://schemas.microsoft.com/office/drawing/2014/main" id="{1A27C7E4-2063-C74A-87B9-6EDD09AD13F2}"/>
+              </a:ext>
+            </a:extLst>
+          </p:cNvPr>
+          <p:cNvSpPr>
+            <a:spLocks noGrp="1"/>
+          </p:cNvSpPr>
+          <p:nvPr>
+            <p:ph type="subTitle" idx="1"/>
+          </p:nvPr>
+        </p:nvSpPr>
+        <p:spPr/>
+        <p:txBody>
+          <a:bodyPr/>
+          <a:lstStyle/>
+          <a:p>
+            <a:endParaRPr lang="en-DE"/>
+          </a:p>
+        </p:txBody>
+      </p:sp>
+    </p:spTree>
+    <p:extLst>
+      <p:ext uri="{BB962C8B-B14F-4D97-AF65-F5344CB8AC3E}">
+        <p14:creationId xmlns:p14="http://schemas.microsoft.com/office/powerpoint/2010/main" val="2562486969"/>
+      </p:ext>
+    </p:extLst>
+  </p:cSld>
+  <p:clrMapOvr>
+    <a:masterClrMapping/>
+  </p:clrMapOvr>
+</p:sld>
+</file>
+
+<file path=ppt/slides/slide16.xml><?xml version="1.0" encoding="utf-8"?>
 <p:sld xmlns:a="http://schemas.openxmlformats.org/drawingml/2006/main" xmlns:r="http://schemas.openxmlformats.org/officeDocument/2006/relationships" xmlns:p="http://schemas.openxmlformats.org/presentationml/2006/main">
   <p:cSld>
     <p:spTree>
@@ -3773,7 +4070,7 @@
           <p:cNvPr id="2" name="Titel 1">
             <a:extLst>
               <a:ext uri="{FF2B5EF4-FFF2-40B4-BE49-F238E27FC236}">
-                <a16:creationId xmlns:a16="http://schemas.microsoft.com/office/drawing/2014/main" id="{8CBF6D7F-65F1-F643-6DDE-A5A8FF071545}"/>
+                <a16:creationId xmlns:a16="http://schemas.microsoft.com/office/drawing/2014/main" id="{FDF90426-0EFA-0B7E-EA54-399D2CDB9260}"/>
               </a:ext>
             </a:extLst>
           </p:cNvPr>
@@ -3790,8 +4087,12 @@
           <a:lstStyle/>
           <a:p>
             <a:r>
+              <a:rPr lang="en-GB" dirty="0" err="1"/>
+              <a:t>NeedleBench</a:t>
+            </a:r>
+            <a:r>
               <a:rPr lang="en-GB" dirty="0"/>
-              <a:t>Needle bench – Related Work </a:t>
+              <a:t>: Can LLMs Do Retrieval and Reasoning in Information-Dense Context?</a:t>
             </a:r>
             <a:endParaRPr lang="en-DE" dirty="0"/>
           </a:p>
@@ -3802,7 +4103,7 @@
           <p:cNvPr id="3" name="Inhaltsplatzhalter 2">
             <a:extLst>
               <a:ext uri="{FF2B5EF4-FFF2-40B4-BE49-F238E27FC236}">
-                <a16:creationId xmlns:a16="http://schemas.microsoft.com/office/drawing/2014/main" id="{D5FCFF1C-6932-DD0B-5089-4BDF43D5AFE4}"/>
+                <a16:creationId xmlns:a16="http://schemas.microsoft.com/office/drawing/2014/main" id="{ABF3A2D6-F865-CD19-DA36-19CFB875097E}"/>
               </a:ext>
             </a:extLst>
           </p:cNvPr>
@@ -3818,33 +4119,45 @@
           <a:bodyPr/>
           <a:lstStyle/>
           <a:p>
+            <a:pPr marL="0" indent="0">
+              <a:buNone/>
+            </a:pPr>
+            <a:endParaRPr lang="en-GB" dirty="0"/>
+          </a:p>
+          <a:p>
             <a:r>
               <a:rPr lang="en-GB" dirty="0"/>
-              <a:t>RULER (Hsieh et al.): shows that passing retrieval tests does not always mean robust understanding. Models can focus on certain key points to find the needle.</a:t>
-            </a:r>
-          </a:p>
-          <a:p>
+              <a:t>Published by Mo Li et al. in </a:t>
+            </a:r>
+            <a:r>
+              <a:rPr lang="en-GB" dirty="0">
+                <a:hlinkClick r:id="rId2"/>
+              </a:rPr>
+              <a:t>https://arxiv.org/abs/2407.11963</a:t>
+            </a:r>
             <a:endParaRPr lang="en-GB" dirty="0"/>
           </a:p>
           <a:p>
-            <a:r>
-              <a:rPr lang="en-GB" dirty="0" err="1"/>
-              <a:t>LongBench</a:t>
-            </a:r>
+            <a:endParaRPr lang="en-GB" dirty="0"/>
+          </a:p>
+          <a:p>
             <a:r>
               <a:rPr lang="en-GB" dirty="0"/>
-              <a:t>(Bai et al.): more realistic tests run the risk of allowing the model to rely on its general knowledge to answer the test questions even without finding the needle </a:t>
-            </a:r>
-          </a:p>
-          <a:p>
-            <a:endParaRPr lang="en-DE" dirty="0"/>
+              <a:t> Aims to provide a more sophisticated Benchmarking framework</a:t>
+            </a:r>
+          </a:p>
+          <a:p>
+            <a:pPr marL="0" indent="0">
+              <a:buNone/>
+            </a:pPr>
+            <a:endParaRPr lang="en-GB" dirty="0"/>
           </a:p>
         </p:txBody>
       </p:sp>
     </p:spTree>
     <p:extLst>
       <p:ext uri="{BB962C8B-B14F-4D97-AF65-F5344CB8AC3E}">
-        <p14:creationId xmlns:p14="http://schemas.microsoft.com/office/powerpoint/2010/main" val="3650139482"/>
+        <p14:creationId xmlns:p14="http://schemas.microsoft.com/office/powerpoint/2010/main" val="2835087300"/>
       </p:ext>
     </p:extLst>
   </p:cSld>
@@ -3854,7 +4167,7 @@
 </p:sld>
 </file>
 
-<file path=ppt/slides/slide14.xml><?xml version="1.0" encoding="utf-8"?>
+<file path=ppt/slides/slide17.xml><?xml version="1.0" encoding="utf-8"?>
 <p:sld xmlns:a="http://schemas.openxmlformats.org/drawingml/2006/main" xmlns:r="http://schemas.openxmlformats.org/officeDocument/2006/relationships" xmlns:p="http://schemas.openxmlformats.org/presentationml/2006/main">
   <p:cSld>
     <p:spTree>
@@ -3968,7 +4281,7 @@
 </p:sld>
 </file>
 
-<file path=ppt/slides/slide15.xml><?xml version="1.0" encoding="utf-8"?>
+<file path=ppt/slides/slide18.xml><?xml version="1.0" encoding="utf-8"?>
 <p:sld xmlns:a="http://schemas.openxmlformats.org/drawingml/2006/main" xmlns:r="http://schemas.openxmlformats.org/officeDocument/2006/relationships" xmlns:p="http://schemas.openxmlformats.org/presentationml/2006/main">
   <p:cSld>
     <p:spTree>
@@ -4102,7 +4415,7 @@
 </p:sld>
 </file>
 
-<file path=ppt/slides/slide16.xml><?xml version="1.0" encoding="utf-8"?>
+<file path=ppt/slides/slide19.xml><?xml version="1.0" encoding="utf-8"?>
 <p:sld xmlns:a="http://schemas.openxmlformats.org/drawingml/2006/main" xmlns:r="http://schemas.openxmlformats.org/officeDocument/2006/relationships" xmlns:p="http://schemas.openxmlformats.org/presentationml/2006/main">
   <p:cSld>
     <p:spTree>
@@ -4198,7 +4511,168 @@
 </p:sld>
 </file>
 
-<file path=ppt/slides/slide17.xml><?xml version="1.0" encoding="utf-8"?>
+<file path=ppt/slides/slide2.xml><?xml version="1.0" encoding="utf-8"?>
+<p:sld xmlns:a="http://schemas.openxmlformats.org/drawingml/2006/main" xmlns:r="http://schemas.openxmlformats.org/officeDocument/2006/relationships" xmlns:p="http://schemas.openxmlformats.org/presentationml/2006/main">
+  <p:cSld>
+    <p:spTree>
+      <p:nvGrpSpPr>
+        <p:cNvPr id="1" name="">
+          <a:extLst>
+            <a:ext uri="{FF2B5EF4-FFF2-40B4-BE49-F238E27FC236}">
+              <a16:creationId xmlns:a16="http://schemas.microsoft.com/office/drawing/2014/main" id="{7C0D8398-096E-A009-1802-A1F5D15E0974}"/>
+            </a:ext>
+          </a:extLst>
+        </p:cNvPr>
+        <p:cNvGrpSpPr/>
+        <p:nvPr/>
+      </p:nvGrpSpPr>
+      <p:grpSpPr>
+        <a:xfrm>
+          <a:off x="0" y="0"/>
+          <a:ext cx="0" cy="0"/>
+          <a:chOff x="0" y="0"/>
+          <a:chExt cx="0" cy="0"/>
+        </a:xfrm>
+      </p:grpSpPr>
+      <p:sp>
+        <p:nvSpPr>
+          <p:cNvPr id="2" name="Titel 1">
+            <a:extLst>
+              <a:ext uri="{FF2B5EF4-FFF2-40B4-BE49-F238E27FC236}">
+                <a16:creationId xmlns:a16="http://schemas.microsoft.com/office/drawing/2014/main" id="{69DEFE36-1A6B-99A4-3164-A56BAEFF7C73}"/>
+              </a:ext>
+            </a:extLst>
+          </p:cNvPr>
+          <p:cNvSpPr>
+            <a:spLocks noGrp="1"/>
+          </p:cNvSpPr>
+          <p:nvPr>
+            <p:ph type="title"/>
+          </p:nvPr>
+        </p:nvSpPr>
+        <p:spPr/>
+        <p:txBody>
+          <a:bodyPr/>
+          <a:lstStyle/>
+          <a:p>
+            <a:r>
+              <a:rPr lang="en-GB" dirty="0"/>
+              <a:t>Table of contents</a:t>
+            </a:r>
+            <a:endParaRPr lang="en-DE" dirty="0"/>
+          </a:p>
+        </p:txBody>
+      </p:sp>
+      <p:sp>
+        <p:nvSpPr>
+          <p:cNvPr id="3" name="Inhaltsplatzhalter 2">
+            <a:extLst>
+              <a:ext uri="{FF2B5EF4-FFF2-40B4-BE49-F238E27FC236}">
+                <a16:creationId xmlns:a16="http://schemas.microsoft.com/office/drawing/2014/main" id="{14A55DFA-C115-BF99-5449-41E36DE94D65}"/>
+              </a:ext>
+            </a:extLst>
+          </p:cNvPr>
+          <p:cNvSpPr>
+            <a:spLocks noGrp="1"/>
+          </p:cNvSpPr>
+          <p:nvPr>
+            <p:ph idx="1"/>
+          </p:nvPr>
+        </p:nvSpPr>
+        <p:spPr/>
+        <p:txBody>
+          <a:bodyPr>
+            <a:normAutofit/>
+          </a:bodyPr>
+          <a:lstStyle/>
+          <a:p>
+            <a:r>
+              <a:rPr lang="en-GB" sz="1900" dirty="0"/>
+              <a:t>Motivation and Background</a:t>
+            </a:r>
+            <a:endParaRPr lang="en-GB" sz="1800" dirty="0"/>
+          </a:p>
+          <a:p>
+            <a:pPr lvl="1"/>
+            <a:r>
+              <a:rPr lang="en-GB" sz="1800" dirty="0"/>
+              <a:t>What is a context window?</a:t>
+            </a:r>
+          </a:p>
+          <a:p>
+            <a:pPr lvl="1"/>
+            <a:r>
+              <a:rPr lang="en-GB" sz="1800" dirty="0"/>
+              <a:t>Why we care about long context retrieval </a:t>
+            </a:r>
+            <a:endParaRPr lang="en-GB" sz="1900" dirty="0"/>
+          </a:p>
+          <a:p>
+            <a:r>
+              <a:rPr lang="en-GB" sz="1900" dirty="0"/>
+              <a:t>What is a “Needle in a Haystack” ?</a:t>
+            </a:r>
+          </a:p>
+          <a:p>
+            <a:pPr lvl="1"/>
+            <a:r>
+              <a:rPr lang="en-GB" sz="1900" dirty="0"/>
+              <a:t>Greg </a:t>
+            </a:r>
+            <a:r>
+              <a:rPr lang="en-GB" sz="1900" dirty="0" err="1"/>
+              <a:t>kamradt</a:t>
+            </a:r>
+            <a:r>
+              <a:rPr lang="en-GB" sz="1900" dirty="0"/>
+              <a:t> [1]</a:t>
+            </a:r>
+          </a:p>
+          <a:p>
+            <a:pPr lvl="1"/>
+            <a:r>
+              <a:rPr lang="en-GB" sz="1900" dirty="0"/>
+              <a:t>Initial findings </a:t>
+            </a:r>
+          </a:p>
+          <a:p>
+            <a:pPr lvl="1"/>
+            <a:endParaRPr lang="en-GB" sz="1500" dirty="0"/>
+          </a:p>
+          <a:p>
+            <a:pPr lvl="2"/>
+            <a:endParaRPr lang="en-GB" dirty="0"/>
+          </a:p>
+          <a:p>
+            <a:pPr lvl="2"/>
+            <a:endParaRPr lang="en-GB" dirty="0"/>
+          </a:p>
+          <a:p>
+            <a:pPr lvl="2"/>
+            <a:endParaRPr lang="en-GB" dirty="0"/>
+          </a:p>
+          <a:p>
+            <a:endParaRPr lang="en-GB" dirty="0"/>
+          </a:p>
+          <a:p>
+            <a:endParaRPr lang="en-DE" dirty="0"/>
+          </a:p>
+        </p:txBody>
+      </p:sp>
+    </p:spTree>
+    <p:extLst>
+      <p:ext uri="{BB962C8B-B14F-4D97-AF65-F5344CB8AC3E}">
+        <p14:creationId xmlns:p14="http://schemas.microsoft.com/office/powerpoint/2010/main" val="3625824950"/>
+      </p:ext>
+    </p:extLst>
+  </p:cSld>
+  <p:clrMapOvr>
+    <a:masterClrMapping/>
+  </p:clrMapOvr>
+</p:sld>
+</file>
+
+<file path=ppt/slides/slide20.xml><?xml version="1.0" encoding="utf-8"?>
 <p:sld xmlns:a="http://schemas.openxmlformats.org/drawingml/2006/main" xmlns:r="http://schemas.openxmlformats.org/officeDocument/2006/relationships" xmlns:p="http://schemas.openxmlformats.org/presentationml/2006/main">
   <p:cSld>
     <p:spTree>
@@ -4294,7 +4768,7 @@
 </p:sld>
 </file>
 
-<file path=ppt/slides/slide18.xml><?xml version="1.0" encoding="utf-8"?>
+<file path=ppt/slides/slide21.xml><?xml version="1.0" encoding="utf-8"?>
 <p:sld xmlns:a="http://schemas.openxmlformats.org/drawingml/2006/main" xmlns:r="http://schemas.openxmlformats.org/officeDocument/2006/relationships" xmlns:p="http://schemas.openxmlformats.org/presentationml/2006/main">
   <p:cSld>
     <p:spTree>
@@ -4390,7 +4864,7 @@
 </p:sld>
 </file>
 
-<file path=ppt/slides/slide19.xml><?xml version="1.0" encoding="utf-8"?>
+<file path=ppt/slides/slide22.xml><?xml version="1.0" encoding="utf-8"?>
 <p:sld xmlns:a="http://schemas.openxmlformats.org/drawingml/2006/main" xmlns:r="http://schemas.openxmlformats.org/officeDocument/2006/relationships" xmlns:p="http://schemas.openxmlformats.org/presentationml/2006/main">
   <p:cSld>
     <p:spTree>
@@ -4512,168 +4986,7 @@
 </p:sld>
 </file>
 
-<file path=ppt/slides/slide2.xml><?xml version="1.0" encoding="utf-8"?>
-<p:sld xmlns:a="http://schemas.openxmlformats.org/drawingml/2006/main" xmlns:r="http://schemas.openxmlformats.org/officeDocument/2006/relationships" xmlns:p="http://schemas.openxmlformats.org/presentationml/2006/main">
-  <p:cSld>
-    <p:spTree>
-      <p:nvGrpSpPr>
-        <p:cNvPr id="1" name="">
-          <a:extLst>
-            <a:ext uri="{FF2B5EF4-FFF2-40B4-BE49-F238E27FC236}">
-              <a16:creationId xmlns:a16="http://schemas.microsoft.com/office/drawing/2014/main" id="{7C0D8398-096E-A009-1802-A1F5D15E0974}"/>
-            </a:ext>
-          </a:extLst>
-        </p:cNvPr>
-        <p:cNvGrpSpPr/>
-        <p:nvPr/>
-      </p:nvGrpSpPr>
-      <p:grpSpPr>
-        <a:xfrm>
-          <a:off x="0" y="0"/>
-          <a:ext cx="0" cy="0"/>
-          <a:chOff x="0" y="0"/>
-          <a:chExt cx="0" cy="0"/>
-        </a:xfrm>
-      </p:grpSpPr>
-      <p:sp>
-        <p:nvSpPr>
-          <p:cNvPr id="2" name="Titel 1">
-            <a:extLst>
-              <a:ext uri="{FF2B5EF4-FFF2-40B4-BE49-F238E27FC236}">
-                <a16:creationId xmlns:a16="http://schemas.microsoft.com/office/drawing/2014/main" id="{69DEFE36-1A6B-99A4-3164-A56BAEFF7C73}"/>
-              </a:ext>
-            </a:extLst>
-          </p:cNvPr>
-          <p:cNvSpPr>
-            <a:spLocks noGrp="1"/>
-          </p:cNvSpPr>
-          <p:nvPr>
-            <p:ph type="title"/>
-          </p:nvPr>
-        </p:nvSpPr>
-        <p:spPr/>
-        <p:txBody>
-          <a:bodyPr/>
-          <a:lstStyle/>
-          <a:p>
-            <a:r>
-              <a:rPr lang="en-GB" dirty="0"/>
-              <a:t>Table of contents</a:t>
-            </a:r>
-            <a:endParaRPr lang="en-DE" dirty="0"/>
-          </a:p>
-        </p:txBody>
-      </p:sp>
-      <p:sp>
-        <p:nvSpPr>
-          <p:cNvPr id="3" name="Inhaltsplatzhalter 2">
-            <a:extLst>
-              <a:ext uri="{FF2B5EF4-FFF2-40B4-BE49-F238E27FC236}">
-                <a16:creationId xmlns:a16="http://schemas.microsoft.com/office/drawing/2014/main" id="{14A55DFA-C115-BF99-5449-41E36DE94D65}"/>
-              </a:ext>
-            </a:extLst>
-          </p:cNvPr>
-          <p:cNvSpPr>
-            <a:spLocks noGrp="1"/>
-          </p:cNvSpPr>
-          <p:nvPr>
-            <p:ph idx="1"/>
-          </p:nvPr>
-        </p:nvSpPr>
-        <p:spPr/>
-        <p:txBody>
-          <a:bodyPr>
-            <a:normAutofit/>
-          </a:bodyPr>
-          <a:lstStyle/>
-          <a:p>
-            <a:r>
-              <a:rPr lang="en-GB" sz="1900" dirty="0"/>
-              <a:t>Motivation and Background</a:t>
-            </a:r>
-            <a:endParaRPr lang="en-GB" sz="1800" dirty="0"/>
-          </a:p>
-          <a:p>
-            <a:pPr lvl="1"/>
-            <a:r>
-              <a:rPr lang="en-GB" sz="1800" dirty="0"/>
-              <a:t>What is a context window?</a:t>
-            </a:r>
-          </a:p>
-          <a:p>
-            <a:pPr lvl="1"/>
-            <a:r>
-              <a:rPr lang="en-GB" sz="1800" dirty="0"/>
-              <a:t>Why we care about long context retrieval </a:t>
-            </a:r>
-            <a:endParaRPr lang="en-GB" sz="1900" dirty="0"/>
-          </a:p>
-          <a:p>
-            <a:r>
-              <a:rPr lang="en-GB" sz="1900" dirty="0"/>
-              <a:t>What is a “Needle in a Haystack” ?</a:t>
-            </a:r>
-          </a:p>
-          <a:p>
-            <a:pPr lvl="1"/>
-            <a:r>
-              <a:rPr lang="en-GB" sz="1900" dirty="0"/>
-              <a:t>Greg </a:t>
-            </a:r>
-            <a:r>
-              <a:rPr lang="en-GB" sz="1900" dirty="0" err="1"/>
-              <a:t>kamradt</a:t>
-            </a:r>
-            <a:r>
-              <a:rPr lang="en-GB" sz="1900" dirty="0"/>
-              <a:t> [1]</a:t>
-            </a:r>
-          </a:p>
-          <a:p>
-            <a:pPr lvl="1"/>
-            <a:r>
-              <a:rPr lang="en-GB" sz="1900" dirty="0"/>
-              <a:t>Initial findings </a:t>
-            </a:r>
-          </a:p>
-          <a:p>
-            <a:pPr lvl="1"/>
-            <a:endParaRPr lang="en-GB" sz="1500" dirty="0"/>
-          </a:p>
-          <a:p>
-            <a:pPr lvl="2"/>
-            <a:endParaRPr lang="en-GB" dirty="0"/>
-          </a:p>
-          <a:p>
-            <a:pPr lvl="2"/>
-            <a:endParaRPr lang="en-GB" dirty="0"/>
-          </a:p>
-          <a:p>
-            <a:pPr lvl="2"/>
-            <a:endParaRPr lang="en-GB" dirty="0"/>
-          </a:p>
-          <a:p>
-            <a:endParaRPr lang="en-GB" dirty="0"/>
-          </a:p>
-          <a:p>
-            <a:endParaRPr lang="en-DE" dirty="0"/>
-          </a:p>
-        </p:txBody>
-      </p:sp>
-    </p:spTree>
-    <p:extLst>
-      <p:ext uri="{BB962C8B-B14F-4D97-AF65-F5344CB8AC3E}">
-        <p14:creationId xmlns:p14="http://schemas.microsoft.com/office/powerpoint/2010/main" val="3625824950"/>
-      </p:ext>
-    </p:extLst>
-  </p:cSld>
-  <p:clrMapOvr>
-    <a:masterClrMapping/>
-  </p:clrMapOvr>
-</p:sld>
-</file>
-
-<file path=ppt/slides/slide20.xml><?xml version="1.0" encoding="utf-8"?>
+<file path=ppt/slides/slide23.xml><?xml version="1.0" encoding="utf-8"?>
 <p:sld xmlns:a="http://schemas.openxmlformats.org/drawingml/2006/main" xmlns:r="http://schemas.openxmlformats.org/officeDocument/2006/relationships" xmlns:p="http://schemas.openxmlformats.org/presentationml/2006/main">
   <p:cSld>
     <p:spTree>
@@ -4757,7 +5070,7 @@
 </p:sld>
 </file>
 
-<file path=ppt/slides/slide21.xml><?xml version="1.0" encoding="utf-8"?>
+<file path=ppt/slides/slide24.xml><?xml version="1.0" encoding="utf-8"?>
 <p:sld xmlns:a="http://schemas.openxmlformats.org/drawingml/2006/main" xmlns:r="http://schemas.openxmlformats.org/officeDocument/2006/relationships" xmlns:p="http://schemas.openxmlformats.org/presentationml/2006/main">
   <p:cSld>
     <p:bg>
@@ -5215,7 +5528,7 @@
 </p:sld>
 </file>
 
-<file path=ppt/slides/slide22.xml><?xml version="1.0" encoding="utf-8"?>
+<file path=ppt/slides/slide25.xml><?xml version="1.0" encoding="utf-8"?>
 <p:sld xmlns:a="http://schemas.openxmlformats.org/drawingml/2006/main" xmlns:r="http://schemas.openxmlformats.org/officeDocument/2006/relationships" xmlns:p="http://schemas.openxmlformats.org/presentationml/2006/main">
   <p:cSld>
     <p:bg>
@@ -5673,7 +5986,7 @@
 </p:sld>
 </file>
 
-<file path=ppt/slides/slide23.xml><?xml version="1.0" encoding="utf-8"?>
+<file path=ppt/slides/slide26.xml><?xml version="1.0" encoding="utf-8"?>
 <p:sld xmlns:a="http://schemas.openxmlformats.org/drawingml/2006/main" xmlns:r="http://schemas.openxmlformats.org/officeDocument/2006/relationships" xmlns:p="http://schemas.openxmlformats.org/presentationml/2006/main">
   <p:cSld>
     <p:spTree>
@@ -5757,7 +6070,7 @@
 </p:sld>
 </file>
 
-<file path=ppt/slides/slide24.xml><?xml version="1.0" encoding="utf-8"?>
+<file path=ppt/slides/slide27.xml><?xml version="1.0" encoding="utf-8"?>
 <p:sld xmlns:a="http://schemas.openxmlformats.org/drawingml/2006/main" xmlns:r="http://schemas.openxmlformats.org/officeDocument/2006/relationships" xmlns:p="http://schemas.openxmlformats.org/presentationml/2006/main">
   <p:cSld>
     <p:spTree>
@@ -5863,7 +6176,7 @@
 </p:sld>
 </file>
 
-<file path=ppt/slides/slide25.xml><?xml version="1.0" encoding="utf-8"?>
+<file path=ppt/slides/slide28.xml><?xml version="1.0" encoding="utf-8"?>
 <p:sld xmlns:a="http://schemas.openxmlformats.org/drawingml/2006/main" xmlns:r="http://schemas.openxmlformats.org/officeDocument/2006/relationships" xmlns:p="http://schemas.openxmlformats.org/presentationml/2006/main">
   <p:cSld>
     <p:bg>
@@ -6331,7 +6644,7 @@
 </p:sld>
 </file>
 
-<file path=ppt/slides/slide26.xml><?xml version="1.0" encoding="utf-8"?>
+<file path=ppt/slides/slide29.xml><?xml version="1.0" encoding="utf-8"?>
 <p:sld xmlns:a="http://schemas.openxmlformats.org/drawingml/2006/main" xmlns:r="http://schemas.openxmlformats.org/officeDocument/2006/relationships" xmlns:p="http://schemas.openxmlformats.org/presentationml/2006/main">
   <p:cSld>
     <p:spTree>
@@ -6449,7 +6762,174 @@
 </p:sld>
 </file>
 
-<file path=ppt/slides/slide27.xml><?xml version="1.0" encoding="utf-8"?>
+<file path=ppt/slides/slide3.xml><?xml version="1.0" encoding="utf-8"?>
+<p:sld xmlns:a="http://schemas.openxmlformats.org/drawingml/2006/main" xmlns:r="http://schemas.openxmlformats.org/officeDocument/2006/relationships" xmlns:p="http://schemas.openxmlformats.org/presentationml/2006/main">
+  <p:cSld>
+    <p:spTree>
+      <p:nvGrpSpPr>
+        <p:cNvPr id="1" name="">
+          <a:extLst>
+            <a:ext uri="{FF2B5EF4-FFF2-40B4-BE49-F238E27FC236}">
+              <a16:creationId xmlns:a16="http://schemas.microsoft.com/office/drawing/2014/main" id="{78B5013A-D299-267E-D780-8508F2121E81}"/>
+            </a:ext>
+          </a:extLst>
+        </p:cNvPr>
+        <p:cNvGrpSpPr/>
+        <p:nvPr/>
+      </p:nvGrpSpPr>
+      <p:grpSpPr>
+        <a:xfrm>
+          <a:off x="0" y="0"/>
+          <a:ext cx="0" cy="0"/>
+          <a:chOff x="0" y="0"/>
+          <a:chExt cx="0" cy="0"/>
+        </a:xfrm>
+      </p:grpSpPr>
+      <p:sp>
+        <p:nvSpPr>
+          <p:cNvPr id="2" name="Titel 1">
+            <a:extLst>
+              <a:ext uri="{FF2B5EF4-FFF2-40B4-BE49-F238E27FC236}">
+                <a16:creationId xmlns:a16="http://schemas.microsoft.com/office/drawing/2014/main" id="{483DDEA5-EB77-7670-F725-5F6361F7DE5F}"/>
+              </a:ext>
+            </a:extLst>
+          </p:cNvPr>
+          <p:cNvSpPr>
+            <a:spLocks noGrp="1"/>
+          </p:cNvSpPr>
+          <p:nvPr>
+            <p:ph type="title"/>
+          </p:nvPr>
+        </p:nvSpPr>
+        <p:spPr/>
+        <p:txBody>
+          <a:bodyPr/>
+          <a:lstStyle/>
+          <a:p>
+            <a:r>
+              <a:rPr lang="en-GB" dirty="0"/>
+              <a:t>Table of contents</a:t>
+            </a:r>
+            <a:endParaRPr lang="en-DE" dirty="0"/>
+          </a:p>
+        </p:txBody>
+      </p:sp>
+      <p:sp>
+        <p:nvSpPr>
+          <p:cNvPr id="3" name="Inhaltsplatzhalter 2">
+            <a:extLst>
+              <a:ext uri="{FF2B5EF4-FFF2-40B4-BE49-F238E27FC236}">
+                <a16:creationId xmlns:a16="http://schemas.microsoft.com/office/drawing/2014/main" id="{C94EB4AB-D296-D0D5-CBA7-EA70A8741EAA}"/>
+              </a:ext>
+            </a:extLst>
+          </p:cNvPr>
+          <p:cNvSpPr>
+            <a:spLocks noGrp="1"/>
+          </p:cNvSpPr>
+          <p:nvPr>
+            <p:ph idx="1"/>
+          </p:nvPr>
+        </p:nvSpPr>
+        <p:spPr/>
+        <p:txBody>
+          <a:bodyPr>
+            <a:normAutofit/>
+          </a:bodyPr>
+          <a:lstStyle/>
+          <a:p>
+            <a:r>
+              <a:rPr lang="en-GB" sz="1900" dirty="0"/>
+              <a:t>Building on NIH Testing</a:t>
+            </a:r>
+          </a:p>
+          <a:p>
+            <a:pPr lvl="1"/>
+            <a:r>
+              <a:rPr lang="en-GB" sz="1900" dirty="0"/>
+              <a:t>Needle bench</a:t>
+            </a:r>
+          </a:p>
+          <a:p>
+            <a:pPr lvl="2"/>
+            <a:r>
+              <a:rPr lang="en-GB" sz="1900" dirty="0"/>
+              <a:t>Overview</a:t>
+            </a:r>
+          </a:p>
+          <a:p>
+            <a:pPr lvl="2"/>
+            <a:r>
+              <a:rPr lang="en-GB" sz="1900" dirty="0"/>
+              <a:t>Related Work</a:t>
+            </a:r>
+          </a:p>
+          <a:p>
+            <a:pPr lvl="2"/>
+            <a:r>
+              <a:rPr lang="en-GB" sz="1900" dirty="0"/>
+              <a:t>Methodology</a:t>
+            </a:r>
+          </a:p>
+          <a:p>
+            <a:pPr lvl="2"/>
+            <a:r>
+              <a:rPr lang="en-GB" sz="1900" dirty="0"/>
+              <a:t>Experiments</a:t>
+            </a:r>
+          </a:p>
+          <a:p>
+            <a:pPr lvl="2"/>
+            <a:r>
+              <a:rPr lang="en-GB" sz="1900" dirty="0"/>
+              <a:t>Findings</a:t>
+            </a:r>
+          </a:p>
+          <a:p>
+            <a:pPr marL="0" indent="0">
+              <a:buNone/>
+            </a:pPr>
+            <a:endParaRPr lang="en-GB" sz="1900" dirty="0"/>
+          </a:p>
+          <a:p>
+            <a:r>
+              <a:rPr lang="en-GB" sz="1900" dirty="0"/>
+              <a:t>Summary</a:t>
+            </a:r>
+          </a:p>
+          <a:p>
+            <a:pPr lvl="2"/>
+            <a:endParaRPr lang="en-GB" dirty="0"/>
+          </a:p>
+          <a:p>
+            <a:pPr lvl="2"/>
+            <a:endParaRPr lang="en-GB" dirty="0"/>
+          </a:p>
+          <a:p>
+            <a:pPr lvl="2"/>
+            <a:endParaRPr lang="en-GB" dirty="0"/>
+          </a:p>
+          <a:p>
+            <a:endParaRPr lang="en-GB" dirty="0"/>
+          </a:p>
+          <a:p>
+            <a:endParaRPr lang="en-DE" dirty="0"/>
+          </a:p>
+        </p:txBody>
+      </p:sp>
+    </p:spTree>
+    <p:extLst>
+      <p:ext uri="{BB962C8B-B14F-4D97-AF65-F5344CB8AC3E}">
+        <p14:creationId xmlns:p14="http://schemas.microsoft.com/office/powerpoint/2010/main" val="639442844"/>
+      </p:ext>
+    </p:extLst>
+  </p:cSld>
+  <p:clrMapOvr>
+    <a:masterClrMapping/>
+  </p:clrMapOvr>
+</p:sld>
+</file>
+
+<file path=ppt/slides/slide30.xml><?xml version="1.0" encoding="utf-8"?>
 <p:sld xmlns:a="http://schemas.openxmlformats.org/drawingml/2006/main" xmlns:r="http://schemas.openxmlformats.org/officeDocument/2006/relationships" xmlns:p="http://schemas.openxmlformats.org/presentationml/2006/main">
   <p:cSld>
     <p:spTree>
@@ -6537,7 +7017,7 @@
 </p:sld>
 </file>
 
-<file path=ppt/slides/slide28.xml><?xml version="1.0" encoding="utf-8"?>
+<file path=ppt/slides/slide31.xml><?xml version="1.0" encoding="utf-8"?>
 <p:sld xmlns:a="http://schemas.openxmlformats.org/drawingml/2006/main" xmlns:r="http://schemas.openxmlformats.org/officeDocument/2006/relationships" xmlns:p="http://schemas.openxmlformats.org/presentationml/2006/main">
   <p:cSld>
     <p:bg>
@@ -7002,7 +7482,7 @@
 </p:sld>
 </file>
 
-<file path=ppt/slides/slide29.xml><?xml version="1.0" encoding="utf-8"?>
+<file path=ppt/slides/slide32.xml><?xml version="1.0" encoding="utf-8"?>
 <p:sld xmlns:a="http://schemas.openxmlformats.org/drawingml/2006/main" xmlns:r="http://schemas.openxmlformats.org/officeDocument/2006/relationships" xmlns:p="http://schemas.openxmlformats.org/presentationml/2006/main">
   <p:cSld>
     <p:spTree>
@@ -7086,174 +7566,7 @@
 </p:sld>
 </file>
 
-<file path=ppt/slides/slide3.xml><?xml version="1.0" encoding="utf-8"?>
-<p:sld xmlns:a="http://schemas.openxmlformats.org/drawingml/2006/main" xmlns:r="http://schemas.openxmlformats.org/officeDocument/2006/relationships" xmlns:p="http://schemas.openxmlformats.org/presentationml/2006/main">
-  <p:cSld>
-    <p:spTree>
-      <p:nvGrpSpPr>
-        <p:cNvPr id="1" name="">
-          <a:extLst>
-            <a:ext uri="{FF2B5EF4-FFF2-40B4-BE49-F238E27FC236}">
-              <a16:creationId xmlns:a16="http://schemas.microsoft.com/office/drawing/2014/main" id="{78B5013A-D299-267E-D780-8508F2121E81}"/>
-            </a:ext>
-          </a:extLst>
-        </p:cNvPr>
-        <p:cNvGrpSpPr/>
-        <p:nvPr/>
-      </p:nvGrpSpPr>
-      <p:grpSpPr>
-        <a:xfrm>
-          <a:off x="0" y="0"/>
-          <a:ext cx="0" cy="0"/>
-          <a:chOff x="0" y="0"/>
-          <a:chExt cx="0" cy="0"/>
-        </a:xfrm>
-      </p:grpSpPr>
-      <p:sp>
-        <p:nvSpPr>
-          <p:cNvPr id="2" name="Titel 1">
-            <a:extLst>
-              <a:ext uri="{FF2B5EF4-FFF2-40B4-BE49-F238E27FC236}">
-                <a16:creationId xmlns:a16="http://schemas.microsoft.com/office/drawing/2014/main" id="{483DDEA5-EB77-7670-F725-5F6361F7DE5F}"/>
-              </a:ext>
-            </a:extLst>
-          </p:cNvPr>
-          <p:cNvSpPr>
-            <a:spLocks noGrp="1"/>
-          </p:cNvSpPr>
-          <p:nvPr>
-            <p:ph type="title"/>
-          </p:nvPr>
-        </p:nvSpPr>
-        <p:spPr/>
-        <p:txBody>
-          <a:bodyPr/>
-          <a:lstStyle/>
-          <a:p>
-            <a:r>
-              <a:rPr lang="en-GB" dirty="0"/>
-              <a:t>Table of contents</a:t>
-            </a:r>
-            <a:endParaRPr lang="en-DE" dirty="0"/>
-          </a:p>
-        </p:txBody>
-      </p:sp>
-      <p:sp>
-        <p:nvSpPr>
-          <p:cNvPr id="3" name="Inhaltsplatzhalter 2">
-            <a:extLst>
-              <a:ext uri="{FF2B5EF4-FFF2-40B4-BE49-F238E27FC236}">
-                <a16:creationId xmlns:a16="http://schemas.microsoft.com/office/drawing/2014/main" id="{C94EB4AB-D296-D0D5-CBA7-EA70A8741EAA}"/>
-              </a:ext>
-            </a:extLst>
-          </p:cNvPr>
-          <p:cNvSpPr>
-            <a:spLocks noGrp="1"/>
-          </p:cNvSpPr>
-          <p:nvPr>
-            <p:ph idx="1"/>
-          </p:nvPr>
-        </p:nvSpPr>
-        <p:spPr/>
-        <p:txBody>
-          <a:bodyPr>
-            <a:normAutofit/>
-          </a:bodyPr>
-          <a:lstStyle/>
-          <a:p>
-            <a:r>
-              <a:rPr lang="en-GB" sz="1900" dirty="0"/>
-              <a:t>Building on NIH Testing</a:t>
-            </a:r>
-          </a:p>
-          <a:p>
-            <a:pPr lvl="1"/>
-            <a:r>
-              <a:rPr lang="en-GB" sz="1900" dirty="0"/>
-              <a:t>Needle bench</a:t>
-            </a:r>
-          </a:p>
-          <a:p>
-            <a:pPr lvl="2"/>
-            <a:r>
-              <a:rPr lang="en-GB" sz="1900" dirty="0"/>
-              <a:t>Overview</a:t>
-            </a:r>
-          </a:p>
-          <a:p>
-            <a:pPr lvl="2"/>
-            <a:r>
-              <a:rPr lang="en-GB" sz="1900" dirty="0"/>
-              <a:t>Related Work</a:t>
-            </a:r>
-          </a:p>
-          <a:p>
-            <a:pPr lvl="2"/>
-            <a:r>
-              <a:rPr lang="en-GB" sz="1900" dirty="0"/>
-              <a:t>Methodology</a:t>
-            </a:r>
-          </a:p>
-          <a:p>
-            <a:pPr lvl="2"/>
-            <a:r>
-              <a:rPr lang="en-GB" sz="1900" dirty="0"/>
-              <a:t>Experiments</a:t>
-            </a:r>
-          </a:p>
-          <a:p>
-            <a:pPr lvl="2"/>
-            <a:r>
-              <a:rPr lang="en-GB" sz="1900" dirty="0"/>
-              <a:t>Findings</a:t>
-            </a:r>
-          </a:p>
-          <a:p>
-            <a:pPr marL="0" indent="0">
-              <a:buNone/>
-            </a:pPr>
-            <a:endParaRPr lang="en-GB" sz="1900" dirty="0"/>
-          </a:p>
-          <a:p>
-            <a:r>
-              <a:rPr lang="en-GB" sz="1900" dirty="0"/>
-              <a:t>Summary</a:t>
-            </a:r>
-          </a:p>
-          <a:p>
-            <a:pPr lvl="2"/>
-            <a:endParaRPr lang="en-GB" dirty="0"/>
-          </a:p>
-          <a:p>
-            <a:pPr lvl="2"/>
-            <a:endParaRPr lang="en-GB" dirty="0"/>
-          </a:p>
-          <a:p>
-            <a:pPr lvl="2"/>
-            <a:endParaRPr lang="en-GB" dirty="0"/>
-          </a:p>
-          <a:p>
-            <a:endParaRPr lang="en-GB" dirty="0"/>
-          </a:p>
-          <a:p>
-            <a:endParaRPr lang="en-DE" dirty="0"/>
-          </a:p>
-        </p:txBody>
-      </p:sp>
-    </p:spTree>
-    <p:extLst>
-      <p:ext uri="{BB962C8B-B14F-4D97-AF65-F5344CB8AC3E}">
-        <p14:creationId xmlns:p14="http://schemas.microsoft.com/office/powerpoint/2010/main" val="639442844"/>
-      </p:ext>
-    </p:extLst>
-  </p:cSld>
-  <p:clrMapOvr>
-    <a:masterClrMapping/>
-  </p:clrMapOvr>
-</p:sld>
-</file>
-
-<file path=ppt/slides/slide30.xml><?xml version="1.0" encoding="utf-8"?>
+<file path=ppt/slides/slide33.xml><?xml version="1.0" encoding="utf-8"?>
 <p:sld xmlns:a="http://schemas.openxmlformats.org/drawingml/2006/main" xmlns:r="http://schemas.openxmlformats.org/officeDocument/2006/relationships" xmlns:p="http://schemas.openxmlformats.org/presentationml/2006/main">
   <p:cSld>
     <p:spTree>
@@ -7337,7 +7650,7 @@
 </p:sld>
 </file>
 
-<file path=ppt/slides/slide31.xml><?xml version="1.0" encoding="utf-8"?>
+<file path=ppt/slides/slide34.xml><?xml version="1.0" encoding="utf-8"?>
 <p:sld xmlns:a="http://schemas.openxmlformats.org/drawingml/2006/main" xmlns:r="http://schemas.openxmlformats.org/officeDocument/2006/relationships" xmlns:p="http://schemas.openxmlformats.org/presentationml/2006/main">
   <p:cSld>
     <p:spTree>
@@ -7421,7 +7734,7 @@
 </p:sld>
 </file>
 
-<file path=ppt/slides/slide32.xml><?xml version="1.0" encoding="utf-8"?>
+<file path=ppt/slides/slide35.xml><?xml version="1.0" encoding="utf-8"?>
 <p:sld xmlns:a="http://schemas.openxmlformats.org/drawingml/2006/main" xmlns:r="http://schemas.openxmlformats.org/officeDocument/2006/relationships" xmlns:p="http://schemas.openxmlformats.org/presentationml/2006/main">
   <p:cSld>
     <p:spTree>
